--- a/Desenhos/Letras.pptx
+++ b/Desenhos/Letras.pptx
@@ -3532,266 +3532,129 @@
           <a:chExt cx="0" cy="0"/>
         </a:xfrm>
       </p:grpSpPr>
-      <p:sp>
-        <p:nvSpPr>
-          <p:cNvPr id="158" name="Retângulo 157"/>
-          <p:cNvSpPr/>
-          <p:nvPr/>
-        </p:nvSpPr>
-        <p:spPr>
-          <a:xfrm rot="5400000">
-            <a:off x="972821" y="1768546"/>
-            <a:ext cx="135632" cy="244896"/>
-          </a:xfrm>
-          <a:prstGeom prst="rect">
-            <a:avLst/>
-          </a:prstGeom>
-          <a:solidFill>
-            <a:srgbClr val="ABED9B"/>
-          </a:solidFill>
-          <a:ln>
-            <a:noFill/>
-          </a:ln>
-        </p:spPr>
-        <p:style>
-          <a:lnRef idx="2">
-            <a:schemeClr val="accent1">
-              <a:shade val="50000"/>
-            </a:schemeClr>
-          </a:lnRef>
-          <a:fillRef idx="1">
-            <a:schemeClr val="accent1"/>
-          </a:fillRef>
-          <a:effectRef idx="0">
-            <a:schemeClr val="accent1"/>
-          </a:effectRef>
-          <a:fontRef idx="minor">
-            <a:schemeClr val="lt1"/>
-          </a:fontRef>
-        </p:style>
-        <p:txBody>
-          <a:bodyPr rtlCol="0" anchor="ctr"/>
-          <a:lstStyle/>
-          <a:p>
-            <a:pPr algn="ctr"/>
-            <a:endParaRPr lang="pt-BR"/>
-          </a:p>
-        </p:txBody>
-      </p:sp>
-      <p:sp>
-        <p:nvSpPr>
-          <p:cNvPr id="106" name="Retângulo 105"/>
-          <p:cNvSpPr/>
-          <p:nvPr/>
-        </p:nvSpPr>
-        <p:spPr>
-          <a:xfrm>
-            <a:off x="661244" y="1418989"/>
-            <a:ext cx="192271" cy="266964"/>
-          </a:xfrm>
-          <a:prstGeom prst="rect">
-            <a:avLst/>
-          </a:prstGeom>
-          <a:solidFill>
-            <a:srgbClr val="ABED9B"/>
-          </a:solidFill>
-          <a:ln>
-            <a:noFill/>
-          </a:ln>
-        </p:spPr>
-        <p:style>
-          <a:lnRef idx="2">
-            <a:schemeClr val="accent1">
-              <a:shade val="50000"/>
-            </a:schemeClr>
-          </a:lnRef>
-          <a:fillRef idx="1">
-            <a:schemeClr val="accent1"/>
-          </a:fillRef>
-          <a:effectRef idx="0">
-            <a:schemeClr val="accent1"/>
-          </a:effectRef>
-          <a:fontRef idx="minor">
-            <a:schemeClr val="lt1"/>
-          </a:fontRef>
-        </p:style>
-        <p:txBody>
-          <a:bodyPr rtlCol="0" anchor="ctr"/>
-          <a:lstStyle/>
-          <a:p>
-            <a:pPr algn="ctr"/>
-            <a:endParaRPr lang="pt-BR"/>
-          </a:p>
-        </p:txBody>
-      </p:sp>
-      <p:sp>
-        <p:nvSpPr>
-          <p:cNvPr id="75" name="Retângulo 74"/>
-          <p:cNvSpPr/>
-          <p:nvPr/>
-        </p:nvSpPr>
-        <p:spPr>
-          <a:xfrm>
-            <a:off x="665583" y="971491"/>
-            <a:ext cx="192549" cy="159561"/>
-          </a:xfrm>
-          <a:prstGeom prst="rect">
-            <a:avLst/>
-          </a:prstGeom>
-          <a:solidFill>
-            <a:srgbClr val="F6882E"/>
-          </a:solidFill>
-          <a:ln>
-            <a:noFill/>
-          </a:ln>
-        </p:spPr>
-        <p:style>
-          <a:lnRef idx="2">
-            <a:schemeClr val="accent1">
-              <a:shade val="50000"/>
-            </a:schemeClr>
-          </a:lnRef>
-          <a:fillRef idx="1">
-            <a:schemeClr val="accent1"/>
-          </a:fillRef>
-          <a:effectRef idx="0">
-            <a:schemeClr val="accent1"/>
-          </a:effectRef>
-          <a:fontRef idx="minor">
-            <a:schemeClr val="lt1"/>
-          </a:fontRef>
-        </p:style>
-        <p:txBody>
-          <a:bodyPr rtlCol="0" anchor="ctr"/>
-          <a:lstStyle/>
-          <a:p>
-            <a:pPr algn="ctr"/>
-            <a:endParaRPr lang="pt-BR"/>
-          </a:p>
-        </p:txBody>
-      </p:sp>
       <p:grpSp>
         <p:nvGrpSpPr>
-          <p:cNvPr id="69" name="Grupo 68"/>
+          <p:cNvPr id="16" name="Grupo 15"/>
           <p:cNvGrpSpPr/>
           <p:nvPr/>
         </p:nvGrpSpPr>
         <p:grpSpPr>
           <a:xfrm>
             <a:off x="395536" y="618042"/>
-            <a:ext cx="597547" cy="511497"/>
-            <a:chOff x="137347" y="212194"/>
-            <a:chExt cx="1876136" cy="1605963"/>
+            <a:ext cx="1079172" cy="1524649"/>
+            <a:chOff x="395536" y="618042"/>
+            <a:chExt cx="1079172" cy="1524649"/>
           </a:xfrm>
-          <a:solidFill>
-            <a:srgbClr val="FF5757"/>
-          </a:solidFill>
         </p:grpSpPr>
         <p:sp>
           <p:nvSpPr>
-            <p:cNvPr id="4" name="Retângulo de cantos arredondados 3"/>
+            <p:cNvPr id="158" name="Retângulo 157"/>
+            <p:cNvSpPr/>
+            <p:nvPr/>
+          </p:nvSpPr>
+          <p:spPr>
+            <a:xfrm rot="5400000">
+              <a:off x="972821" y="1768546"/>
+              <a:ext cx="135632" cy="244896"/>
+            </a:xfrm>
+            <a:prstGeom prst="rect">
+              <a:avLst/>
+            </a:prstGeom>
+            <a:solidFill>
+              <a:srgbClr val="ABED9B"/>
+            </a:solidFill>
+            <a:ln>
+              <a:noFill/>
+            </a:ln>
+          </p:spPr>
+          <p:style>
+            <a:lnRef idx="2">
+              <a:schemeClr val="accent1">
+                <a:shade val="50000"/>
+              </a:schemeClr>
+            </a:lnRef>
+            <a:fillRef idx="1">
+              <a:schemeClr val="accent1"/>
+            </a:fillRef>
+            <a:effectRef idx="0">
+              <a:schemeClr val="accent1"/>
+            </a:effectRef>
+            <a:fontRef idx="minor">
+              <a:schemeClr val="lt1"/>
+            </a:fontRef>
+          </p:style>
+          <p:txBody>
+            <a:bodyPr rtlCol="0" anchor="ctr"/>
+            <a:lstStyle/>
+            <a:p>
+              <a:pPr algn="ctr"/>
+              <a:endParaRPr lang="pt-BR"/>
+            </a:p>
+          </p:txBody>
+        </p:sp>
+        <p:sp>
+          <p:nvSpPr>
+            <p:cNvPr id="106" name="Retângulo 105"/>
             <p:cNvSpPr/>
             <p:nvPr/>
           </p:nvSpPr>
           <p:spPr>
             <a:xfrm>
-              <a:off x="501315" y="217998"/>
-              <a:ext cx="1512168" cy="1599381"/>
+              <a:off x="661244" y="1418989"/>
+              <a:ext cx="192271" cy="266964"/>
             </a:xfrm>
-            <a:custGeom>
+            <a:prstGeom prst="rect">
               <a:avLst/>
-              <a:gdLst/>
-              <a:ahLst/>
-              <a:cxnLst/>
-              <a:rect l="l" t="t" r="r" b="b"/>
-              <a:pathLst>
-                <a:path w="1512168" h="1599381">
-                  <a:moveTo>
-                    <a:pt x="252033" y="0"/>
-                  </a:moveTo>
-                  <a:lnTo>
-                    <a:pt x="1260135" y="0"/>
-                  </a:lnTo>
-                  <a:cubicBezTo>
-                    <a:pt x="1399329" y="0"/>
-                    <a:pt x="1512168" y="112839"/>
-                    <a:pt x="1512168" y="252033"/>
-                  </a:cubicBezTo>
-                  <a:lnTo>
-                    <a:pt x="1512168" y="1347348"/>
-                  </a:lnTo>
-                  <a:cubicBezTo>
-                    <a:pt x="1512168" y="1486542"/>
-                    <a:pt x="1399329" y="1599381"/>
-                    <a:pt x="1260135" y="1599381"/>
-                  </a:cubicBezTo>
-                  <a:lnTo>
-                    <a:pt x="870875" y="1599381"/>
-                  </a:lnTo>
-                  <a:cubicBezTo>
-                    <a:pt x="866206" y="1588700"/>
-                    <a:pt x="861243" y="1579345"/>
-                    <a:pt x="857998" y="1568300"/>
-                  </a:cubicBezTo>
-                  <a:cubicBezTo>
-                    <a:pt x="852672" y="1550171"/>
-                    <a:pt x="846483" y="1531604"/>
-                    <a:pt x="848238" y="1513013"/>
-                  </a:cubicBezTo>
-                  <a:cubicBezTo>
-                    <a:pt x="848807" y="1506979"/>
-                    <a:pt x="850174" y="1501108"/>
-                    <a:pt x="852940" y="1495504"/>
-                  </a:cubicBezTo>
-                  <a:cubicBezTo>
-                    <a:pt x="912999" y="1467473"/>
-                    <a:pt x="952483" y="1410195"/>
-                    <a:pt x="952483" y="1344593"/>
-                  </a:cubicBezTo>
-                  <a:cubicBezTo>
-                    <a:pt x="952483" y="1246695"/>
-                    <a:pt x="864552" y="1167333"/>
-                    <a:pt x="756084" y="1167333"/>
-                  </a:cubicBezTo>
-                  <a:cubicBezTo>
-                    <a:pt x="647616" y="1167333"/>
-                    <a:pt x="559685" y="1246695"/>
-                    <a:pt x="559685" y="1344593"/>
-                  </a:cubicBezTo>
-                  <a:cubicBezTo>
-                    <a:pt x="559685" y="1404388"/>
-                    <a:pt x="592488" y="1457267"/>
-                    <a:pt x="644534" y="1486563"/>
-                  </a:cubicBezTo>
-                  <a:lnTo>
-                    <a:pt x="647600" y="1501220"/>
-                  </a:lnTo>
-                  <a:cubicBezTo>
-                    <a:pt x="647262" y="1525880"/>
-                    <a:pt x="632727" y="1567625"/>
-                    <a:pt x="617482" y="1599381"/>
-                  </a:cubicBezTo>
-                  <a:lnTo>
-                    <a:pt x="252033" y="1599381"/>
-                  </a:lnTo>
-                  <a:cubicBezTo>
-                    <a:pt x="112839" y="1599381"/>
-                    <a:pt x="0" y="1486542"/>
-                    <a:pt x="0" y="1347348"/>
-                  </a:cubicBezTo>
-                  <a:lnTo>
-                    <a:pt x="0" y="252033"/>
-                  </a:lnTo>
-                  <a:cubicBezTo>
-                    <a:pt x="0" y="112839"/>
-                    <a:pt x="112839" y="0"/>
-                    <a:pt x="252033" y="0"/>
-                  </a:cubicBezTo>
-                  <a:close/>
-                </a:path>
-              </a:pathLst>
-            </a:custGeom>
-            <a:grpFill/>
+            </a:prstGeom>
+            <a:solidFill>
+              <a:srgbClr val="ABED9B"/>
+            </a:solidFill>
+            <a:ln>
+              <a:noFill/>
+            </a:ln>
+          </p:spPr>
+          <p:style>
+            <a:lnRef idx="2">
+              <a:schemeClr val="accent1">
+                <a:shade val="50000"/>
+              </a:schemeClr>
+            </a:lnRef>
+            <a:fillRef idx="1">
+              <a:schemeClr val="accent1"/>
+            </a:fillRef>
+            <a:effectRef idx="0">
+              <a:schemeClr val="accent1"/>
+            </a:effectRef>
+            <a:fontRef idx="minor">
+              <a:schemeClr val="lt1"/>
+            </a:fontRef>
+          </p:style>
+          <p:txBody>
+            <a:bodyPr rtlCol="0" anchor="ctr"/>
+            <a:lstStyle/>
+            <a:p>
+              <a:pPr algn="ctr"/>
+              <a:endParaRPr lang="pt-BR"/>
+            </a:p>
+          </p:txBody>
+        </p:sp>
+        <p:sp>
+          <p:nvSpPr>
+            <p:cNvPr id="75" name="Retângulo 74"/>
+            <p:cNvSpPr/>
+            <p:nvPr/>
+          </p:nvSpPr>
+          <p:spPr>
+            <a:xfrm>
+              <a:off x="665583" y="971491"/>
+              <a:ext cx="192549" cy="159561"/>
+            </a:xfrm>
+            <a:prstGeom prst="rect">
+              <a:avLst/>
+            </a:prstGeom>
+            <a:solidFill>
+              <a:srgbClr val="F6882E"/>
+            </a:solidFill>
             <a:ln>
               <a:noFill/>
             </a:ln>
@@ -3823,28 +3686,1483 @@
         </p:sp>
         <p:grpSp>
           <p:nvGrpSpPr>
-            <p:cNvPr id="67" name="Grupo 66"/>
+            <p:cNvPr id="69" name="Grupo 68"/>
             <p:cNvGrpSpPr/>
             <p:nvPr/>
           </p:nvGrpSpPr>
           <p:grpSpPr>
             <a:xfrm>
-              <a:off x="137347" y="804215"/>
-              <a:ext cx="550022" cy="392797"/>
-              <a:chOff x="535380" y="3425109"/>
-              <a:chExt cx="550022" cy="392797"/>
+              <a:off x="395536" y="618042"/>
+              <a:ext cx="597547" cy="511497"/>
+              <a:chOff x="137347" y="212194"/>
+              <a:chExt cx="1876136" cy="1605963"/>
             </a:xfrm>
-            <a:grpFill/>
+            <a:solidFill>
+              <a:srgbClr val="FF5757"/>
+            </a:solidFill>
           </p:grpSpPr>
           <p:sp>
             <p:nvSpPr>
-              <p:cNvPr id="54" name="Elipse 53"/>
+              <p:cNvPr id="4" name="Retângulo de cantos arredondados 3"/>
+              <p:cNvSpPr/>
+              <p:nvPr/>
+            </p:nvSpPr>
+            <p:spPr>
+              <a:xfrm>
+                <a:off x="501315" y="217998"/>
+                <a:ext cx="1512168" cy="1599381"/>
+              </a:xfrm>
+              <a:custGeom>
+                <a:avLst/>
+                <a:gdLst/>
+                <a:ahLst/>
+                <a:cxnLst/>
+                <a:rect l="l" t="t" r="r" b="b"/>
+                <a:pathLst>
+                  <a:path w="1512168" h="1599381">
+                    <a:moveTo>
+                      <a:pt x="252033" y="0"/>
+                    </a:moveTo>
+                    <a:lnTo>
+                      <a:pt x="1260135" y="0"/>
+                    </a:lnTo>
+                    <a:cubicBezTo>
+                      <a:pt x="1399329" y="0"/>
+                      <a:pt x="1512168" y="112839"/>
+                      <a:pt x="1512168" y="252033"/>
+                    </a:cubicBezTo>
+                    <a:lnTo>
+                      <a:pt x="1512168" y="1347348"/>
+                    </a:lnTo>
+                    <a:cubicBezTo>
+                      <a:pt x="1512168" y="1486542"/>
+                      <a:pt x="1399329" y="1599381"/>
+                      <a:pt x="1260135" y="1599381"/>
+                    </a:cubicBezTo>
+                    <a:lnTo>
+                      <a:pt x="870875" y="1599381"/>
+                    </a:lnTo>
+                    <a:cubicBezTo>
+                      <a:pt x="866206" y="1588700"/>
+                      <a:pt x="861243" y="1579345"/>
+                      <a:pt x="857998" y="1568300"/>
+                    </a:cubicBezTo>
+                    <a:cubicBezTo>
+                      <a:pt x="852672" y="1550171"/>
+                      <a:pt x="846483" y="1531604"/>
+                      <a:pt x="848238" y="1513013"/>
+                    </a:cubicBezTo>
+                    <a:cubicBezTo>
+                      <a:pt x="848807" y="1506979"/>
+                      <a:pt x="850174" y="1501108"/>
+                      <a:pt x="852940" y="1495504"/>
+                    </a:cubicBezTo>
+                    <a:cubicBezTo>
+                      <a:pt x="912999" y="1467473"/>
+                      <a:pt x="952483" y="1410195"/>
+                      <a:pt x="952483" y="1344593"/>
+                    </a:cubicBezTo>
+                    <a:cubicBezTo>
+                      <a:pt x="952483" y="1246695"/>
+                      <a:pt x="864552" y="1167333"/>
+                      <a:pt x="756084" y="1167333"/>
+                    </a:cubicBezTo>
+                    <a:cubicBezTo>
+                      <a:pt x="647616" y="1167333"/>
+                      <a:pt x="559685" y="1246695"/>
+                      <a:pt x="559685" y="1344593"/>
+                    </a:cubicBezTo>
+                    <a:cubicBezTo>
+                      <a:pt x="559685" y="1404388"/>
+                      <a:pt x="592488" y="1457267"/>
+                      <a:pt x="644534" y="1486563"/>
+                    </a:cubicBezTo>
+                    <a:lnTo>
+                      <a:pt x="647600" y="1501220"/>
+                    </a:lnTo>
+                    <a:cubicBezTo>
+                      <a:pt x="647262" y="1525880"/>
+                      <a:pt x="632727" y="1567625"/>
+                      <a:pt x="617482" y="1599381"/>
+                    </a:cubicBezTo>
+                    <a:lnTo>
+                      <a:pt x="252033" y="1599381"/>
+                    </a:lnTo>
+                    <a:cubicBezTo>
+                      <a:pt x="112839" y="1599381"/>
+                      <a:pt x="0" y="1486542"/>
+                      <a:pt x="0" y="1347348"/>
+                    </a:cubicBezTo>
+                    <a:lnTo>
+                      <a:pt x="0" y="252033"/>
+                    </a:lnTo>
+                    <a:cubicBezTo>
+                      <a:pt x="0" y="112839"/>
+                      <a:pt x="112839" y="0"/>
+                      <a:pt x="252033" y="0"/>
+                    </a:cubicBezTo>
+                    <a:close/>
+                  </a:path>
+                </a:pathLst>
+              </a:custGeom>
+              <a:grpFill/>
+              <a:ln>
+                <a:noFill/>
+              </a:ln>
+            </p:spPr>
+            <p:style>
+              <a:lnRef idx="2">
+                <a:schemeClr val="accent1">
+                  <a:shade val="50000"/>
+                </a:schemeClr>
+              </a:lnRef>
+              <a:fillRef idx="1">
+                <a:schemeClr val="accent1"/>
+              </a:fillRef>
+              <a:effectRef idx="0">
+                <a:schemeClr val="accent1"/>
+              </a:effectRef>
+              <a:fontRef idx="minor">
+                <a:schemeClr val="lt1"/>
+              </a:fontRef>
+            </p:style>
+            <p:txBody>
+              <a:bodyPr rtlCol="0" anchor="ctr"/>
+              <a:lstStyle/>
+              <a:p>
+                <a:pPr algn="ctr"/>
+                <a:endParaRPr lang="pt-BR"/>
+              </a:p>
+            </p:txBody>
+          </p:sp>
+          <p:grpSp>
+            <p:nvGrpSpPr>
+              <p:cNvPr id="67" name="Grupo 66"/>
+              <p:cNvGrpSpPr/>
+              <p:nvPr/>
+            </p:nvGrpSpPr>
+            <p:grpSpPr>
+              <a:xfrm>
+                <a:off x="137347" y="804215"/>
+                <a:ext cx="550022" cy="392797"/>
+                <a:chOff x="535380" y="3425109"/>
+                <a:chExt cx="550022" cy="392797"/>
+              </a:xfrm>
+              <a:grpFill/>
+            </p:grpSpPr>
+            <p:sp>
+              <p:nvSpPr>
+                <p:cNvPr id="54" name="Elipse 53"/>
+                <p:cNvSpPr/>
+                <p:nvPr/>
+              </p:nvSpPr>
+              <p:spPr>
+                <a:xfrm rot="11038808">
+                  <a:off x="535380" y="3425109"/>
+                  <a:ext cx="338336" cy="392797"/>
+                </a:xfrm>
+                <a:prstGeom prst="ellipse">
+                  <a:avLst/>
+                </a:prstGeom>
+                <a:grpFill/>
+                <a:ln>
+                  <a:noFill/>
+                </a:ln>
+              </p:spPr>
+              <p:style>
+                <a:lnRef idx="2">
+                  <a:schemeClr val="accent1">
+                    <a:shade val="50000"/>
+                  </a:schemeClr>
+                </a:lnRef>
+                <a:fillRef idx="1">
+                  <a:schemeClr val="accent1"/>
+                </a:fillRef>
+                <a:effectRef idx="0">
+                  <a:schemeClr val="accent1"/>
+                </a:effectRef>
+                <a:fontRef idx="minor">
+                  <a:schemeClr val="lt1"/>
+                </a:fontRef>
+              </p:style>
+              <p:txBody>
+                <a:bodyPr rtlCol="0" anchor="ctr"/>
+                <a:lstStyle/>
+                <a:p>
+                  <a:pPr algn="ctr"/>
+                  <a:endParaRPr lang="pt-BR"/>
+                </a:p>
+              </p:txBody>
+            </p:sp>
+            <p:sp>
+              <p:nvSpPr>
+                <p:cNvPr id="55" name="Forma livre 54"/>
+                <p:cNvSpPr/>
+                <p:nvPr/>
+              </p:nvSpPr>
+              <p:spPr>
+                <a:xfrm rot="11038808">
+                  <a:off x="713104" y="3441487"/>
+                  <a:ext cx="372298" cy="360040"/>
+                </a:xfrm>
+                <a:custGeom>
+                  <a:avLst/>
+                  <a:gdLst>
+                    <a:gd name="connsiteX0" fmla="*/ 24158 w 372298"/>
+                    <a:gd name="connsiteY0" fmla="*/ 2471 h 486330"/>
+                    <a:gd name="connsiteX1" fmla="*/ 117027 w 372298"/>
+                    <a:gd name="connsiteY1" fmla="*/ 81052 h 486330"/>
+                    <a:gd name="connsiteX2" fmla="*/ 224183 w 372298"/>
+                    <a:gd name="connsiteY2" fmla="*/ 119152 h 486330"/>
+                    <a:gd name="connsiteX3" fmla="*/ 276571 w 372298"/>
+                    <a:gd name="connsiteY3" fmla="*/ 73908 h 486330"/>
+                    <a:gd name="connsiteX4" fmla="*/ 290858 w 372298"/>
+                    <a:gd name="connsiteY4" fmla="*/ 62002 h 486330"/>
+                    <a:gd name="connsiteX5" fmla="*/ 359914 w 372298"/>
+                    <a:gd name="connsiteY5" fmla="*/ 47715 h 486330"/>
+                    <a:gd name="connsiteX6" fmla="*/ 371821 w 372298"/>
+                    <a:gd name="connsiteY6" fmla="*/ 219165 h 486330"/>
+                    <a:gd name="connsiteX7" fmla="*/ 369439 w 372298"/>
+                    <a:gd name="connsiteY7" fmla="*/ 352515 h 486330"/>
+                    <a:gd name="connsiteX8" fmla="*/ 364677 w 372298"/>
+                    <a:gd name="connsiteY8" fmla="*/ 459671 h 486330"/>
+                    <a:gd name="connsiteX9" fmla="*/ 348008 w 372298"/>
+                    <a:gd name="connsiteY9" fmla="*/ 457290 h 486330"/>
+                    <a:gd name="connsiteX10" fmla="*/ 278952 w 372298"/>
+                    <a:gd name="connsiteY10" fmla="*/ 414427 h 486330"/>
+                    <a:gd name="connsiteX11" fmla="*/ 221802 w 372298"/>
+                    <a:gd name="connsiteY11" fmla="*/ 390615 h 486330"/>
+                    <a:gd name="connsiteX12" fmla="*/ 167033 w 372298"/>
+                    <a:gd name="connsiteY12" fmla="*/ 407283 h 486330"/>
+                    <a:gd name="connsiteX13" fmla="*/ 114646 w 372298"/>
+                    <a:gd name="connsiteY13" fmla="*/ 440621 h 486330"/>
+                    <a:gd name="connsiteX14" fmla="*/ 38446 w 372298"/>
+                    <a:gd name="connsiteY14" fmla="*/ 471577 h 486330"/>
+                    <a:gd name="connsiteX15" fmla="*/ 346 w 372298"/>
+                    <a:gd name="connsiteY15" fmla="*/ 183446 h 486330"/>
+                    <a:gd name="connsiteX16" fmla="*/ 24158 w 372298"/>
+                    <a:gd name="connsiteY16" fmla="*/ 2471 h 486330"/>
+                  </a:gdLst>
+                  <a:ahLst/>
+                  <a:cxnLst>
+                    <a:cxn ang="0">
+                      <a:pos x="connsiteX0" y="connsiteY0"/>
+                    </a:cxn>
+                    <a:cxn ang="0">
+                      <a:pos x="connsiteX1" y="connsiteY1"/>
+                    </a:cxn>
+                    <a:cxn ang="0">
+                      <a:pos x="connsiteX2" y="connsiteY2"/>
+                    </a:cxn>
+                    <a:cxn ang="0">
+                      <a:pos x="connsiteX3" y="connsiteY3"/>
+                    </a:cxn>
+                    <a:cxn ang="0">
+                      <a:pos x="connsiteX4" y="connsiteY4"/>
+                    </a:cxn>
+                    <a:cxn ang="0">
+                      <a:pos x="connsiteX5" y="connsiteY5"/>
+                    </a:cxn>
+                    <a:cxn ang="0">
+                      <a:pos x="connsiteX6" y="connsiteY6"/>
+                    </a:cxn>
+                    <a:cxn ang="0">
+                      <a:pos x="connsiteX7" y="connsiteY7"/>
+                    </a:cxn>
+                    <a:cxn ang="0">
+                      <a:pos x="connsiteX8" y="connsiteY8"/>
+                    </a:cxn>
+                    <a:cxn ang="0">
+                      <a:pos x="connsiteX9" y="connsiteY9"/>
+                    </a:cxn>
+                    <a:cxn ang="0">
+                      <a:pos x="connsiteX10" y="connsiteY10"/>
+                    </a:cxn>
+                    <a:cxn ang="0">
+                      <a:pos x="connsiteX11" y="connsiteY11"/>
+                    </a:cxn>
+                    <a:cxn ang="0">
+                      <a:pos x="connsiteX12" y="connsiteY12"/>
+                    </a:cxn>
+                    <a:cxn ang="0">
+                      <a:pos x="connsiteX13" y="connsiteY13"/>
+                    </a:cxn>
+                    <a:cxn ang="0">
+                      <a:pos x="connsiteX14" y="connsiteY14"/>
+                    </a:cxn>
+                    <a:cxn ang="0">
+                      <a:pos x="connsiteX15" y="connsiteY15"/>
+                    </a:cxn>
+                    <a:cxn ang="0">
+                      <a:pos x="connsiteX16" y="connsiteY16"/>
+                    </a:cxn>
+                  </a:cxnLst>
+                  <a:rect l="l" t="t" r="r" b="b"/>
+                  <a:pathLst>
+                    <a:path w="372298" h="486330">
+                      <a:moveTo>
+                        <a:pt x="24158" y="2471"/>
+                      </a:moveTo>
+                      <a:cubicBezTo>
+                        <a:pt x="43605" y="-14595"/>
+                        <a:pt x="83689" y="61605"/>
+                        <a:pt x="117027" y="81052"/>
+                      </a:cubicBezTo>
+                      <a:cubicBezTo>
+                        <a:pt x="150365" y="100499"/>
+                        <a:pt x="197592" y="120343"/>
+                        <a:pt x="224183" y="119152"/>
+                      </a:cubicBezTo>
+                      <a:cubicBezTo>
+                        <a:pt x="250774" y="117961"/>
+                        <a:pt x="265459" y="83433"/>
+                        <a:pt x="276571" y="73908"/>
+                      </a:cubicBezTo>
+                      <a:cubicBezTo>
+                        <a:pt x="287684" y="64383"/>
+                        <a:pt x="276967" y="66368"/>
+                        <a:pt x="290858" y="62002"/>
+                      </a:cubicBezTo>
+                      <a:cubicBezTo>
+                        <a:pt x="304749" y="57636"/>
+                        <a:pt x="346420" y="21521"/>
+                        <a:pt x="359914" y="47715"/>
+                      </a:cubicBezTo>
+                      <a:cubicBezTo>
+                        <a:pt x="373408" y="73909"/>
+                        <a:pt x="370234" y="168365"/>
+                        <a:pt x="371821" y="219165"/>
+                      </a:cubicBezTo>
+                      <a:cubicBezTo>
+                        <a:pt x="373409" y="269965"/>
+                        <a:pt x="370630" y="312431"/>
+                        <a:pt x="369439" y="352515"/>
+                      </a:cubicBezTo>
+                      <a:cubicBezTo>
+                        <a:pt x="368248" y="392599"/>
+                        <a:pt x="368249" y="442209"/>
+                        <a:pt x="364677" y="459671"/>
+                      </a:cubicBezTo>
+                      <a:cubicBezTo>
+                        <a:pt x="361105" y="477134"/>
+                        <a:pt x="362296" y="464831"/>
+                        <a:pt x="348008" y="457290"/>
+                      </a:cubicBezTo>
+                      <a:cubicBezTo>
+                        <a:pt x="333721" y="449749"/>
+                        <a:pt x="299986" y="425539"/>
+                        <a:pt x="278952" y="414427"/>
+                      </a:cubicBezTo>
+                      <a:cubicBezTo>
+                        <a:pt x="257918" y="403315"/>
+                        <a:pt x="240455" y="391806"/>
+                        <a:pt x="221802" y="390615"/>
+                      </a:cubicBezTo>
+                      <a:cubicBezTo>
+                        <a:pt x="203149" y="389424"/>
+                        <a:pt x="184892" y="398949"/>
+                        <a:pt x="167033" y="407283"/>
+                      </a:cubicBezTo>
+                      <a:cubicBezTo>
+                        <a:pt x="149174" y="415617"/>
+                        <a:pt x="136077" y="429905"/>
+                        <a:pt x="114646" y="440621"/>
+                      </a:cubicBezTo>
+                      <a:cubicBezTo>
+                        <a:pt x="93215" y="451337"/>
+                        <a:pt x="57496" y="514440"/>
+                        <a:pt x="38446" y="471577"/>
+                      </a:cubicBezTo>
+                      <a:cubicBezTo>
+                        <a:pt x="19396" y="428715"/>
+                        <a:pt x="2330" y="260043"/>
+                        <a:pt x="346" y="183446"/>
+                      </a:cubicBezTo>
+                      <a:cubicBezTo>
+                        <a:pt x="-1638" y="106849"/>
+                        <a:pt x="4711" y="19537"/>
+                        <a:pt x="24158" y="2471"/>
+                      </a:cubicBezTo>
+                      <a:close/>
+                    </a:path>
+                  </a:pathLst>
+                </a:custGeom>
+                <a:grpFill/>
+                <a:ln>
+                  <a:noFill/>
+                </a:ln>
+              </p:spPr>
+              <p:style>
+                <a:lnRef idx="2">
+                  <a:schemeClr val="accent1">
+                    <a:shade val="50000"/>
+                  </a:schemeClr>
+                </a:lnRef>
+                <a:fillRef idx="1">
+                  <a:schemeClr val="accent1"/>
+                </a:fillRef>
+                <a:effectRef idx="0">
+                  <a:schemeClr val="accent1"/>
+                </a:effectRef>
+                <a:fontRef idx="minor">
+                  <a:schemeClr val="lt1"/>
+                </a:fontRef>
+              </p:style>
+              <p:txBody>
+                <a:bodyPr rtlCol="0" anchor="ctr"/>
+                <a:lstStyle/>
+                <a:p>
+                  <a:pPr algn="ctr"/>
+                  <a:endParaRPr lang="pt-BR"/>
+                </a:p>
+              </p:txBody>
+            </p:sp>
+          </p:grpSp>
+          <p:sp>
+            <p:nvSpPr>
+              <p:cNvPr id="59" name="Retângulo 58"/>
+              <p:cNvSpPr/>
+              <p:nvPr/>
+            </p:nvSpPr>
+            <p:spPr>
+              <a:xfrm>
+                <a:off x="501315" y="212194"/>
+                <a:ext cx="1512168" cy="408494"/>
+              </a:xfrm>
+              <a:prstGeom prst="rect">
+                <a:avLst/>
+              </a:prstGeom>
+              <a:grpFill/>
+              <a:ln>
+                <a:noFill/>
+              </a:ln>
+            </p:spPr>
+            <p:style>
+              <a:lnRef idx="2">
+                <a:schemeClr val="accent1">
+                  <a:shade val="50000"/>
+                </a:schemeClr>
+              </a:lnRef>
+              <a:fillRef idx="1">
+                <a:schemeClr val="accent1"/>
+              </a:fillRef>
+              <a:effectRef idx="0">
+                <a:schemeClr val="accent1"/>
+              </a:effectRef>
+              <a:fontRef idx="minor">
+                <a:schemeClr val="lt1"/>
+              </a:fontRef>
+            </p:style>
+            <p:txBody>
+              <a:bodyPr rtlCol="0" anchor="ctr"/>
+              <a:lstStyle/>
+              <a:p>
+                <a:pPr algn="ctr"/>
+                <a:endParaRPr lang="pt-BR"/>
+              </a:p>
+            </p:txBody>
+          </p:sp>
+          <p:sp>
+            <p:nvSpPr>
+              <p:cNvPr id="61" name="Retângulo 60"/>
+              <p:cNvSpPr/>
+              <p:nvPr/>
+            </p:nvSpPr>
+            <p:spPr>
+              <a:xfrm>
+                <a:off x="501316" y="1401164"/>
+                <a:ext cx="387265" cy="408494"/>
+              </a:xfrm>
+              <a:prstGeom prst="rect">
+                <a:avLst/>
+              </a:prstGeom>
+              <a:grpFill/>
+              <a:ln>
+                <a:noFill/>
+              </a:ln>
+            </p:spPr>
+            <p:style>
+              <a:lnRef idx="2">
+                <a:schemeClr val="accent1">
+                  <a:shade val="50000"/>
+                </a:schemeClr>
+              </a:lnRef>
+              <a:fillRef idx="1">
+                <a:schemeClr val="accent1"/>
+              </a:fillRef>
+              <a:effectRef idx="0">
+                <a:schemeClr val="accent1"/>
+              </a:effectRef>
+              <a:fontRef idx="minor">
+                <a:schemeClr val="lt1"/>
+              </a:fontRef>
+            </p:style>
+            <p:txBody>
+              <a:bodyPr rtlCol="0" anchor="ctr"/>
+              <a:lstStyle/>
+              <a:p>
+                <a:pPr algn="ctr"/>
+                <a:endParaRPr lang="pt-BR"/>
+              </a:p>
+            </p:txBody>
+          </p:sp>
+          <p:sp>
+            <p:nvSpPr>
+              <p:cNvPr id="62" name="Retângulo 61"/>
+              <p:cNvSpPr/>
+              <p:nvPr/>
+            </p:nvSpPr>
+            <p:spPr>
+              <a:xfrm>
+                <a:off x="1626121" y="1409663"/>
+                <a:ext cx="387362" cy="408494"/>
+              </a:xfrm>
+              <a:prstGeom prst="rect">
+                <a:avLst/>
+              </a:prstGeom>
+              <a:grpFill/>
+              <a:ln>
+                <a:noFill/>
+              </a:ln>
+            </p:spPr>
+            <p:style>
+              <a:lnRef idx="2">
+                <a:schemeClr val="accent1">
+                  <a:shade val="50000"/>
+                </a:schemeClr>
+              </a:lnRef>
+              <a:fillRef idx="1">
+                <a:schemeClr val="accent1"/>
+              </a:fillRef>
+              <a:effectRef idx="0">
+                <a:schemeClr val="accent1"/>
+              </a:effectRef>
+              <a:fontRef idx="minor">
+                <a:schemeClr val="lt1"/>
+              </a:fontRef>
+            </p:style>
+            <p:txBody>
+              <a:bodyPr rtlCol="0" anchor="ctr"/>
+              <a:lstStyle/>
+              <a:p>
+                <a:pPr algn="ctr"/>
+                <a:endParaRPr lang="pt-BR"/>
+              </a:p>
+            </p:txBody>
+          </p:sp>
+        </p:grpSp>
+        <p:grpSp>
+          <p:nvGrpSpPr>
+            <p:cNvPr id="76" name="Grupo 75"/>
+            <p:cNvGrpSpPr/>
+            <p:nvPr/>
+          </p:nvGrpSpPr>
+          <p:grpSpPr>
+            <a:xfrm>
+              <a:off x="511459" y="1124131"/>
+              <a:ext cx="481624" cy="509609"/>
+              <a:chOff x="2013481" y="212194"/>
+              <a:chExt cx="1512170" cy="1600035"/>
+            </a:xfrm>
+            <a:solidFill>
+              <a:srgbClr val="F6882E"/>
+            </a:solidFill>
+          </p:grpSpPr>
+          <p:sp>
+            <p:nvSpPr>
+              <p:cNvPr id="77" name="Retângulo de cantos arredondados 3"/>
+              <p:cNvSpPr/>
+              <p:nvPr/>
+            </p:nvSpPr>
+            <p:spPr>
+              <a:xfrm>
+                <a:off x="2013483" y="212194"/>
+                <a:ext cx="1512168" cy="1599381"/>
+              </a:xfrm>
+              <a:custGeom>
+                <a:avLst/>
+                <a:gdLst/>
+                <a:ahLst/>
+                <a:cxnLst/>
+                <a:rect l="l" t="t" r="r" b="b"/>
+                <a:pathLst>
+                  <a:path w="1512168" h="1599381">
+                    <a:moveTo>
+                      <a:pt x="252033" y="0"/>
+                    </a:moveTo>
+                    <a:lnTo>
+                      <a:pt x="1260135" y="0"/>
+                    </a:lnTo>
+                    <a:cubicBezTo>
+                      <a:pt x="1399329" y="0"/>
+                      <a:pt x="1512168" y="112839"/>
+                      <a:pt x="1512168" y="252033"/>
+                    </a:cubicBezTo>
+                    <a:lnTo>
+                      <a:pt x="1512168" y="678194"/>
+                    </a:lnTo>
+                    <a:lnTo>
+                      <a:pt x="1508002" y="679809"/>
+                    </a:lnTo>
+                    <a:cubicBezTo>
+                      <a:pt x="1489758" y="684724"/>
+                      <a:pt x="1471056" y="690492"/>
+                      <a:pt x="1452509" y="688317"/>
+                    </a:cubicBezTo>
+                    <a:cubicBezTo>
+                      <a:pt x="1440924" y="686959"/>
+                      <a:pt x="1430009" y="682660"/>
+                      <a:pt x="1418538" y="677131"/>
+                    </a:cubicBezTo>
+                    <a:cubicBezTo>
+                      <a:pt x="1391552" y="634934"/>
+                      <a:pt x="1348825" y="607201"/>
+                      <a:pt x="1299426" y="603764"/>
+                    </a:cubicBezTo>
+                    <a:cubicBezTo>
+                      <a:pt x="1206223" y="597279"/>
+                      <a:pt x="1124563" y="679741"/>
+                      <a:pt x="1117034" y="787947"/>
+                    </a:cubicBezTo>
+                    <a:cubicBezTo>
+                      <a:pt x="1109505" y="896153"/>
+                      <a:pt x="1178958" y="989129"/>
+                      <a:pt x="1272162" y="995614"/>
+                    </a:cubicBezTo>
+                    <a:cubicBezTo>
+                      <a:pt x="1341258" y="1000422"/>
+                      <a:pt x="1404010" y="956345"/>
+                      <a:pt x="1434511" y="888948"/>
+                    </a:cubicBezTo>
+                    <a:cubicBezTo>
+                      <a:pt x="1435063" y="888608"/>
+                      <a:pt x="1435622" y="888617"/>
+                      <a:pt x="1436184" y="888637"/>
+                    </a:cubicBezTo>
+                    <a:cubicBezTo>
+                      <a:pt x="1455576" y="889342"/>
+                      <a:pt x="1485345" y="899072"/>
+                      <a:pt x="1512168" y="911654"/>
+                    </a:cubicBezTo>
+                    <a:lnTo>
+                      <a:pt x="1512168" y="1347348"/>
+                    </a:lnTo>
+                    <a:cubicBezTo>
+                      <a:pt x="1512168" y="1486542"/>
+                      <a:pt x="1399329" y="1599381"/>
+                      <a:pt x="1260135" y="1599381"/>
+                    </a:cubicBezTo>
+                    <a:lnTo>
+                      <a:pt x="870875" y="1599381"/>
+                    </a:lnTo>
+                    <a:cubicBezTo>
+                      <a:pt x="866206" y="1588700"/>
+                      <a:pt x="861243" y="1579345"/>
+                      <a:pt x="857998" y="1568300"/>
+                    </a:cubicBezTo>
+                    <a:cubicBezTo>
+                      <a:pt x="852672" y="1550171"/>
+                      <a:pt x="846483" y="1531604"/>
+                      <a:pt x="848238" y="1513013"/>
+                    </a:cubicBezTo>
+                    <a:cubicBezTo>
+                      <a:pt x="848807" y="1506979"/>
+                      <a:pt x="850174" y="1501108"/>
+                      <a:pt x="852940" y="1495504"/>
+                    </a:cubicBezTo>
+                    <a:cubicBezTo>
+                      <a:pt x="912999" y="1467473"/>
+                      <a:pt x="952483" y="1410195"/>
+                      <a:pt x="952483" y="1344593"/>
+                    </a:cubicBezTo>
+                    <a:cubicBezTo>
+                      <a:pt x="952483" y="1246695"/>
+                      <a:pt x="864552" y="1167333"/>
+                      <a:pt x="756084" y="1167333"/>
+                    </a:cubicBezTo>
+                    <a:cubicBezTo>
+                      <a:pt x="647616" y="1167333"/>
+                      <a:pt x="559685" y="1246695"/>
+                      <a:pt x="559685" y="1344593"/>
+                    </a:cubicBezTo>
+                    <a:cubicBezTo>
+                      <a:pt x="559685" y="1404388"/>
+                      <a:pt x="592488" y="1457267"/>
+                      <a:pt x="644534" y="1486563"/>
+                    </a:cubicBezTo>
+                    <a:lnTo>
+                      <a:pt x="647600" y="1501220"/>
+                    </a:lnTo>
+                    <a:cubicBezTo>
+                      <a:pt x="647262" y="1525880"/>
+                      <a:pt x="632727" y="1567625"/>
+                      <a:pt x="617482" y="1599381"/>
+                    </a:cubicBezTo>
+                    <a:lnTo>
+                      <a:pt x="252033" y="1599381"/>
+                    </a:lnTo>
+                    <a:cubicBezTo>
+                      <a:pt x="112839" y="1599381"/>
+                      <a:pt x="0" y="1486542"/>
+                      <a:pt x="0" y="1347348"/>
+                    </a:cubicBezTo>
+                    <a:lnTo>
+                      <a:pt x="0" y="927467"/>
+                    </a:lnTo>
+                    <a:lnTo>
+                      <a:pt x="20372" y="919570"/>
+                    </a:lnTo>
+                    <a:cubicBezTo>
+                      <a:pt x="38616" y="914655"/>
+                      <a:pt x="57318" y="908888"/>
+                      <a:pt x="75865" y="911062"/>
+                    </a:cubicBezTo>
+                    <a:cubicBezTo>
+                      <a:pt x="87450" y="912420"/>
+                      <a:pt x="98365" y="916719"/>
+                      <a:pt x="109837" y="922248"/>
+                    </a:cubicBezTo>
+                    <a:cubicBezTo>
+                      <a:pt x="136822" y="964445"/>
+                      <a:pt x="179549" y="992179"/>
+                      <a:pt x="228948" y="995616"/>
+                    </a:cubicBezTo>
+                    <a:cubicBezTo>
+                      <a:pt x="322152" y="1002101"/>
+                      <a:pt x="403811" y="919639"/>
+                      <a:pt x="411340" y="811432"/>
+                    </a:cubicBezTo>
+                    <a:cubicBezTo>
+                      <a:pt x="418869" y="703226"/>
+                      <a:pt x="349416" y="610250"/>
+                      <a:pt x="256212" y="603765"/>
+                    </a:cubicBezTo>
+                    <a:cubicBezTo>
+                      <a:pt x="187116" y="598957"/>
+                      <a:pt x="124364" y="643034"/>
+                      <a:pt x="93863" y="710431"/>
+                    </a:cubicBezTo>
+                    <a:cubicBezTo>
+                      <a:pt x="93311" y="710772"/>
+                      <a:pt x="92753" y="710763"/>
+                      <a:pt x="92190" y="710742"/>
+                    </a:cubicBezTo>
+                    <a:cubicBezTo>
+                      <a:pt x="68867" y="709895"/>
+                      <a:pt x="30534" y="695991"/>
+                      <a:pt x="0" y="680696"/>
+                    </a:cubicBezTo>
+                    <a:lnTo>
+                      <a:pt x="0" y="252033"/>
+                    </a:lnTo>
+                    <a:cubicBezTo>
+                      <a:pt x="0" y="112839"/>
+                      <a:pt x="112839" y="0"/>
+                      <a:pt x="252033" y="0"/>
+                    </a:cubicBezTo>
+                    <a:close/>
+                  </a:path>
+                </a:pathLst>
+              </a:custGeom>
+              <a:grpFill/>
+              <a:ln>
+                <a:noFill/>
+              </a:ln>
+            </p:spPr>
+            <p:style>
+              <a:lnRef idx="2">
+                <a:schemeClr val="accent1">
+                  <a:shade val="50000"/>
+                </a:schemeClr>
+              </a:lnRef>
+              <a:fillRef idx="1">
+                <a:schemeClr val="accent1"/>
+              </a:fillRef>
+              <a:effectRef idx="0">
+                <a:schemeClr val="accent1"/>
+              </a:effectRef>
+              <a:fontRef idx="minor">
+                <a:schemeClr val="lt1"/>
+              </a:fontRef>
+            </p:style>
+            <p:txBody>
+              <a:bodyPr rtlCol="0" anchor="ctr"/>
+              <a:lstStyle/>
+              <a:p>
+                <a:pPr algn="ctr"/>
+                <a:endParaRPr lang="pt-BR"/>
+              </a:p>
+            </p:txBody>
+          </p:sp>
+          <p:sp>
+            <p:nvSpPr>
+              <p:cNvPr id="78" name="Retângulo 77"/>
+              <p:cNvSpPr/>
+              <p:nvPr/>
+            </p:nvSpPr>
+            <p:spPr>
+              <a:xfrm>
+                <a:off x="2013483" y="212194"/>
+                <a:ext cx="470285" cy="330682"/>
+              </a:xfrm>
+              <a:prstGeom prst="rect">
+                <a:avLst/>
+              </a:prstGeom>
+              <a:grpFill/>
+              <a:ln>
+                <a:noFill/>
+              </a:ln>
+            </p:spPr>
+            <p:style>
+              <a:lnRef idx="2">
+                <a:schemeClr val="accent1">
+                  <a:shade val="50000"/>
+                </a:schemeClr>
+              </a:lnRef>
+              <a:fillRef idx="1">
+                <a:schemeClr val="accent1"/>
+              </a:fillRef>
+              <a:effectRef idx="0">
+                <a:schemeClr val="accent1"/>
+              </a:effectRef>
+              <a:fontRef idx="minor">
+                <a:schemeClr val="lt1"/>
+              </a:fontRef>
+            </p:style>
+            <p:txBody>
+              <a:bodyPr rtlCol="0" anchor="ctr"/>
+              <a:lstStyle/>
+              <a:p>
+                <a:pPr algn="ctr"/>
+                <a:endParaRPr lang="pt-BR"/>
+              </a:p>
+            </p:txBody>
+          </p:sp>
+          <p:sp>
+            <p:nvSpPr>
+              <p:cNvPr id="79" name="Retângulo 78"/>
+              <p:cNvSpPr/>
+              <p:nvPr/>
+            </p:nvSpPr>
+            <p:spPr>
+              <a:xfrm>
+                <a:off x="3055366" y="212194"/>
+                <a:ext cx="470285" cy="330682"/>
+              </a:xfrm>
+              <a:prstGeom prst="rect">
+                <a:avLst/>
+              </a:prstGeom>
+              <a:grpFill/>
+              <a:ln>
+                <a:noFill/>
+              </a:ln>
+            </p:spPr>
+            <p:style>
+              <a:lnRef idx="2">
+                <a:schemeClr val="accent1">
+                  <a:shade val="50000"/>
+                </a:schemeClr>
+              </a:lnRef>
+              <a:fillRef idx="1">
+                <a:schemeClr val="accent1"/>
+              </a:fillRef>
+              <a:effectRef idx="0">
+                <a:schemeClr val="accent1"/>
+              </a:effectRef>
+              <a:fontRef idx="minor">
+                <a:schemeClr val="lt1"/>
+              </a:fontRef>
+            </p:style>
+            <p:txBody>
+              <a:bodyPr rtlCol="0" anchor="ctr"/>
+              <a:lstStyle/>
+              <a:p>
+                <a:pPr algn="ctr"/>
+                <a:endParaRPr lang="pt-BR"/>
+              </a:p>
+            </p:txBody>
+          </p:sp>
+          <p:sp>
+            <p:nvSpPr>
+              <p:cNvPr id="80" name="Retângulo 79"/>
+              <p:cNvSpPr/>
+              <p:nvPr/>
+            </p:nvSpPr>
+            <p:spPr>
+              <a:xfrm>
+                <a:off x="2013481" y="1481547"/>
+                <a:ext cx="470285" cy="330682"/>
+              </a:xfrm>
+              <a:prstGeom prst="rect">
+                <a:avLst/>
+              </a:prstGeom>
+              <a:grpFill/>
+              <a:ln>
+                <a:noFill/>
+              </a:ln>
+            </p:spPr>
+            <p:style>
+              <a:lnRef idx="2">
+                <a:schemeClr val="accent1">
+                  <a:shade val="50000"/>
+                </a:schemeClr>
+              </a:lnRef>
+              <a:fillRef idx="1">
+                <a:schemeClr val="accent1"/>
+              </a:fillRef>
+              <a:effectRef idx="0">
+                <a:schemeClr val="accent1"/>
+              </a:effectRef>
+              <a:fontRef idx="minor">
+                <a:schemeClr val="lt1"/>
+              </a:fontRef>
+            </p:style>
+            <p:txBody>
+              <a:bodyPr rtlCol="0" anchor="ctr"/>
+              <a:lstStyle/>
+              <a:p>
+                <a:pPr algn="ctr"/>
+                <a:endParaRPr lang="pt-BR"/>
+              </a:p>
+            </p:txBody>
+          </p:sp>
+          <p:sp>
+            <p:nvSpPr>
+              <p:cNvPr id="81" name="Retângulo 80"/>
+              <p:cNvSpPr/>
+              <p:nvPr/>
+            </p:nvSpPr>
+            <p:spPr>
+              <a:xfrm>
+                <a:off x="3055364" y="1480893"/>
+                <a:ext cx="470285" cy="330682"/>
+              </a:xfrm>
+              <a:prstGeom prst="rect">
+                <a:avLst/>
+              </a:prstGeom>
+              <a:grpFill/>
+              <a:ln>
+                <a:noFill/>
+              </a:ln>
+            </p:spPr>
+            <p:style>
+              <a:lnRef idx="2">
+                <a:schemeClr val="accent1">
+                  <a:shade val="50000"/>
+                </a:schemeClr>
+              </a:lnRef>
+              <a:fillRef idx="1">
+                <a:schemeClr val="accent1"/>
+              </a:fillRef>
+              <a:effectRef idx="0">
+                <a:schemeClr val="accent1"/>
+              </a:effectRef>
+              <a:fontRef idx="minor">
+                <a:schemeClr val="lt1"/>
+              </a:fontRef>
+            </p:style>
+            <p:txBody>
+              <a:bodyPr rtlCol="0" anchor="ctr"/>
+              <a:lstStyle/>
+              <a:p>
+                <a:pPr algn="ctr"/>
+                <a:endParaRPr lang="pt-BR"/>
+              </a:p>
+            </p:txBody>
+          </p:sp>
+        </p:grpSp>
+        <p:sp>
+          <p:nvSpPr>
+            <p:cNvPr id="133" name="Retângulo 132"/>
+            <p:cNvSpPr/>
+            <p:nvPr/>
+          </p:nvSpPr>
+          <p:spPr>
+            <a:xfrm>
+              <a:off x="511461" y="1628304"/>
+              <a:ext cx="481623" cy="514387"/>
+            </a:xfrm>
+            <a:prstGeom prst="rect">
+              <a:avLst/>
+            </a:prstGeom>
+            <a:solidFill>
+              <a:srgbClr val="ABED9B"/>
+            </a:solidFill>
+            <a:ln>
+              <a:noFill/>
+            </a:ln>
+          </p:spPr>
+          <p:style>
+            <a:lnRef idx="2">
+              <a:schemeClr val="accent1">
+                <a:shade val="50000"/>
+              </a:schemeClr>
+            </a:lnRef>
+            <a:fillRef idx="1">
+              <a:schemeClr val="accent1"/>
+            </a:fillRef>
+            <a:effectRef idx="0">
+              <a:schemeClr val="accent1"/>
+            </a:effectRef>
+            <a:fontRef idx="minor">
+              <a:schemeClr val="lt1"/>
+            </a:fontRef>
+          </p:style>
+          <p:txBody>
+            <a:bodyPr rtlCol="0" anchor="ctr"/>
+            <a:lstStyle/>
+            <a:p>
+              <a:pPr algn="ctr"/>
+              <a:endParaRPr lang="pt-BR"/>
+            </a:p>
+          </p:txBody>
+        </p:sp>
+        <p:grpSp>
+          <p:nvGrpSpPr>
+            <p:cNvPr id="148" name="Grupo 147"/>
+            <p:cNvGrpSpPr/>
+            <p:nvPr/>
+          </p:nvGrpSpPr>
+          <p:grpSpPr>
+            <a:xfrm rot="10800000">
+              <a:off x="993084" y="1630692"/>
+              <a:ext cx="481624" cy="509609"/>
+              <a:chOff x="2013481" y="212194"/>
+              <a:chExt cx="1512170" cy="1600035"/>
+            </a:xfrm>
+            <a:solidFill>
+              <a:srgbClr val="F5F549"/>
+            </a:solidFill>
+          </p:grpSpPr>
+          <p:sp>
+            <p:nvSpPr>
+              <p:cNvPr id="149" name="Retângulo de cantos arredondados 3"/>
+              <p:cNvSpPr/>
+              <p:nvPr/>
+            </p:nvSpPr>
+            <p:spPr>
+              <a:xfrm>
+                <a:off x="2013483" y="212194"/>
+                <a:ext cx="1512168" cy="1599381"/>
+              </a:xfrm>
+              <a:custGeom>
+                <a:avLst/>
+                <a:gdLst/>
+                <a:ahLst/>
+                <a:cxnLst/>
+                <a:rect l="l" t="t" r="r" b="b"/>
+                <a:pathLst>
+                  <a:path w="1512168" h="1599381">
+                    <a:moveTo>
+                      <a:pt x="252033" y="0"/>
+                    </a:moveTo>
+                    <a:lnTo>
+                      <a:pt x="1260135" y="0"/>
+                    </a:lnTo>
+                    <a:cubicBezTo>
+                      <a:pt x="1399329" y="0"/>
+                      <a:pt x="1512168" y="112839"/>
+                      <a:pt x="1512168" y="252033"/>
+                    </a:cubicBezTo>
+                    <a:lnTo>
+                      <a:pt x="1512168" y="678194"/>
+                    </a:lnTo>
+                    <a:lnTo>
+                      <a:pt x="1508002" y="679809"/>
+                    </a:lnTo>
+                    <a:cubicBezTo>
+                      <a:pt x="1489758" y="684724"/>
+                      <a:pt x="1471056" y="690492"/>
+                      <a:pt x="1452509" y="688317"/>
+                    </a:cubicBezTo>
+                    <a:cubicBezTo>
+                      <a:pt x="1440924" y="686959"/>
+                      <a:pt x="1430009" y="682660"/>
+                      <a:pt x="1418538" y="677131"/>
+                    </a:cubicBezTo>
+                    <a:cubicBezTo>
+                      <a:pt x="1391552" y="634934"/>
+                      <a:pt x="1348825" y="607201"/>
+                      <a:pt x="1299426" y="603764"/>
+                    </a:cubicBezTo>
+                    <a:cubicBezTo>
+                      <a:pt x="1206223" y="597279"/>
+                      <a:pt x="1124563" y="679741"/>
+                      <a:pt x="1117034" y="787947"/>
+                    </a:cubicBezTo>
+                    <a:cubicBezTo>
+                      <a:pt x="1109505" y="896153"/>
+                      <a:pt x="1178958" y="989129"/>
+                      <a:pt x="1272162" y="995614"/>
+                    </a:cubicBezTo>
+                    <a:cubicBezTo>
+                      <a:pt x="1341258" y="1000422"/>
+                      <a:pt x="1404010" y="956345"/>
+                      <a:pt x="1434511" y="888948"/>
+                    </a:cubicBezTo>
+                    <a:cubicBezTo>
+                      <a:pt x="1435063" y="888608"/>
+                      <a:pt x="1435622" y="888617"/>
+                      <a:pt x="1436184" y="888637"/>
+                    </a:cubicBezTo>
+                    <a:cubicBezTo>
+                      <a:pt x="1455576" y="889342"/>
+                      <a:pt x="1485345" y="899072"/>
+                      <a:pt x="1512168" y="911654"/>
+                    </a:cubicBezTo>
+                    <a:lnTo>
+                      <a:pt x="1512168" y="1347348"/>
+                    </a:lnTo>
+                    <a:cubicBezTo>
+                      <a:pt x="1512168" y="1486542"/>
+                      <a:pt x="1399329" y="1599381"/>
+                      <a:pt x="1260135" y="1599381"/>
+                    </a:cubicBezTo>
+                    <a:lnTo>
+                      <a:pt x="870875" y="1599381"/>
+                    </a:lnTo>
+                    <a:cubicBezTo>
+                      <a:pt x="866206" y="1588700"/>
+                      <a:pt x="861243" y="1579345"/>
+                      <a:pt x="857998" y="1568300"/>
+                    </a:cubicBezTo>
+                    <a:cubicBezTo>
+                      <a:pt x="852672" y="1550171"/>
+                      <a:pt x="846483" y="1531604"/>
+                      <a:pt x="848238" y="1513013"/>
+                    </a:cubicBezTo>
+                    <a:cubicBezTo>
+                      <a:pt x="848807" y="1506979"/>
+                      <a:pt x="850174" y="1501108"/>
+                      <a:pt x="852940" y="1495504"/>
+                    </a:cubicBezTo>
+                    <a:cubicBezTo>
+                      <a:pt x="912999" y="1467473"/>
+                      <a:pt x="952483" y="1410195"/>
+                      <a:pt x="952483" y="1344593"/>
+                    </a:cubicBezTo>
+                    <a:cubicBezTo>
+                      <a:pt x="952483" y="1246695"/>
+                      <a:pt x="864552" y="1167333"/>
+                      <a:pt x="756084" y="1167333"/>
+                    </a:cubicBezTo>
+                    <a:cubicBezTo>
+                      <a:pt x="647616" y="1167333"/>
+                      <a:pt x="559685" y="1246695"/>
+                      <a:pt x="559685" y="1344593"/>
+                    </a:cubicBezTo>
+                    <a:cubicBezTo>
+                      <a:pt x="559685" y="1404388"/>
+                      <a:pt x="592488" y="1457267"/>
+                      <a:pt x="644534" y="1486563"/>
+                    </a:cubicBezTo>
+                    <a:lnTo>
+                      <a:pt x="647600" y="1501220"/>
+                    </a:lnTo>
+                    <a:cubicBezTo>
+                      <a:pt x="647262" y="1525880"/>
+                      <a:pt x="632727" y="1567625"/>
+                      <a:pt x="617482" y="1599381"/>
+                    </a:cubicBezTo>
+                    <a:lnTo>
+                      <a:pt x="252033" y="1599381"/>
+                    </a:lnTo>
+                    <a:cubicBezTo>
+                      <a:pt x="112839" y="1599381"/>
+                      <a:pt x="0" y="1486542"/>
+                      <a:pt x="0" y="1347348"/>
+                    </a:cubicBezTo>
+                    <a:lnTo>
+                      <a:pt x="0" y="927467"/>
+                    </a:lnTo>
+                    <a:lnTo>
+                      <a:pt x="20372" y="919570"/>
+                    </a:lnTo>
+                    <a:cubicBezTo>
+                      <a:pt x="38616" y="914655"/>
+                      <a:pt x="57318" y="908888"/>
+                      <a:pt x="75865" y="911062"/>
+                    </a:cubicBezTo>
+                    <a:cubicBezTo>
+                      <a:pt x="87450" y="912420"/>
+                      <a:pt x="98365" y="916719"/>
+                      <a:pt x="109837" y="922248"/>
+                    </a:cubicBezTo>
+                    <a:cubicBezTo>
+                      <a:pt x="136822" y="964445"/>
+                      <a:pt x="179549" y="992179"/>
+                      <a:pt x="228948" y="995616"/>
+                    </a:cubicBezTo>
+                    <a:cubicBezTo>
+                      <a:pt x="322152" y="1002101"/>
+                      <a:pt x="403811" y="919639"/>
+                      <a:pt x="411340" y="811432"/>
+                    </a:cubicBezTo>
+                    <a:cubicBezTo>
+                      <a:pt x="418869" y="703226"/>
+                      <a:pt x="349416" y="610250"/>
+                      <a:pt x="256212" y="603765"/>
+                    </a:cubicBezTo>
+                    <a:cubicBezTo>
+                      <a:pt x="187116" y="598957"/>
+                      <a:pt x="124364" y="643034"/>
+                      <a:pt x="93863" y="710431"/>
+                    </a:cubicBezTo>
+                    <a:cubicBezTo>
+                      <a:pt x="93311" y="710772"/>
+                      <a:pt x="92753" y="710763"/>
+                      <a:pt x="92190" y="710742"/>
+                    </a:cubicBezTo>
+                    <a:cubicBezTo>
+                      <a:pt x="68867" y="709895"/>
+                      <a:pt x="30534" y="695991"/>
+                      <a:pt x="0" y="680696"/>
+                    </a:cubicBezTo>
+                    <a:lnTo>
+                      <a:pt x="0" y="252033"/>
+                    </a:lnTo>
+                    <a:cubicBezTo>
+                      <a:pt x="0" y="112839"/>
+                      <a:pt x="112839" y="0"/>
+                      <a:pt x="252033" y="0"/>
+                    </a:cubicBezTo>
+                    <a:close/>
+                  </a:path>
+                </a:pathLst>
+              </a:custGeom>
+              <a:grpFill/>
+              <a:ln>
+                <a:noFill/>
+              </a:ln>
+            </p:spPr>
+            <p:style>
+              <a:lnRef idx="2">
+                <a:schemeClr val="accent1">
+                  <a:shade val="50000"/>
+                </a:schemeClr>
+              </a:lnRef>
+              <a:fillRef idx="1">
+                <a:schemeClr val="accent1"/>
+              </a:fillRef>
+              <a:effectRef idx="0">
+                <a:schemeClr val="accent1"/>
+              </a:effectRef>
+              <a:fontRef idx="minor">
+                <a:schemeClr val="lt1"/>
+              </a:fontRef>
+            </p:style>
+            <p:txBody>
+              <a:bodyPr rtlCol="0" anchor="ctr"/>
+              <a:lstStyle/>
+              <a:p>
+                <a:pPr algn="ctr"/>
+                <a:endParaRPr lang="pt-BR"/>
+              </a:p>
+            </p:txBody>
+          </p:sp>
+          <p:sp>
+            <p:nvSpPr>
+              <p:cNvPr id="150" name="Retângulo 149"/>
+              <p:cNvSpPr/>
+              <p:nvPr/>
+            </p:nvSpPr>
+            <p:spPr>
+              <a:xfrm>
+                <a:off x="2013483" y="212194"/>
+                <a:ext cx="470285" cy="330682"/>
+              </a:xfrm>
+              <a:prstGeom prst="rect">
+                <a:avLst/>
+              </a:prstGeom>
+              <a:grpFill/>
+              <a:ln>
+                <a:noFill/>
+              </a:ln>
+            </p:spPr>
+            <p:style>
+              <a:lnRef idx="2">
+                <a:schemeClr val="accent1">
+                  <a:shade val="50000"/>
+                </a:schemeClr>
+              </a:lnRef>
+              <a:fillRef idx="1">
+                <a:schemeClr val="accent1"/>
+              </a:fillRef>
+              <a:effectRef idx="0">
+                <a:schemeClr val="accent1"/>
+              </a:effectRef>
+              <a:fontRef idx="minor">
+                <a:schemeClr val="lt1"/>
+              </a:fontRef>
+            </p:style>
+            <p:txBody>
+              <a:bodyPr rtlCol="0" anchor="ctr"/>
+              <a:lstStyle/>
+              <a:p>
+                <a:pPr algn="ctr"/>
+                <a:endParaRPr lang="pt-BR"/>
+              </a:p>
+            </p:txBody>
+          </p:sp>
+          <p:sp>
+            <p:nvSpPr>
+              <p:cNvPr id="151" name="Retângulo 150"/>
+              <p:cNvSpPr/>
+              <p:nvPr/>
+            </p:nvSpPr>
+            <p:spPr>
+              <a:xfrm>
+                <a:off x="3055366" y="212194"/>
+                <a:ext cx="470285" cy="330682"/>
+              </a:xfrm>
+              <a:prstGeom prst="rect">
+                <a:avLst/>
+              </a:prstGeom>
+              <a:grpFill/>
+              <a:ln>
+                <a:noFill/>
+              </a:ln>
+            </p:spPr>
+            <p:style>
+              <a:lnRef idx="2">
+                <a:schemeClr val="accent1">
+                  <a:shade val="50000"/>
+                </a:schemeClr>
+              </a:lnRef>
+              <a:fillRef idx="1">
+                <a:schemeClr val="accent1"/>
+              </a:fillRef>
+              <a:effectRef idx="0">
+                <a:schemeClr val="accent1"/>
+              </a:effectRef>
+              <a:fontRef idx="minor">
+                <a:schemeClr val="lt1"/>
+              </a:fontRef>
+            </p:style>
+            <p:txBody>
+              <a:bodyPr rtlCol="0" anchor="ctr"/>
+              <a:lstStyle/>
+              <a:p>
+                <a:pPr algn="ctr"/>
+                <a:endParaRPr lang="pt-BR"/>
+              </a:p>
+            </p:txBody>
+          </p:sp>
+          <p:sp>
+            <p:nvSpPr>
+              <p:cNvPr id="152" name="Retângulo 151"/>
+              <p:cNvSpPr/>
+              <p:nvPr/>
+            </p:nvSpPr>
+            <p:spPr>
+              <a:xfrm>
+                <a:off x="2013481" y="1481547"/>
+                <a:ext cx="470285" cy="330682"/>
+              </a:xfrm>
+              <a:prstGeom prst="rect">
+                <a:avLst/>
+              </a:prstGeom>
+              <a:grpFill/>
+              <a:ln>
+                <a:noFill/>
+              </a:ln>
+            </p:spPr>
+            <p:style>
+              <a:lnRef idx="2">
+                <a:schemeClr val="accent1">
+                  <a:shade val="50000"/>
+                </a:schemeClr>
+              </a:lnRef>
+              <a:fillRef idx="1">
+                <a:schemeClr val="accent1"/>
+              </a:fillRef>
+              <a:effectRef idx="0">
+                <a:schemeClr val="accent1"/>
+              </a:effectRef>
+              <a:fontRef idx="minor">
+                <a:schemeClr val="lt1"/>
+              </a:fontRef>
+            </p:style>
+            <p:txBody>
+              <a:bodyPr rtlCol="0" anchor="ctr"/>
+              <a:lstStyle/>
+              <a:p>
+                <a:pPr algn="ctr"/>
+                <a:endParaRPr lang="pt-BR"/>
+              </a:p>
+            </p:txBody>
+          </p:sp>
+          <p:sp>
+            <p:nvSpPr>
+              <p:cNvPr id="153" name="Retângulo 152"/>
+              <p:cNvSpPr/>
+              <p:nvPr/>
+            </p:nvSpPr>
+            <p:spPr>
+              <a:xfrm>
+                <a:off x="3055364" y="1480893"/>
+                <a:ext cx="470285" cy="330682"/>
+              </a:xfrm>
+              <a:prstGeom prst="rect">
+                <a:avLst/>
+              </a:prstGeom>
+              <a:grpFill/>
+              <a:ln>
+                <a:noFill/>
+              </a:ln>
+            </p:spPr>
+            <p:style>
+              <a:lnRef idx="2">
+                <a:schemeClr val="accent1">
+                  <a:shade val="50000"/>
+                </a:schemeClr>
+              </a:lnRef>
+              <a:fillRef idx="1">
+                <a:schemeClr val="accent1"/>
+              </a:fillRef>
+              <a:effectRef idx="0">
+                <a:schemeClr val="accent1"/>
+              </a:effectRef>
+              <a:fontRef idx="minor">
+                <a:schemeClr val="lt1"/>
+              </a:fontRef>
+            </p:style>
+            <p:txBody>
+              <a:bodyPr rtlCol="0" anchor="ctr"/>
+              <a:lstStyle/>
+              <a:p>
+                <a:pPr algn="ctr"/>
+                <a:endParaRPr lang="pt-BR"/>
+              </a:p>
+            </p:txBody>
+          </p:sp>
+        </p:grpSp>
+        <p:grpSp>
+          <p:nvGrpSpPr>
+            <p:cNvPr id="154" name="Grupo 153"/>
+            <p:cNvGrpSpPr/>
+            <p:nvPr/>
+          </p:nvGrpSpPr>
+          <p:grpSpPr>
+            <a:xfrm rot="5400000">
+              <a:off x="1150678" y="1529545"/>
+              <a:ext cx="175181" cy="125105"/>
+              <a:chOff x="5486443" y="2358614"/>
+              <a:chExt cx="550022" cy="392797"/>
+            </a:xfrm>
+            <a:solidFill>
+              <a:srgbClr val="F5F549"/>
+            </a:solidFill>
+          </p:grpSpPr>
+          <p:sp>
+            <p:nvSpPr>
+              <p:cNvPr id="155" name="Elipse 154"/>
               <p:cNvSpPr/>
               <p:nvPr/>
             </p:nvSpPr>
             <p:spPr>
               <a:xfrm rot="11038808">
-                <a:off x="535380" y="3425109"/>
+                <a:off x="5486443" y="2358614"/>
                 <a:ext cx="338336" cy="392797"/>
               </a:xfrm>
               <a:prstGeom prst="ellipse">
@@ -3882,13 +5200,13 @@
           </p:sp>
           <p:sp>
             <p:nvSpPr>
-              <p:cNvPr id="55" name="Forma livre 54"/>
+              <p:cNvPr id="156" name="Forma livre 155"/>
               <p:cNvSpPr/>
               <p:nvPr/>
             </p:nvSpPr>
             <p:spPr>
               <a:xfrm rot="11038808">
-                <a:off x="713104" y="3441487"/>
+                <a:off x="5664167" y="2374992"/>
                 <a:ext cx="372298" cy="360040"/>
               </a:xfrm>
               <a:custGeom>
@@ -4106,107 +5424,21 @@
         </p:grpSp>
         <p:sp>
           <p:nvSpPr>
-            <p:cNvPr id="59" name="Retângulo 58"/>
+            <p:cNvPr id="157" name="Retângulo 156"/>
             <p:cNvSpPr/>
             <p:nvPr/>
           </p:nvSpPr>
           <p:spPr>
             <a:xfrm>
-              <a:off x="501315" y="212194"/>
-              <a:ext cx="1512168" cy="408494"/>
+              <a:off x="1163950" y="1648829"/>
+              <a:ext cx="135632" cy="244896"/>
             </a:xfrm>
             <a:prstGeom prst="rect">
               <a:avLst/>
             </a:prstGeom>
-            <a:grpFill/>
-            <a:ln>
-              <a:noFill/>
-            </a:ln>
-          </p:spPr>
-          <p:style>
-            <a:lnRef idx="2">
-              <a:schemeClr val="accent1">
-                <a:shade val="50000"/>
-              </a:schemeClr>
-            </a:lnRef>
-            <a:fillRef idx="1">
-              <a:schemeClr val="accent1"/>
-            </a:fillRef>
-            <a:effectRef idx="0">
-              <a:schemeClr val="accent1"/>
-            </a:effectRef>
-            <a:fontRef idx="minor">
-              <a:schemeClr val="lt1"/>
-            </a:fontRef>
-          </p:style>
-          <p:txBody>
-            <a:bodyPr rtlCol="0" anchor="ctr"/>
-            <a:lstStyle/>
-            <a:p>
-              <a:pPr algn="ctr"/>
-              <a:endParaRPr lang="pt-BR"/>
-            </a:p>
-          </p:txBody>
-        </p:sp>
-        <p:sp>
-          <p:nvSpPr>
-            <p:cNvPr id="61" name="Retângulo 60"/>
-            <p:cNvSpPr/>
-            <p:nvPr/>
-          </p:nvSpPr>
-          <p:spPr>
-            <a:xfrm>
-              <a:off x="501316" y="1401164"/>
-              <a:ext cx="387265" cy="408494"/>
-            </a:xfrm>
-            <a:prstGeom prst="rect">
-              <a:avLst/>
-            </a:prstGeom>
-            <a:grpFill/>
-            <a:ln>
-              <a:noFill/>
-            </a:ln>
-          </p:spPr>
-          <p:style>
-            <a:lnRef idx="2">
-              <a:schemeClr val="accent1">
-                <a:shade val="50000"/>
-              </a:schemeClr>
-            </a:lnRef>
-            <a:fillRef idx="1">
-              <a:schemeClr val="accent1"/>
-            </a:fillRef>
-            <a:effectRef idx="0">
-              <a:schemeClr val="accent1"/>
-            </a:effectRef>
-            <a:fontRef idx="minor">
-              <a:schemeClr val="lt1"/>
-            </a:fontRef>
-          </p:style>
-          <p:txBody>
-            <a:bodyPr rtlCol="0" anchor="ctr"/>
-            <a:lstStyle/>
-            <a:p>
-              <a:pPr algn="ctr"/>
-              <a:endParaRPr lang="pt-BR"/>
-            </a:p>
-          </p:txBody>
-        </p:sp>
-        <p:sp>
-          <p:nvSpPr>
-            <p:cNvPr id="62" name="Retângulo 61"/>
-            <p:cNvSpPr/>
-            <p:nvPr/>
-          </p:nvSpPr>
-          <p:spPr>
-            <a:xfrm>
-              <a:off x="1626121" y="1409663"/>
-              <a:ext cx="387362" cy="408494"/>
-            </a:xfrm>
-            <a:prstGeom prst="rect">
-              <a:avLst/>
-            </a:prstGeom>
-            <a:grpFill/>
+            <a:solidFill>
+              <a:srgbClr val="F5F549"/>
+            </a:solidFill>
             <a:ln>
               <a:noFill/>
             </a:ln>
@@ -4237,1223 +5469,6 @@
           </p:txBody>
         </p:sp>
       </p:grpSp>
-      <p:grpSp>
-        <p:nvGrpSpPr>
-          <p:cNvPr id="76" name="Grupo 75"/>
-          <p:cNvGrpSpPr/>
-          <p:nvPr/>
-        </p:nvGrpSpPr>
-        <p:grpSpPr>
-          <a:xfrm>
-            <a:off x="511459" y="1124131"/>
-            <a:ext cx="481624" cy="509609"/>
-            <a:chOff x="2013481" y="212194"/>
-            <a:chExt cx="1512170" cy="1600035"/>
-          </a:xfrm>
-          <a:solidFill>
-            <a:srgbClr val="F6882E"/>
-          </a:solidFill>
-        </p:grpSpPr>
-        <p:sp>
-          <p:nvSpPr>
-            <p:cNvPr id="77" name="Retângulo de cantos arredondados 3"/>
-            <p:cNvSpPr/>
-            <p:nvPr/>
-          </p:nvSpPr>
-          <p:spPr>
-            <a:xfrm>
-              <a:off x="2013483" y="212194"/>
-              <a:ext cx="1512168" cy="1599381"/>
-            </a:xfrm>
-            <a:custGeom>
-              <a:avLst/>
-              <a:gdLst/>
-              <a:ahLst/>
-              <a:cxnLst/>
-              <a:rect l="l" t="t" r="r" b="b"/>
-              <a:pathLst>
-                <a:path w="1512168" h="1599381">
-                  <a:moveTo>
-                    <a:pt x="252033" y="0"/>
-                  </a:moveTo>
-                  <a:lnTo>
-                    <a:pt x="1260135" y="0"/>
-                  </a:lnTo>
-                  <a:cubicBezTo>
-                    <a:pt x="1399329" y="0"/>
-                    <a:pt x="1512168" y="112839"/>
-                    <a:pt x="1512168" y="252033"/>
-                  </a:cubicBezTo>
-                  <a:lnTo>
-                    <a:pt x="1512168" y="678194"/>
-                  </a:lnTo>
-                  <a:lnTo>
-                    <a:pt x="1508002" y="679809"/>
-                  </a:lnTo>
-                  <a:cubicBezTo>
-                    <a:pt x="1489758" y="684724"/>
-                    <a:pt x="1471056" y="690492"/>
-                    <a:pt x="1452509" y="688317"/>
-                  </a:cubicBezTo>
-                  <a:cubicBezTo>
-                    <a:pt x="1440924" y="686959"/>
-                    <a:pt x="1430009" y="682660"/>
-                    <a:pt x="1418538" y="677131"/>
-                  </a:cubicBezTo>
-                  <a:cubicBezTo>
-                    <a:pt x="1391552" y="634934"/>
-                    <a:pt x="1348825" y="607201"/>
-                    <a:pt x="1299426" y="603764"/>
-                  </a:cubicBezTo>
-                  <a:cubicBezTo>
-                    <a:pt x="1206223" y="597279"/>
-                    <a:pt x="1124563" y="679741"/>
-                    <a:pt x="1117034" y="787947"/>
-                  </a:cubicBezTo>
-                  <a:cubicBezTo>
-                    <a:pt x="1109505" y="896153"/>
-                    <a:pt x="1178958" y="989129"/>
-                    <a:pt x="1272162" y="995614"/>
-                  </a:cubicBezTo>
-                  <a:cubicBezTo>
-                    <a:pt x="1341258" y="1000422"/>
-                    <a:pt x="1404010" y="956345"/>
-                    <a:pt x="1434511" y="888948"/>
-                  </a:cubicBezTo>
-                  <a:cubicBezTo>
-                    <a:pt x="1435063" y="888608"/>
-                    <a:pt x="1435622" y="888617"/>
-                    <a:pt x="1436184" y="888637"/>
-                  </a:cubicBezTo>
-                  <a:cubicBezTo>
-                    <a:pt x="1455576" y="889342"/>
-                    <a:pt x="1485345" y="899072"/>
-                    <a:pt x="1512168" y="911654"/>
-                  </a:cubicBezTo>
-                  <a:lnTo>
-                    <a:pt x="1512168" y="1347348"/>
-                  </a:lnTo>
-                  <a:cubicBezTo>
-                    <a:pt x="1512168" y="1486542"/>
-                    <a:pt x="1399329" y="1599381"/>
-                    <a:pt x="1260135" y="1599381"/>
-                  </a:cubicBezTo>
-                  <a:lnTo>
-                    <a:pt x="870875" y="1599381"/>
-                  </a:lnTo>
-                  <a:cubicBezTo>
-                    <a:pt x="866206" y="1588700"/>
-                    <a:pt x="861243" y="1579345"/>
-                    <a:pt x="857998" y="1568300"/>
-                  </a:cubicBezTo>
-                  <a:cubicBezTo>
-                    <a:pt x="852672" y="1550171"/>
-                    <a:pt x="846483" y="1531604"/>
-                    <a:pt x="848238" y="1513013"/>
-                  </a:cubicBezTo>
-                  <a:cubicBezTo>
-                    <a:pt x="848807" y="1506979"/>
-                    <a:pt x="850174" y="1501108"/>
-                    <a:pt x="852940" y="1495504"/>
-                  </a:cubicBezTo>
-                  <a:cubicBezTo>
-                    <a:pt x="912999" y="1467473"/>
-                    <a:pt x="952483" y="1410195"/>
-                    <a:pt x="952483" y="1344593"/>
-                  </a:cubicBezTo>
-                  <a:cubicBezTo>
-                    <a:pt x="952483" y="1246695"/>
-                    <a:pt x="864552" y="1167333"/>
-                    <a:pt x="756084" y="1167333"/>
-                  </a:cubicBezTo>
-                  <a:cubicBezTo>
-                    <a:pt x="647616" y="1167333"/>
-                    <a:pt x="559685" y="1246695"/>
-                    <a:pt x="559685" y="1344593"/>
-                  </a:cubicBezTo>
-                  <a:cubicBezTo>
-                    <a:pt x="559685" y="1404388"/>
-                    <a:pt x="592488" y="1457267"/>
-                    <a:pt x="644534" y="1486563"/>
-                  </a:cubicBezTo>
-                  <a:lnTo>
-                    <a:pt x="647600" y="1501220"/>
-                  </a:lnTo>
-                  <a:cubicBezTo>
-                    <a:pt x="647262" y="1525880"/>
-                    <a:pt x="632727" y="1567625"/>
-                    <a:pt x="617482" y="1599381"/>
-                  </a:cubicBezTo>
-                  <a:lnTo>
-                    <a:pt x="252033" y="1599381"/>
-                  </a:lnTo>
-                  <a:cubicBezTo>
-                    <a:pt x="112839" y="1599381"/>
-                    <a:pt x="0" y="1486542"/>
-                    <a:pt x="0" y="1347348"/>
-                  </a:cubicBezTo>
-                  <a:lnTo>
-                    <a:pt x="0" y="927467"/>
-                  </a:lnTo>
-                  <a:lnTo>
-                    <a:pt x="20372" y="919570"/>
-                  </a:lnTo>
-                  <a:cubicBezTo>
-                    <a:pt x="38616" y="914655"/>
-                    <a:pt x="57318" y="908888"/>
-                    <a:pt x="75865" y="911062"/>
-                  </a:cubicBezTo>
-                  <a:cubicBezTo>
-                    <a:pt x="87450" y="912420"/>
-                    <a:pt x="98365" y="916719"/>
-                    <a:pt x="109837" y="922248"/>
-                  </a:cubicBezTo>
-                  <a:cubicBezTo>
-                    <a:pt x="136822" y="964445"/>
-                    <a:pt x="179549" y="992179"/>
-                    <a:pt x="228948" y="995616"/>
-                  </a:cubicBezTo>
-                  <a:cubicBezTo>
-                    <a:pt x="322152" y="1002101"/>
-                    <a:pt x="403811" y="919639"/>
-                    <a:pt x="411340" y="811432"/>
-                  </a:cubicBezTo>
-                  <a:cubicBezTo>
-                    <a:pt x="418869" y="703226"/>
-                    <a:pt x="349416" y="610250"/>
-                    <a:pt x="256212" y="603765"/>
-                  </a:cubicBezTo>
-                  <a:cubicBezTo>
-                    <a:pt x="187116" y="598957"/>
-                    <a:pt x="124364" y="643034"/>
-                    <a:pt x="93863" y="710431"/>
-                  </a:cubicBezTo>
-                  <a:cubicBezTo>
-                    <a:pt x="93311" y="710772"/>
-                    <a:pt x="92753" y="710763"/>
-                    <a:pt x="92190" y="710742"/>
-                  </a:cubicBezTo>
-                  <a:cubicBezTo>
-                    <a:pt x="68867" y="709895"/>
-                    <a:pt x="30534" y="695991"/>
-                    <a:pt x="0" y="680696"/>
-                  </a:cubicBezTo>
-                  <a:lnTo>
-                    <a:pt x="0" y="252033"/>
-                  </a:lnTo>
-                  <a:cubicBezTo>
-                    <a:pt x="0" y="112839"/>
-                    <a:pt x="112839" y="0"/>
-                    <a:pt x="252033" y="0"/>
-                  </a:cubicBezTo>
-                  <a:close/>
-                </a:path>
-              </a:pathLst>
-            </a:custGeom>
-            <a:grpFill/>
-            <a:ln>
-              <a:noFill/>
-            </a:ln>
-          </p:spPr>
-          <p:style>
-            <a:lnRef idx="2">
-              <a:schemeClr val="accent1">
-                <a:shade val="50000"/>
-              </a:schemeClr>
-            </a:lnRef>
-            <a:fillRef idx="1">
-              <a:schemeClr val="accent1"/>
-            </a:fillRef>
-            <a:effectRef idx="0">
-              <a:schemeClr val="accent1"/>
-            </a:effectRef>
-            <a:fontRef idx="minor">
-              <a:schemeClr val="lt1"/>
-            </a:fontRef>
-          </p:style>
-          <p:txBody>
-            <a:bodyPr rtlCol="0" anchor="ctr"/>
-            <a:lstStyle/>
-            <a:p>
-              <a:pPr algn="ctr"/>
-              <a:endParaRPr lang="pt-BR"/>
-            </a:p>
-          </p:txBody>
-        </p:sp>
-        <p:sp>
-          <p:nvSpPr>
-            <p:cNvPr id="78" name="Retângulo 77"/>
-            <p:cNvSpPr/>
-            <p:nvPr/>
-          </p:nvSpPr>
-          <p:spPr>
-            <a:xfrm>
-              <a:off x="2013483" y="212194"/>
-              <a:ext cx="470285" cy="330682"/>
-            </a:xfrm>
-            <a:prstGeom prst="rect">
-              <a:avLst/>
-            </a:prstGeom>
-            <a:grpFill/>
-            <a:ln>
-              <a:noFill/>
-            </a:ln>
-          </p:spPr>
-          <p:style>
-            <a:lnRef idx="2">
-              <a:schemeClr val="accent1">
-                <a:shade val="50000"/>
-              </a:schemeClr>
-            </a:lnRef>
-            <a:fillRef idx="1">
-              <a:schemeClr val="accent1"/>
-            </a:fillRef>
-            <a:effectRef idx="0">
-              <a:schemeClr val="accent1"/>
-            </a:effectRef>
-            <a:fontRef idx="minor">
-              <a:schemeClr val="lt1"/>
-            </a:fontRef>
-          </p:style>
-          <p:txBody>
-            <a:bodyPr rtlCol="0" anchor="ctr"/>
-            <a:lstStyle/>
-            <a:p>
-              <a:pPr algn="ctr"/>
-              <a:endParaRPr lang="pt-BR"/>
-            </a:p>
-          </p:txBody>
-        </p:sp>
-        <p:sp>
-          <p:nvSpPr>
-            <p:cNvPr id="79" name="Retângulo 78"/>
-            <p:cNvSpPr/>
-            <p:nvPr/>
-          </p:nvSpPr>
-          <p:spPr>
-            <a:xfrm>
-              <a:off x="3055366" y="212194"/>
-              <a:ext cx="470285" cy="330682"/>
-            </a:xfrm>
-            <a:prstGeom prst="rect">
-              <a:avLst/>
-            </a:prstGeom>
-            <a:grpFill/>
-            <a:ln>
-              <a:noFill/>
-            </a:ln>
-          </p:spPr>
-          <p:style>
-            <a:lnRef idx="2">
-              <a:schemeClr val="accent1">
-                <a:shade val="50000"/>
-              </a:schemeClr>
-            </a:lnRef>
-            <a:fillRef idx="1">
-              <a:schemeClr val="accent1"/>
-            </a:fillRef>
-            <a:effectRef idx="0">
-              <a:schemeClr val="accent1"/>
-            </a:effectRef>
-            <a:fontRef idx="minor">
-              <a:schemeClr val="lt1"/>
-            </a:fontRef>
-          </p:style>
-          <p:txBody>
-            <a:bodyPr rtlCol="0" anchor="ctr"/>
-            <a:lstStyle/>
-            <a:p>
-              <a:pPr algn="ctr"/>
-              <a:endParaRPr lang="pt-BR"/>
-            </a:p>
-          </p:txBody>
-        </p:sp>
-        <p:sp>
-          <p:nvSpPr>
-            <p:cNvPr id="80" name="Retângulo 79"/>
-            <p:cNvSpPr/>
-            <p:nvPr/>
-          </p:nvSpPr>
-          <p:spPr>
-            <a:xfrm>
-              <a:off x="2013481" y="1481547"/>
-              <a:ext cx="470285" cy="330682"/>
-            </a:xfrm>
-            <a:prstGeom prst="rect">
-              <a:avLst/>
-            </a:prstGeom>
-            <a:grpFill/>
-            <a:ln>
-              <a:noFill/>
-            </a:ln>
-          </p:spPr>
-          <p:style>
-            <a:lnRef idx="2">
-              <a:schemeClr val="accent1">
-                <a:shade val="50000"/>
-              </a:schemeClr>
-            </a:lnRef>
-            <a:fillRef idx="1">
-              <a:schemeClr val="accent1"/>
-            </a:fillRef>
-            <a:effectRef idx="0">
-              <a:schemeClr val="accent1"/>
-            </a:effectRef>
-            <a:fontRef idx="minor">
-              <a:schemeClr val="lt1"/>
-            </a:fontRef>
-          </p:style>
-          <p:txBody>
-            <a:bodyPr rtlCol="0" anchor="ctr"/>
-            <a:lstStyle/>
-            <a:p>
-              <a:pPr algn="ctr"/>
-              <a:endParaRPr lang="pt-BR"/>
-            </a:p>
-          </p:txBody>
-        </p:sp>
-        <p:sp>
-          <p:nvSpPr>
-            <p:cNvPr id="81" name="Retângulo 80"/>
-            <p:cNvSpPr/>
-            <p:nvPr/>
-          </p:nvSpPr>
-          <p:spPr>
-            <a:xfrm>
-              <a:off x="3055364" y="1480893"/>
-              <a:ext cx="470285" cy="330682"/>
-            </a:xfrm>
-            <a:prstGeom prst="rect">
-              <a:avLst/>
-            </a:prstGeom>
-            <a:grpFill/>
-            <a:ln>
-              <a:noFill/>
-            </a:ln>
-          </p:spPr>
-          <p:style>
-            <a:lnRef idx="2">
-              <a:schemeClr val="accent1">
-                <a:shade val="50000"/>
-              </a:schemeClr>
-            </a:lnRef>
-            <a:fillRef idx="1">
-              <a:schemeClr val="accent1"/>
-            </a:fillRef>
-            <a:effectRef idx="0">
-              <a:schemeClr val="accent1"/>
-            </a:effectRef>
-            <a:fontRef idx="minor">
-              <a:schemeClr val="lt1"/>
-            </a:fontRef>
-          </p:style>
-          <p:txBody>
-            <a:bodyPr rtlCol="0" anchor="ctr"/>
-            <a:lstStyle/>
-            <a:p>
-              <a:pPr algn="ctr"/>
-              <a:endParaRPr lang="pt-BR"/>
-            </a:p>
-          </p:txBody>
-        </p:sp>
-      </p:grpSp>
-      <p:sp>
-        <p:nvSpPr>
-          <p:cNvPr id="133" name="Retângulo 132"/>
-          <p:cNvSpPr/>
-          <p:nvPr/>
-        </p:nvSpPr>
-        <p:spPr>
-          <a:xfrm>
-            <a:off x="511461" y="1628304"/>
-            <a:ext cx="481623" cy="514387"/>
-          </a:xfrm>
-          <a:prstGeom prst="rect">
-            <a:avLst/>
-          </a:prstGeom>
-          <a:solidFill>
-            <a:srgbClr val="ABED9B"/>
-          </a:solidFill>
-          <a:ln>
-            <a:noFill/>
-          </a:ln>
-        </p:spPr>
-        <p:style>
-          <a:lnRef idx="2">
-            <a:schemeClr val="accent1">
-              <a:shade val="50000"/>
-            </a:schemeClr>
-          </a:lnRef>
-          <a:fillRef idx="1">
-            <a:schemeClr val="accent1"/>
-          </a:fillRef>
-          <a:effectRef idx="0">
-            <a:schemeClr val="accent1"/>
-          </a:effectRef>
-          <a:fontRef idx="minor">
-            <a:schemeClr val="lt1"/>
-          </a:fontRef>
-        </p:style>
-        <p:txBody>
-          <a:bodyPr rtlCol="0" anchor="ctr"/>
-          <a:lstStyle/>
-          <a:p>
-            <a:pPr algn="ctr"/>
-            <a:endParaRPr lang="pt-BR"/>
-          </a:p>
-        </p:txBody>
-      </p:sp>
-      <p:grpSp>
-        <p:nvGrpSpPr>
-          <p:cNvPr id="148" name="Grupo 147"/>
-          <p:cNvGrpSpPr/>
-          <p:nvPr/>
-        </p:nvGrpSpPr>
-        <p:grpSpPr>
-          <a:xfrm rot="10800000">
-            <a:off x="993084" y="1630692"/>
-            <a:ext cx="481624" cy="509609"/>
-            <a:chOff x="2013481" y="212194"/>
-            <a:chExt cx="1512170" cy="1600035"/>
-          </a:xfrm>
-          <a:solidFill>
-            <a:srgbClr val="F5F549"/>
-          </a:solidFill>
-        </p:grpSpPr>
-        <p:sp>
-          <p:nvSpPr>
-            <p:cNvPr id="149" name="Retângulo de cantos arredondados 3"/>
-            <p:cNvSpPr/>
-            <p:nvPr/>
-          </p:nvSpPr>
-          <p:spPr>
-            <a:xfrm>
-              <a:off x="2013483" y="212194"/>
-              <a:ext cx="1512168" cy="1599381"/>
-            </a:xfrm>
-            <a:custGeom>
-              <a:avLst/>
-              <a:gdLst/>
-              <a:ahLst/>
-              <a:cxnLst/>
-              <a:rect l="l" t="t" r="r" b="b"/>
-              <a:pathLst>
-                <a:path w="1512168" h="1599381">
-                  <a:moveTo>
-                    <a:pt x="252033" y="0"/>
-                  </a:moveTo>
-                  <a:lnTo>
-                    <a:pt x="1260135" y="0"/>
-                  </a:lnTo>
-                  <a:cubicBezTo>
-                    <a:pt x="1399329" y="0"/>
-                    <a:pt x="1512168" y="112839"/>
-                    <a:pt x="1512168" y="252033"/>
-                  </a:cubicBezTo>
-                  <a:lnTo>
-                    <a:pt x="1512168" y="678194"/>
-                  </a:lnTo>
-                  <a:lnTo>
-                    <a:pt x="1508002" y="679809"/>
-                  </a:lnTo>
-                  <a:cubicBezTo>
-                    <a:pt x="1489758" y="684724"/>
-                    <a:pt x="1471056" y="690492"/>
-                    <a:pt x="1452509" y="688317"/>
-                  </a:cubicBezTo>
-                  <a:cubicBezTo>
-                    <a:pt x="1440924" y="686959"/>
-                    <a:pt x="1430009" y="682660"/>
-                    <a:pt x="1418538" y="677131"/>
-                  </a:cubicBezTo>
-                  <a:cubicBezTo>
-                    <a:pt x="1391552" y="634934"/>
-                    <a:pt x="1348825" y="607201"/>
-                    <a:pt x="1299426" y="603764"/>
-                  </a:cubicBezTo>
-                  <a:cubicBezTo>
-                    <a:pt x="1206223" y="597279"/>
-                    <a:pt x="1124563" y="679741"/>
-                    <a:pt x="1117034" y="787947"/>
-                  </a:cubicBezTo>
-                  <a:cubicBezTo>
-                    <a:pt x="1109505" y="896153"/>
-                    <a:pt x="1178958" y="989129"/>
-                    <a:pt x="1272162" y="995614"/>
-                  </a:cubicBezTo>
-                  <a:cubicBezTo>
-                    <a:pt x="1341258" y="1000422"/>
-                    <a:pt x="1404010" y="956345"/>
-                    <a:pt x="1434511" y="888948"/>
-                  </a:cubicBezTo>
-                  <a:cubicBezTo>
-                    <a:pt x="1435063" y="888608"/>
-                    <a:pt x="1435622" y="888617"/>
-                    <a:pt x="1436184" y="888637"/>
-                  </a:cubicBezTo>
-                  <a:cubicBezTo>
-                    <a:pt x="1455576" y="889342"/>
-                    <a:pt x="1485345" y="899072"/>
-                    <a:pt x="1512168" y="911654"/>
-                  </a:cubicBezTo>
-                  <a:lnTo>
-                    <a:pt x="1512168" y="1347348"/>
-                  </a:lnTo>
-                  <a:cubicBezTo>
-                    <a:pt x="1512168" y="1486542"/>
-                    <a:pt x="1399329" y="1599381"/>
-                    <a:pt x="1260135" y="1599381"/>
-                  </a:cubicBezTo>
-                  <a:lnTo>
-                    <a:pt x="870875" y="1599381"/>
-                  </a:lnTo>
-                  <a:cubicBezTo>
-                    <a:pt x="866206" y="1588700"/>
-                    <a:pt x="861243" y="1579345"/>
-                    <a:pt x="857998" y="1568300"/>
-                  </a:cubicBezTo>
-                  <a:cubicBezTo>
-                    <a:pt x="852672" y="1550171"/>
-                    <a:pt x="846483" y="1531604"/>
-                    <a:pt x="848238" y="1513013"/>
-                  </a:cubicBezTo>
-                  <a:cubicBezTo>
-                    <a:pt x="848807" y="1506979"/>
-                    <a:pt x="850174" y="1501108"/>
-                    <a:pt x="852940" y="1495504"/>
-                  </a:cubicBezTo>
-                  <a:cubicBezTo>
-                    <a:pt x="912999" y="1467473"/>
-                    <a:pt x="952483" y="1410195"/>
-                    <a:pt x="952483" y="1344593"/>
-                  </a:cubicBezTo>
-                  <a:cubicBezTo>
-                    <a:pt x="952483" y="1246695"/>
-                    <a:pt x="864552" y="1167333"/>
-                    <a:pt x="756084" y="1167333"/>
-                  </a:cubicBezTo>
-                  <a:cubicBezTo>
-                    <a:pt x="647616" y="1167333"/>
-                    <a:pt x="559685" y="1246695"/>
-                    <a:pt x="559685" y="1344593"/>
-                  </a:cubicBezTo>
-                  <a:cubicBezTo>
-                    <a:pt x="559685" y="1404388"/>
-                    <a:pt x="592488" y="1457267"/>
-                    <a:pt x="644534" y="1486563"/>
-                  </a:cubicBezTo>
-                  <a:lnTo>
-                    <a:pt x="647600" y="1501220"/>
-                  </a:lnTo>
-                  <a:cubicBezTo>
-                    <a:pt x="647262" y="1525880"/>
-                    <a:pt x="632727" y="1567625"/>
-                    <a:pt x="617482" y="1599381"/>
-                  </a:cubicBezTo>
-                  <a:lnTo>
-                    <a:pt x="252033" y="1599381"/>
-                  </a:lnTo>
-                  <a:cubicBezTo>
-                    <a:pt x="112839" y="1599381"/>
-                    <a:pt x="0" y="1486542"/>
-                    <a:pt x="0" y="1347348"/>
-                  </a:cubicBezTo>
-                  <a:lnTo>
-                    <a:pt x="0" y="927467"/>
-                  </a:lnTo>
-                  <a:lnTo>
-                    <a:pt x="20372" y="919570"/>
-                  </a:lnTo>
-                  <a:cubicBezTo>
-                    <a:pt x="38616" y="914655"/>
-                    <a:pt x="57318" y="908888"/>
-                    <a:pt x="75865" y="911062"/>
-                  </a:cubicBezTo>
-                  <a:cubicBezTo>
-                    <a:pt x="87450" y="912420"/>
-                    <a:pt x="98365" y="916719"/>
-                    <a:pt x="109837" y="922248"/>
-                  </a:cubicBezTo>
-                  <a:cubicBezTo>
-                    <a:pt x="136822" y="964445"/>
-                    <a:pt x="179549" y="992179"/>
-                    <a:pt x="228948" y="995616"/>
-                  </a:cubicBezTo>
-                  <a:cubicBezTo>
-                    <a:pt x="322152" y="1002101"/>
-                    <a:pt x="403811" y="919639"/>
-                    <a:pt x="411340" y="811432"/>
-                  </a:cubicBezTo>
-                  <a:cubicBezTo>
-                    <a:pt x="418869" y="703226"/>
-                    <a:pt x="349416" y="610250"/>
-                    <a:pt x="256212" y="603765"/>
-                  </a:cubicBezTo>
-                  <a:cubicBezTo>
-                    <a:pt x="187116" y="598957"/>
-                    <a:pt x="124364" y="643034"/>
-                    <a:pt x="93863" y="710431"/>
-                  </a:cubicBezTo>
-                  <a:cubicBezTo>
-                    <a:pt x="93311" y="710772"/>
-                    <a:pt x="92753" y="710763"/>
-                    <a:pt x="92190" y="710742"/>
-                  </a:cubicBezTo>
-                  <a:cubicBezTo>
-                    <a:pt x="68867" y="709895"/>
-                    <a:pt x="30534" y="695991"/>
-                    <a:pt x="0" y="680696"/>
-                  </a:cubicBezTo>
-                  <a:lnTo>
-                    <a:pt x="0" y="252033"/>
-                  </a:lnTo>
-                  <a:cubicBezTo>
-                    <a:pt x="0" y="112839"/>
-                    <a:pt x="112839" y="0"/>
-                    <a:pt x="252033" y="0"/>
-                  </a:cubicBezTo>
-                  <a:close/>
-                </a:path>
-              </a:pathLst>
-            </a:custGeom>
-            <a:grpFill/>
-            <a:ln>
-              <a:noFill/>
-            </a:ln>
-          </p:spPr>
-          <p:style>
-            <a:lnRef idx="2">
-              <a:schemeClr val="accent1">
-                <a:shade val="50000"/>
-              </a:schemeClr>
-            </a:lnRef>
-            <a:fillRef idx="1">
-              <a:schemeClr val="accent1"/>
-            </a:fillRef>
-            <a:effectRef idx="0">
-              <a:schemeClr val="accent1"/>
-            </a:effectRef>
-            <a:fontRef idx="minor">
-              <a:schemeClr val="lt1"/>
-            </a:fontRef>
-          </p:style>
-          <p:txBody>
-            <a:bodyPr rtlCol="0" anchor="ctr"/>
-            <a:lstStyle/>
-            <a:p>
-              <a:pPr algn="ctr"/>
-              <a:endParaRPr lang="pt-BR"/>
-            </a:p>
-          </p:txBody>
-        </p:sp>
-        <p:sp>
-          <p:nvSpPr>
-            <p:cNvPr id="150" name="Retângulo 149"/>
-            <p:cNvSpPr/>
-            <p:nvPr/>
-          </p:nvSpPr>
-          <p:spPr>
-            <a:xfrm>
-              <a:off x="2013483" y="212194"/>
-              <a:ext cx="470285" cy="330682"/>
-            </a:xfrm>
-            <a:prstGeom prst="rect">
-              <a:avLst/>
-            </a:prstGeom>
-            <a:grpFill/>
-            <a:ln>
-              <a:noFill/>
-            </a:ln>
-          </p:spPr>
-          <p:style>
-            <a:lnRef idx="2">
-              <a:schemeClr val="accent1">
-                <a:shade val="50000"/>
-              </a:schemeClr>
-            </a:lnRef>
-            <a:fillRef idx="1">
-              <a:schemeClr val="accent1"/>
-            </a:fillRef>
-            <a:effectRef idx="0">
-              <a:schemeClr val="accent1"/>
-            </a:effectRef>
-            <a:fontRef idx="minor">
-              <a:schemeClr val="lt1"/>
-            </a:fontRef>
-          </p:style>
-          <p:txBody>
-            <a:bodyPr rtlCol="0" anchor="ctr"/>
-            <a:lstStyle/>
-            <a:p>
-              <a:pPr algn="ctr"/>
-              <a:endParaRPr lang="pt-BR"/>
-            </a:p>
-          </p:txBody>
-        </p:sp>
-        <p:sp>
-          <p:nvSpPr>
-            <p:cNvPr id="151" name="Retângulo 150"/>
-            <p:cNvSpPr/>
-            <p:nvPr/>
-          </p:nvSpPr>
-          <p:spPr>
-            <a:xfrm>
-              <a:off x="3055366" y="212194"/>
-              <a:ext cx="470285" cy="330682"/>
-            </a:xfrm>
-            <a:prstGeom prst="rect">
-              <a:avLst/>
-            </a:prstGeom>
-            <a:grpFill/>
-            <a:ln>
-              <a:noFill/>
-            </a:ln>
-          </p:spPr>
-          <p:style>
-            <a:lnRef idx="2">
-              <a:schemeClr val="accent1">
-                <a:shade val="50000"/>
-              </a:schemeClr>
-            </a:lnRef>
-            <a:fillRef idx="1">
-              <a:schemeClr val="accent1"/>
-            </a:fillRef>
-            <a:effectRef idx="0">
-              <a:schemeClr val="accent1"/>
-            </a:effectRef>
-            <a:fontRef idx="minor">
-              <a:schemeClr val="lt1"/>
-            </a:fontRef>
-          </p:style>
-          <p:txBody>
-            <a:bodyPr rtlCol="0" anchor="ctr"/>
-            <a:lstStyle/>
-            <a:p>
-              <a:pPr algn="ctr"/>
-              <a:endParaRPr lang="pt-BR"/>
-            </a:p>
-          </p:txBody>
-        </p:sp>
-        <p:sp>
-          <p:nvSpPr>
-            <p:cNvPr id="152" name="Retângulo 151"/>
-            <p:cNvSpPr/>
-            <p:nvPr/>
-          </p:nvSpPr>
-          <p:spPr>
-            <a:xfrm>
-              <a:off x="2013481" y="1481547"/>
-              <a:ext cx="470285" cy="330682"/>
-            </a:xfrm>
-            <a:prstGeom prst="rect">
-              <a:avLst/>
-            </a:prstGeom>
-            <a:grpFill/>
-            <a:ln>
-              <a:noFill/>
-            </a:ln>
-          </p:spPr>
-          <p:style>
-            <a:lnRef idx="2">
-              <a:schemeClr val="accent1">
-                <a:shade val="50000"/>
-              </a:schemeClr>
-            </a:lnRef>
-            <a:fillRef idx="1">
-              <a:schemeClr val="accent1"/>
-            </a:fillRef>
-            <a:effectRef idx="0">
-              <a:schemeClr val="accent1"/>
-            </a:effectRef>
-            <a:fontRef idx="minor">
-              <a:schemeClr val="lt1"/>
-            </a:fontRef>
-          </p:style>
-          <p:txBody>
-            <a:bodyPr rtlCol="0" anchor="ctr"/>
-            <a:lstStyle/>
-            <a:p>
-              <a:pPr algn="ctr"/>
-              <a:endParaRPr lang="pt-BR"/>
-            </a:p>
-          </p:txBody>
-        </p:sp>
-        <p:sp>
-          <p:nvSpPr>
-            <p:cNvPr id="153" name="Retângulo 152"/>
-            <p:cNvSpPr/>
-            <p:nvPr/>
-          </p:nvSpPr>
-          <p:spPr>
-            <a:xfrm>
-              <a:off x="3055364" y="1480893"/>
-              <a:ext cx="470285" cy="330682"/>
-            </a:xfrm>
-            <a:prstGeom prst="rect">
-              <a:avLst/>
-            </a:prstGeom>
-            <a:grpFill/>
-            <a:ln>
-              <a:noFill/>
-            </a:ln>
-          </p:spPr>
-          <p:style>
-            <a:lnRef idx="2">
-              <a:schemeClr val="accent1">
-                <a:shade val="50000"/>
-              </a:schemeClr>
-            </a:lnRef>
-            <a:fillRef idx="1">
-              <a:schemeClr val="accent1"/>
-            </a:fillRef>
-            <a:effectRef idx="0">
-              <a:schemeClr val="accent1"/>
-            </a:effectRef>
-            <a:fontRef idx="minor">
-              <a:schemeClr val="lt1"/>
-            </a:fontRef>
-          </p:style>
-          <p:txBody>
-            <a:bodyPr rtlCol="0" anchor="ctr"/>
-            <a:lstStyle/>
-            <a:p>
-              <a:pPr algn="ctr"/>
-              <a:endParaRPr lang="pt-BR"/>
-            </a:p>
-          </p:txBody>
-        </p:sp>
-      </p:grpSp>
-      <p:grpSp>
-        <p:nvGrpSpPr>
-          <p:cNvPr id="154" name="Grupo 153"/>
-          <p:cNvGrpSpPr/>
-          <p:nvPr/>
-        </p:nvGrpSpPr>
-        <p:grpSpPr>
-          <a:xfrm rot="5400000">
-            <a:off x="1150678" y="1529545"/>
-            <a:ext cx="175181" cy="125105"/>
-            <a:chOff x="5486443" y="2358614"/>
-            <a:chExt cx="550022" cy="392797"/>
-          </a:xfrm>
-          <a:solidFill>
-            <a:srgbClr val="F5F549"/>
-          </a:solidFill>
-        </p:grpSpPr>
-        <p:sp>
-          <p:nvSpPr>
-            <p:cNvPr id="155" name="Elipse 154"/>
-            <p:cNvSpPr/>
-            <p:nvPr/>
-          </p:nvSpPr>
-          <p:spPr>
-            <a:xfrm rot="11038808">
-              <a:off x="5486443" y="2358614"/>
-              <a:ext cx="338336" cy="392797"/>
-            </a:xfrm>
-            <a:prstGeom prst="ellipse">
-              <a:avLst/>
-            </a:prstGeom>
-            <a:grpFill/>
-            <a:ln>
-              <a:noFill/>
-            </a:ln>
-          </p:spPr>
-          <p:style>
-            <a:lnRef idx="2">
-              <a:schemeClr val="accent1">
-                <a:shade val="50000"/>
-              </a:schemeClr>
-            </a:lnRef>
-            <a:fillRef idx="1">
-              <a:schemeClr val="accent1"/>
-            </a:fillRef>
-            <a:effectRef idx="0">
-              <a:schemeClr val="accent1"/>
-            </a:effectRef>
-            <a:fontRef idx="minor">
-              <a:schemeClr val="lt1"/>
-            </a:fontRef>
-          </p:style>
-          <p:txBody>
-            <a:bodyPr rtlCol="0" anchor="ctr"/>
-            <a:lstStyle/>
-            <a:p>
-              <a:pPr algn="ctr"/>
-              <a:endParaRPr lang="pt-BR"/>
-            </a:p>
-          </p:txBody>
-        </p:sp>
-        <p:sp>
-          <p:nvSpPr>
-            <p:cNvPr id="156" name="Forma livre 155"/>
-            <p:cNvSpPr/>
-            <p:nvPr/>
-          </p:nvSpPr>
-          <p:spPr>
-            <a:xfrm rot="11038808">
-              <a:off x="5664167" y="2374992"/>
-              <a:ext cx="372298" cy="360040"/>
-            </a:xfrm>
-            <a:custGeom>
-              <a:avLst/>
-              <a:gdLst>
-                <a:gd name="connsiteX0" fmla="*/ 24158 w 372298"/>
-                <a:gd name="connsiteY0" fmla="*/ 2471 h 486330"/>
-                <a:gd name="connsiteX1" fmla="*/ 117027 w 372298"/>
-                <a:gd name="connsiteY1" fmla="*/ 81052 h 486330"/>
-                <a:gd name="connsiteX2" fmla="*/ 224183 w 372298"/>
-                <a:gd name="connsiteY2" fmla="*/ 119152 h 486330"/>
-                <a:gd name="connsiteX3" fmla="*/ 276571 w 372298"/>
-                <a:gd name="connsiteY3" fmla="*/ 73908 h 486330"/>
-                <a:gd name="connsiteX4" fmla="*/ 290858 w 372298"/>
-                <a:gd name="connsiteY4" fmla="*/ 62002 h 486330"/>
-                <a:gd name="connsiteX5" fmla="*/ 359914 w 372298"/>
-                <a:gd name="connsiteY5" fmla="*/ 47715 h 486330"/>
-                <a:gd name="connsiteX6" fmla="*/ 371821 w 372298"/>
-                <a:gd name="connsiteY6" fmla="*/ 219165 h 486330"/>
-                <a:gd name="connsiteX7" fmla="*/ 369439 w 372298"/>
-                <a:gd name="connsiteY7" fmla="*/ 352515 h 486330"/>
-                <a:gd name="connsiteX8" fmla="*/ 364677 w 372298"/>
-                <a:gd name="connsiteY8" fmla="*/ 459671 h 486330"/>
-                <a:gd name="connsiteX9" fmla="*/ 348008 w 372298"/>
-                <a:gd name="connsiteY9" fmla="*/ 457290 h 486330"/>
-                <a:gd name="connsiteX10" fmla="*/ 278952 w 372298"/>
-                <a:gd name="connsiteY10" fmla="*/ 414427 h 486330"/>
-                <a:gd name="connsiteX11" fmla="*/ 221802 w 372298"/>
-                <a:gd name="connsiteY11" fmla="*/ 390615 h 486330"/>
-                <a:gd name="connsiteX12" fmla="*/ 167033 w 372298"/>
-                <a:gd name="connsiteY12" fmla="*/ 407283 h 486330"/>
-                <a:gd name="connsiteX13" fmla="*/ 114646 w 372298"/>
-                <a:gd name="connsiteY13" fmla="*/ 440621 h 486330"/>
-                <a:gd name="connsiteX14" fmla="*/ 38446 w 372298"/>
-                <a:gd name="connsiteY14" fmla="*/ 471577 h 486330"/>
-                <a:gd name="connsiteX15" fmla="*/ 346 w 372298"/>
-                <a:gd name="connsiteY15" fmla="*/ 183446 h 486330"/>
-                <a:gd name="connsiteX16" fmla="*/ 24158 w 372298"/>
-                <a:gd name="connsiteY16" fmla="*/ 2471 h 486330"/>
-              </a:gdLst>
-              <a:ahLst/>
-              <a:cxnLst>
-                <a:cxn ang="0">
-                  <a:pos x="connsiteX0" y="connsiteY0"/>
-                </a:cxn>
-                <a:cxn ang="0">
-                  <a:pos x="connsiteX1" y="connsiteY1"/>
-                </a:cxn>
-                <a:cxn ang="0">
-                  <a:pos x="connsiteX2" y="connsiteY2"/>
-                </a:cxn>
-                <a:cxn ang="0">
-                  <a:pos x="connsiteX3" y="connsiteY3"/>
-                </a:cxn>
-                <a:cxn ang="0">
-                  <a:pos x="connsiteX4" y="connsiteY4"/>
-                </a:cxn>
-                <a:cxn ang="0">
-                  <a:pos x="connsiteX5" y="connsiteY5"/>
-                </a:cxn>
-                <a:cxn ang="0">
-                  <a:pos x="connsiteX6" y="connsiteY6"/>
-                </a:cxn>
-                <a:cxn ang="0">
-                  <a:pos x="connsiteX7" y="connsiteY7"/>
-                </a:cxn>
-                <a:cxn ang="0">
-                  <a:pos x="connsiteX8" y="connsiteY8"/>
-                </a:cxn>
-                <a:cxn ang="0">
-                  <a:pos x="connsiteX9" y="connsiteY9"/>
-                </a:cxn>
-                <a:cxn ang="0">
-                  <a:pos x="connsiteX10" y="connsiteY10"/>
-                </a:cxn>
-                <a:cxn ang="0">
-                  <a:pos x="connsiteX11" y="connsiteY11"/>
-                </a:cxn>
-                <a:cxn ang="0">
-                  <a:pos x="connsiteX12" y="connsiteY12"/>
-                </a:cxn>
-                <a:cxn ang="0">
-                  <a:pos x="connsiteX13" y="connsiteY13"/>
-                </a:cxn>
-                <a:cxn ang="0">
-                  <a:pos x="connsiteX14" y="connsiteY14"/>
-                </a:cxn>
-                <a:cxn ang="0">
-                  <a:pos x="connsiteX15" y="connsiteY15"/>
-                </a:cxn>
-                <a:cxn ang="0">
-                  <a:pos x="connsiteX16" y="connsiteY16"/>
-                </a:cxn>
-              </a:cxnLst>
-              <a:rect l="l" t="t" r="r" b="b"/>
-              <a:pathLst>
-                <a:path w="372298" h="486330">
-                  <a:moveTo>
-                    <a:pt x="24158" y="2471"/>
-                  </a:moveTo>
-                  <a:cubicBezTo>
-                    <a:pt x="43605" y="-14595"/>
-                    <a:pt x="83689" y="61605"/>
-                    <a:pt x="117027" y="81052"/>
-                  </a:cubicBezTo>
-                  <a:cubicBezTo>
-                    <a:pt x="150365" y="100499"/>
-                    <a:pt x="197592" y="120343"/>
-                    <a:pt x="224183" y="119152"/>
-                  </a:cubicBezTo>
-                  <a:cubicBezTo>
-                    <a:pt x="250774" y="117961"/>
-                    <a:pt x="265459" y="83433"/>
-                    <a:pt x="276571" y="73908"/>
-                  </a:cubicBezTo>
-                  <a:cubicBezTo>
-                    <a:pt x="287684" y="64383"/>
-                    <a:pt x="276967" y="66368"/>
-                    <a:pt x="290858" y="62002"/>
-                  </a:cubicBezTo>
-                  <a:cubicBezTo>
-                    <a:pt x="304749" y="57636"/>
-                    <a:pt x="346420" y="21521"/>
-                    <a:pt x="359914" y="47715"/>
-                  </a:cubicBezTo>
-                  <a:cubicBezTo>
-                    <a:pt x="373408" y="73909"/>
-                    <a:pt x="370234" y="168365"/>
-                    <a:pt x="371821" y="219165"/>
-                  </a:cubicBezTo>
-                  <a:cubicBezTo>
-                    <a:pt x="373409" y="269965"/>
-                    <a:pt x="370630" y="312431"/>
-                    <a:pt x="369439" y="352515"/>
-                  </a:cubicBezTo>
-                  <a:cubicBezTo>
-                    <a:pt x="368248" y="392599"/>
-                    <a:pt x="368249" y="442209"/>
-                    <a:pt x="364677" y="459671"/>
-                  </a:cubicBezTo>
-                  <a:cubicBezTo>
-                    <a:pt x="361105" y="477134"/>
-                    <a:pt x="362296" y="464831"/>
-                    <a:pt x="348008" y="457290"/>
-                  </a:cubicBezTo>
-                  <a:cubicBezTo>
-                    <a:pt x="333721" y="449749"/>
-                    <a:pt x="299986" y="425539"/>
-                    <a:pt x="278952" y="414427"/>
-                  </a:cubicBezTo>
-                  <a:cubicBezTo>
-                    <a:pt x="257918" y="403315"/>
-                    <a:pt x="240455" y="391806"/>
-                    <a:pt x="221802" y="390615"/>
-                  </a:cubicBezTo>
-                  <a:cubicBezTo>
-                    <a:pt x="203149" y="389424"/>
-                    <a:pt x="184892" y="398949"/>
-                    <a:pt x="167033" y="407283"/>
-                  </a:cubicBezTo>
-                  <a:cubicBezTo>
-                    <a:pt x="149174" y="415617"/>
-                    <a:pt x="136077" y="429905"/>
-                    <a:pt x="114646" y="440621"/>
-                  </a:cubicBezTo>
-                  <a:cubicBezTo>
-                    <a:pt x="93215" y="451337"/>
-                    <a:pt x="57496" y="514440"/>
-                    <a:pt x="38446" y="471577"/>
-                  </a:cubicBezTo>
-                  <a:cubicBezTo>
-                    <a:pt x="19396" y="428715"/>
-                    <a:pt x="2330" y="260043"/>
-                    <a:pt x="346" y="183446"/>
-                  </a:cubicBezTo>
-                  <a:cubicBezTo>
-                    <a:pt x="-1638" y="106849"/>
-                    <a:pt x="4711" y="19537"/>
-                    <a:pt x="24158" y="2471"/>
-                  </a:cubicBezTo>
-                  <a:close/>
-                </a:path>
-              </a:pathLst>
-            </a:custGeom>
-            <a:grpFill/>
-            <a:ln>
-              <a:noFill/>
-            </a:ln>
-          </p:spPr>
-          <p:style>
-            <a:lnRef idx="2">
-              <a:schemeClr val="accent1">
-                <a:shade val="50000"/>
-              </a:schemeClr>
-            </a:lnRef>
-            <a:fillRef idx="1">
-              <a:schemeClr val="accent1"/>
-            </a:fillRef>
-            <a:effectRef idx="0">
-              <a:schemeClr val="accent1"/>
-            </a:effectRef>
-            <a:fontRef idx="minor">
-              <a:schemeClr val="lt1"/>
-            </a:fontRef>
-          </p:style>
-          <p:txBody>
-            <a:bodyPr rtlCol="0" anchor="ctr"/>
-            <a:lstStyle/>
-            <a:p>
-              <a:pPr algn="ctr"/>
-              <a:endParaRPr lang="pt-BR"/>
-            </a:p>
-          </p:txBody>
-        </p:sp>
-      </p:grpSp>
-      <p:sp>
-        <p:nvSpPr>
-          <p:cNvPr id="157" name="Retângulo 156"/>
-          <p:cNvSpPr/>
-          <p:nvPr/>
-        </p:nvSpPr>
-        <p:spPr>
-          <a:xfrm>
-            <a:off x="1163950" y="1648829"/>
-            <a:ext cx="135632" cy="244896"/>
-          </a:xfrm>
-          <a:prstGeom prst="rect">
-            <a:avLst/>
-          </a:prstGeom>
-          <a:solidFill>
-            <a:srgbClr val="F5F549"/>
-          </a:solidFill>
-          <a:ln>
-            <a:noFill/>
-          </a:ln>
-        </p:spPr>
-        <p:style>
-          <a:lnRef idx="2">
-            <a:schemeClr val="accent1">
-              <a:shade val="50000"/>
-            </a:schemeClr>
-          </a:lnRef>
-          <a:fillRef idx="1">
-            <a:schemeClr val="accent1"/>
-          </a:fillRef>
-          <a:effectRef idx="0">
-            <a:schemeClr val="accent1"/>
-          </a:effectRef>
-          <a:fontRef idx="minor">
-            <a:schemeClr val="lt1"/>
-          </a:fontRef>
-        </p:style>
-        <p:txBody>
-          <a:bodyPr rtlCol="0" anchor="ctr"/>
-          <a:lstStyle/>
-          <a:p>
-            <a:pPr algn="ctr"/>
-            <a:endParaRPr lang="pt-BR"/>
-          </a:p>
-        </p:txBody>
-      </p:sp>
       <p:grpSp>
         <p:nvGrpSpPr>
           <p:cNvPr id="1038" name="Grupo 1037"/>
@@ -9071,7 +9086,7 @@
         </p:nvGrpSpPr>
         <p:grpSpPr>
           <a:xfrm>
-            <a:off x="5564037" y="725267"/>
+            <a:off x="4829848" y="681657"/>
             <a:ext cx="729977" cy="1496084"/>
             <a:chOff x="4434171" y="625407"/>
             <a:chExt cx="729977" cy="1496084"/>
@@ -10275,7 +10290,7 @@
         </p:nvGrpSpPr>
         <p:grpSpPr>
           <a:xfrm>
-            <a:off x="6692423" y="735614"/>
+            <a:off x="5657897" y="632345"/>
             <a:ext cx="1494080" cy="1492971"/>
             <a:chOff x="5870042" y="694408"/>
             <a:chExt cx="1494080" cy="1492971"/>
@@ -12216,456 +12231,30 @@
           </p:sp>
         </p:grpSp>
       </p:grpSp>
-      <p:sp>
-        <p:nvSpPr>
-          <p:cNvPr id="354" name="Retângulo 353"/>
-          <p:cNvSpPr/>
-          <p:nvPr/>
-        </p:nvSpPr>
-        <p:spPr>
-          <a:xfrm>
-            <a:off x="3658688" y="1482099"/>
-            <a:ext cx="135632" cy="316137"/>
-          </a:xfrm>
-          <a:prstGeom prst="rect">
-            <a:avLst/>
-          </a:prstGeom>
-          <a:solidFill>
-            <a:srgbClr val="928AFA"/>
-          </a:solidFill>
-          <a:ln>
-            <a:noFill/>
-          </a:ln>
-        </p:spPr>
-        <p:style>
-          <a:lnRef idx="2">
-            <a:schemeClr val="accent1">
-              <a:shade val="50000"/>
-            </a:schemeClr>
-          </a:lnRef>
-          <a:fillRef idx="1">
-            <a:schemeClr val="accent1"/>
-          </a:fillRef>
-          <a:effectRef idx="0">
-            <a:schemeClr val="accent1"/>
-          </a:effectRef>
-          <a:fontRef idx="minor">
-            <a:schemeClr val="lt1"/>
-          </a:fontRef>
-        </p:style>
-        <p:txBody>
-          <a:bodyPr rtlCol="0" anchor="ctr"/>
-          <a:lstStyle/>
-          <a:p>
-            <a:pPr algn="ctr"/>
-            <a:endParaRPr lang="pt-BR"/>
-          </a:p>
-        </p:txBody>
-      </p:sp>
-      <p:sp>
-        <p:nvSpPr>
-          <p:cNvPr id="360" name="Retângulo 359"/>
-          <p:cNvSpPr/>
-          <p:nvPr/>
-        </p:nvSpPr>
-        <p:spPr>
-          <a:xfrm>
-            <a:off x="3485693" y="639498"/>
-            <a:ext cx="481623" cy="510301"/>
-          </a:xfrm>
-          <a:prstGeom prst="rect">
-            <a:avLst/>
-          </a:prstGeom>
-          <a:solidFill>
-            <a:srgbClr val="FF5757"/>
-          </a:solidFill>
-          <a:ln>
-            <a:noFill/>
-          </a:ln>
-        </p:spPr>
-        <p:style>
-          <a:lnRef idx="2">
-            <a:schemeClr val="accent1">
-              <a:shade val="50000"/>
-            </a:schemeClr>
-          </a:lnRef>
-          <a:fillRef idx="1">
-            <a:schemeClr val="accent1"/>
-          </a:fillRef>
-          <a:effectRef idx="0">
-            <a:schemeClr val="accent1"/>
-          </a:effectRef>
-          <a:fontRef idx="minor">
-            <a:schemeClr val="lt1"/>
-          </a:fontRef>
-        </p:style>
-        <p:txBody>
-          <a:bodyPr rtlCol="0" anchor="ctr"/>
-          <a:lstStyle/>
-          <a:p>
-            <a:pPr algn="ctr"/>
-            <a:endParaRPr lang="pt-BR"/>
-          </a:p>
-        </p:txBody>
-      </p:sp>
-      <p:sp>
-        <p:nvSpPr>
-          <p:cNvPr id="361" name="Retângulo 360"/>
-          <p:cNvSpPr/>
-          <p:nvPr/>
-        </p:nvSpPr>
-        <p:spPr>
-          <a:xfrm rot="5400000">
-            <a:off x="3575393" y="1063999"/>
-            <a:ext cx="302222" cy="159263"/>
-          </a:xfrm>
-          <a:prstGeom prst="rect">
-            <a:avLst/>
-          </a:prstGeom>
-          <a:solidFill>
-            <a:srgbClr val="FF5757"/>
-          </a:solidFill>
-          <a:ln>
-            <a:noFill/>
-          </a:ln>
-        </p:spPr>
-        <p:style>
-          <a:lnRef idx="2">
-            <a:schemeClr val="accent1">
-              <a:shade val="50000"/>
-            </a:schemeClr>
-          </a:lnRef>
-          <a:fillRef idx="1">
-            <a:schemeClr val="accent1"/>
-          </a:fillRef>
-          <a:effectRef idx="0">
-            <a:schemeClr val="accent1"/>
-          </a:effectRef>
-          <a:fontRef idx="minor">
-            <a:schemeClr val="lt1"/>
-          </a:fontRef>
-        </p:style>
-        <p:txBody>
-          <a:bodyPr rtlCol="0" anchor="ctr"/>
-          <a:lstStyle/>
-          <a:p>
-            <a:pPr algn="ctr"/>
-            <a:endParaRPr lang="pt-BR"/>
-          </a:p>
-        </p:txBody>
-      </p:sp>
       <p:grpSp>
         <p:nvGrpSpPr>
-          <p:cNvPr id="362" name="Grupo 361"/>
+          <p:cNvPr id="17" name="Grupo 16"/>
           <p:cNvGrpSpPr/>
           <p:nvPr/>
         </p:nvGrpSpPr>
         <p:grpSpPr>
           <a:xfrm>
-            <a:off x="3341668" y="1284606"/>
-            <a:ext cx="175181" cy="125105"/>
-            <a:chOff x="5486443" y="2358614"/>
-            <a:chExt cx="550022" cy="392797"/>
+            <a:off x="3341668" y="566386"/>
+            <a:ext cx="1335726" cy="1539553"/>
+            <a:chOff x="3341668" y="566386"/>
+            <a:chExt cx="1335726" cy="1539553"/>
           </a:xfrm>
-          <a:solidFill>
-            <a:srgbClr val="928AFA"/>
-          </a:solidFill>
         </p:grpSpPr>
         <p:sp>
           <p:nvSpPr>
-            <p:cNvPr id="369" name="Elipse 368"/>
+            <p:cNvPr id="228" name="Forma livre 227"/>
             <p:cNvSpPr/>
             <p:nvPr/>
           </p:nvSpPr>
           <p:spPr>
-            <a:xfrm rot="11038808">
-              <a:off x="5486443" y="2358614"/>
-              <a:ext cx="338336" cy="392797"/>
-            </a:xfrm>
-            <a:prstGeom prst="ellipse">
-              <a:avLst/>
-            </a:prstGeom>
-            <a:grpFill/>
-            <a:ln>
-              <a:noFill/>
-            </a:ln>
-          </p:spPr>
-          <p:style>
-            <a:lnRef idx="2">
-              <a:schemeClr val="accent1">
-                <a:shade val="50000"/>
-              </a:schemeClr>
-            </a:lnRef>
-            <a:fillRef idx="1">
-              <a:schemeClr val="accent1"/>
-            </a:fillRef>
-            <a:effectRef idx="0">
-              <a:schemeClr val="accent1"/>
-            </a:effectRef>
-            <a:fontRef idx="minor">
-              <a:schemeClr val="lt1"/>
-            </a:fontRef>
-          </p:style>
-          <p:txBody>
-            <a:bodyPr rtlCol="0" anchor="ctr"/>
-            <a:lstStyle/>
-            <a:p>
-              <a:pPr algn="r"/>
-              <a:endParaRPr lang="pt-BR"/>
-            </a:p>
-          </p:txBody>
-        </p:sp>
-        <p:sp>
-          <p:nvSpPr>
-            <p:cNvPr id="370" name="Forma livre 369"/>
-            <p:cNvSpPr/>
-            <p:nvPr/>
-          </p:nvSpPr>
-          <p:spPr>
-            <a:xfrm rot="11038808">
-              <a:off x="5664167" y="2374992"/>
-              <a:ext cx="372298" cy="360040"/>
-            </a:xfrm>
-            <a:custGeom>
-              <a:avLst/>
-              <a:gdLst>
-                <a:gd name="connsiteX0" fmla="*/ 24158 w 372298"/>
-                <a:gd name="connsiteY0" fmla="*/ 2471 h 486330"/>
-                <a:gd name="connsiteX1" fmla="*/ 117027 w 372298"/>
-                <a:gd name="connsiteY1" fmla="*/ 81052 h 486330"/>
-                <a:gd name="connsiteX2" fmla="*/ 224183 w 372298"/>
-                <a:gd name="connsiteY2" fmla="*/ 119152 h 486330"/>
-                <a:gd name="connsiteX3" fmla="*/ 276571 w 372298"/>
-                <a:gd name="connsiteY3" fmla="*/ 73908 h 486330"/>
-                <a:gd name="connsiteX4" fmla="*/ 290858 w 372298"/>
-                <a:gd name="connsiteY4" fmla="*/ 62002 h 486330"/>
-                <a:gd name="connsiteX5" fmla="*/ 359914 w 372298"/>
-                <a:gd name="connsiteY5" fmla="*/ 47715 h 486330"/>
-                <a:gd name="connsiteX6" fmla="*/ 371821 w 372298"/>
-                <a:gd name="connsiteY6" fmla="*/ 219165 h 486330"/>
-                <a:gd name="connsiteX7" fmla="*/ 369439 w 372298"/>
-                <a:gd name="connsiteY7" fmla="*/ 352515 h 486330"/>
-                <a:gd name="connsiteX8" fmla="*/ 364677 w 372298"/>
-                <a:gd name="connsiteY8" fmla="*/ 459671 h 486330"/>
-                <a:gd name="connsiteX9" fmla="*/ 348008 w 372298"/>
-                <a:gd name="connsiteY9" fmla="*/ 457290 h 486330"/>
-                <a:gd name="connsiteX10" fmla="*/ 278952 w 372298"/>
-                <a:gd name="connsiteY10" fmla="*/ 414427 h 486330"/>
-                <a:gd name="connsiteX11" fmla="*/ 221802 w 372298"/>
-                <a:gd name="connsiteY11" fmla="*/ 390615 h 486330"/>
-                <a:gd name="connsiteX12" fmla="*/ 167033 w 372298"/>
-                <a:gd name="connsiteY12" fmla="*/ 407283 h 486330"/>
-                <a:gd name="connsiteX13" fmla="*/ 114646 w 372298"/>
-                <a:gd name="connsiteY13" fmla="*/ 440621 h 486330"/>
-                <a:gd name="connsiteX14" fmla="*/ 38446 w 372298"/>
-                <a:gd name="connsiteY14" fmla="*/ 471577 h 486330"/>
-                <a:gd name="connsiteX15" fmla="*/ 346 w 372298"/>
-                <a:gd name="connsiteY15" fmla="*/ 183446 h 486330"/>
-                <a:gd name="connsiteX16" fmla="*/ 24158 w 372298"/>
-                <a:gd name="connsiteY16" fmla="*/ 2471 h 486330"/>
-              </a:gdLst>
-              <a:ahLst/>
-              <a:cxnLst>
-                <a:cxn ang="0">
-                  <a:pos x="connsiteX0" y="connsiteY0"/>
-                </a:cxn>
-                <a:cxn ang="0">
-                  <a:pos x="connsiteX1" y="connsiteY1"/>
-                </a:cxn>
-                <a:cxn ang="0">
-                  <a:pos x="connsiteX2" y="connsiteY2"/>
-                </a:cxn>
-                <a:cxn ang="0">
-                  <a:pos x="connsiteX3" y="connsiteY3"/>
-                </a:cxn>
-                <a:cxn ang="0">
-                  <a:pos x="connsiteX4" y="connsiteY4"/>
-                </a:cxn>
-                <a:cxn ang="0">
-                  <a:pos x="connsiteX5" y="connsiteY5"/>
-                </a:cxn>
-                <a:cxn ang="0">
-                  <a:pos x="connsiteX6" y="connsiteY6"/>
-                </a:cxn>
-                <a:cxn ang="0">
-                  <a:pos x="connsiteX7" y="connsiteY7"/>
-                </a:cxn>
-                <a:cxn ang="0">
-                  <a:pos x="connsiteX8" y="connsiteY8"/>
-                </a:cxn>
-                <a:cxn ang="0">
-                  <a:pos x="connsiteX9" y="connsiteY9"/>
-                </a:cxn>
-                <a:cxn ang="0">
-                  <a:pos x="connsiteX10" y="connsiteY10"/>
-                </a:cxn>
-                <a:cxn ang="0">
-                  <a:pos x="connsiteX11" y="connsiteY11"/>
-                </a:cxn>
-                <a:cxn ang="0">
-                  <a:pos x="connsiteX12" y="connsiteY12"/>
-                </a:cxn>
-                <a:cxn ang="0">
-                  <a:pos x="connsiteX13" y="connsiteY13"/>
-                </a:cxn>
-                <a:cxn ang="0">
-                  <a:pos x="connsiteX14" y="connsiteY14"/>
-                </a:cxn>
-                <a:cxn ang="0">
-                  <a:pos x="connsiteX15" y="connsiteY15"/>
-                </a:cxn>
-                <a:cxn ang="0">
-                  <a:pos x="connsiteX16" y="connsiteY16"/>
-                </a:cxn>
-              </a:cxnLst>
-              <a:rect l="l" t="t" r="r" b="b"/>
-              <a:pathLst>
-                <a:path w="372298" h="486330">
-                  <a:moveTo>
-                    <a:pt x="24158" y="2471"/>
-                  </a:moveTo>
-                  <a:cubicBezTo>
-                    <a:pt x="43605" y="-14595"/>
-                    <a:pt x="83689" y="61605"/>
-                    <a:pt x="117027" y="81052"/>
-                  </a:cubicBezTo>
-                  <a:cubicBezTo>
-                    <a:pt x="150365" y="100499"/>
-                    <a:pt x="197592" y="120343"/>
-                    <a:pt x="224183" y="119152"/>
-                  </a:cubicBezTo>
-                  <a:cubicBezTo>
-                    <a:pt x="250774" y="117961"/>
-                    <a:pt x="265459" y="83433"/>
-                    <a:pt x="276571" y="73908"/>
-                  </a:cubicBezTo>
-                  <a:cubicBezTo>
-                    <a:pt x="287684" y="64383"/>
-                    <a:pt x="276967" y="66368"/>
-                    <a:pt x="290858" y="62002"/>
-                  </a:cubicBezTo>
-                  <a:cubicBezTo>
-                    <a:pt x="304749" y="57636"/>
-                    <a:pt x="346420" y="21521"/>
-                    <a:pt x="359914" y="47715"/>
-                  </a:cubicBezTo>
-                  <a:cubicBezTo>
-                    <a:pt x="373408" y="73909"/>
-                    <a:pt x="370234" y="168365"/>
-                    <a:pt x="371821" y="219165"/>
-                  </a:cubicBezTo>
-                  <a:cubicBezTo>
-                    <a:pt x="373409" y="269965"/>
-                    <a:pt x="370630" y="312431"/>
-                    <a:pt x="369439" y="352515"/>
-                  </a:cubicBezTo>
-                  <a:cubicBezTo>
-                    <a:pt x="368248" y="392599"/>
-                    <a:pt x="368249" y="442209"/>
-                    <a:pt x="364677" y="459671"/>
-                  </a:cubicBezTo>
-                  <a:cubicBezTo>
-                    <a:pt x="361105" y="477134"/>
-                    <a:pt x="362296" y="464831"/>
-                    <a:pt x="348008" y="457290"/>
-                  </a:cubicBezTo>
-                  <a:cubicBezTo>
-                    <a:pt x="333721" y="449749"/>
-                    <a:pt x="299986" y="425539"/>
-                    <a:pt x="278952" y="414427"/>
-                  </a:cubicBezTo>
-                  <a:cubicBezTo>
-                    <a:pt x="257918" y="403315"/>
-                    <a:pt x="240455" y="391806"/>
-                    <a:pt x="221802" y="390615"/>
-                  </a:cubicBezTo>
-                  <a:cubicBezTo>
-                    <a:pt x="203149" y="389424"/>
-                    <a:pt x="184892" y="398949"/>
-                    <a:pt x="167033" y="407283"/>
-                  </a:cubicBezTo>
-                  <a:cubicBezTo>
-                    <a:pt x="149174" y="415617"/>
-                    <a:pt x="136077" y="429905"/>
-                    <a:pt x="114646" y="440621"/>
-                  </a:cubicBezTo>
-                  <a:cubicBezTo>
-                    <a:pt x="93215" y="451337"/>
-                    <a:pt x="57496" y="514440"/>
-                    <a:pt x="38446" y="471577"/>
-                  </a:cubicBezTo>
-                  <a:cubicBezTo>
-                    <a:pt x="19396" y="428715"/>
-                    <a:pt x="2330" y="260043"/>
-                    <a:pt x="346" y="183446"/>
-                  </a:cubicBezTo>
-                  <a:cubicBezTo>
-                    <a:pt x="-1638" y="106849"/>
-                    <a:pt x="4711" y="19537"/>
-                    <a:pt x="24158" y="2471"/>
-                  </a:cubicBezTo>
-                  <a:close/>
-                </a:path>
-              </a:pathLst>
-            </a:custGeom>
-            <a:grpFill/>
-            <a:ln>
-              <a:noFill/>
-            </a:ln>
-          </p:spPr>
-          <p:style>
-            <a:lnRef idx="2">
-              <a:schemeClr val="accent1">
-                <a:shade val="50000"/>
-              </a:schemeClr>
-            </a:lnRef>
-            <a:fillRef idx="1">
-              <a:schemeClr val="accent1"/>
-            </a:fillRef>
-            <a:effectRef idx="0">
-              <a:schemeClr val="accent1"/>
-            </a:effectRef>
-            <a:fontRef idx="minor">
-              <a:schemeClr val="lt1"/>
-            </a:fontRef>
-          </p:style>
-          <p:txBody>
-            <a:bodyPr rtlCol="0" anchor="ctr"/>
-            <a:lstStyle/>
-            <a:p>
-              <a:pPr algn="r"/>
-              <a:endParaRPr lang="pt-BR"/>
-            </a:p>
-          </p:txBody>
-        </p:sp>
-      </p:grpSp>
-      <p:grpSp>
-        <p:nvGrpSpPr>
-          <p:cNvPr id="363" name="Grupo 362"/>
-          <p:cNvGrpSpPr/>
-          <p:nvPr/>
-        </p:nvGrpSpPr>
-        <p:grpSpPr>
-          <a:xfrm rot="16200000">
-            <a:off x="3485695" y="1150262"/>
-            <a:ext cx="481624" cy="481624"/>
-            <a:chOff x="2013481" y="212194"/>
-            <a:chExt cx="1512170" cy="1600035"/>
-          </a:xfrm>
-          <a:solidFill>
-            <a:srgbClr val="928AFA"/>
-          </a:solidFill>
-        </p:grpSpPr>
-        <p:sp>
-          <p:nvSpPr>
-            <p:cNvPr id="364" name="Retângulo de cantos arredondados 3"/>
-            <p:cNvSpPr/>
-            <p:nvPr/>
-          </p:nvSpPr>
-          <p:spPr>
-            <a:xfrm>
-              <a:off x="2013483" y="212194"/>
-              <a:ext cx="1512168" cy="1599381"/>
+            <a:xfrm rot="10800000" flipH="1" flipV="1">
+              <a:off x="4296138" y="688063"/>
+              <a:ext cx="381255" cy="745354"/>
             </a:xfrm>
             <a:custGeom>
               <a:avLst/>
@@ -12674,185 +12263,85 @@
               <a:cxnLst/>
               <a:rect l="l" t="t" r="r" b="b"/>
               <a:pathLst>
-                <a:path w="1512168" h="1599381">
+                <a:path w="600943" h="1199094">
                   <a:moveTo>
-                    <a:pt x="252033" y="0"/>
+                    <a:pt x="598576" y="1143348"/>
                   </a:moveTo>
                   <a:lnTo>
-                    <a:pt x="1260135" y="0"/>
+                    <a:pt x="598651" y="1143349"/>
                   </a:lnTo>
                   <a:cubicBezTo>
-                    <a:pt x="1399329" y="0"/>
-                    <a:pt x="1512168" y="112839"/>
-                    <a:pt x="1512168" y="252033"/>
+                    <a:pt x="598651" y="1143349"/>
+                    <a:pt x="603810" y="1267174"/>
+                    <a:pt x="598651" y="1145730"/>
+                  </a:cubicBezTo>
+                  <a:cubicBezTo>
+                    <a:pt x="598618" y="1144950"/>
+                    <a:pt x="598585" y="1144156"/>
+                    <a:pt x="598576" y="1143348"/>
+                  </a:cubicBezTo>
+                  <a:close/>
+                  <a:moveTo>
+                    <a:pt x="17876" y="1133906"/>
+                  </a:moveTo>
+                  <a:lnTo>
+                    <a:pt x="22388" y="1133979"/>
+                  </a:lnTo>
+                  <a:lnTo>
+                    <a:pt x="22389" y="1138586"/>
+                  </a:lnTo>
+                  <a:cubicBezTo>
+                    <a:pt x="22291" y="1146541"/>
+                    <a:pt x="20622" y="1152455"/>
+                    <a:pt x="17876" y="1156668"/>
+                  </a:cubicBezTo>
+                  <a:close/>
+                  <a:moveTo>
+                    <a:pt x="106049" y="51"/>
+                  </a:moveTo>
+                  <a:cubicBezTo>
+                    <a:pt x="197336" y="2581"/>
+                    <a:pt x="334332" y="97980"/>
+                    <a:pt x="401007" y="145605"/>
+                  </a:cubicBezTo>
+                  <a:cubicBezTo>
+                    <a:pt x="489907" y="209105"/>
+                    <a:pt x="534754" y="247999"/>
+                    <a:pt x="567695" y="414686"/>
+                  </a:cubicBezTo>
+                  <a:cubicBezTo>
+                    <a:pt x="600425" y="580302"/>
+                    <a:pt x="593582" y="1018604"/>
+                    <a:pt x="598576" y="1143348"/>
                   </a:cubicBezTo>
                   <a:lnTo>
-                    <a:pt x="1512168" y="678194"/>
-                  </a:lnTo>
-                  <a:lnTo>
-                    <a:pt x="1508002" y="679809"/>
+                    <a:pt x="22388" y="1133979"/>
                   </a:lnTo>
                   <a:cubicBezTo>
-                    <a:pt x="1489758" y="684724"/>
-                    <a:pt x="1471056" y="690492"/>
-                    <a:pt x="1452509" y="688317"/>
+                    <a:pt x="23055" y="1067222"/>
+                    <a:pt x="20340" y="925579"/>
+                    <a:pt x="17626" y="745680"/>
                   </a:cubicBezTo>
                   <a:cubicBezTo>
-                    <a:pt x="1440924" y="686959"/>
-                    <a:pt x="1430009" y="682660"/>
-                    <a:pt x="1418538" y="677131"/>
+                    <a:pt x="14848" y="561530"/>
+                    <a:pt x="-29602" y="133699"/>
+                    <a:pt x="34295" y="33686"/>
                   </a:cubicBezTo>
                   <a:cubicBezTo>
-                    <a:pt x="1391552" y="634934"/>
-                    <a:pt x="1348825" y="607201"/>
-                    <a:pt x="1299426" y="603764"/>
-                  </a:cubicBezTo>
-                  <a:cubicBezTo>
-                    <a:pt x="1206223" y="597279"/>
-                    <a:pt x="1124563" y="679741"/>
-                    <a:pt x="1117034" y="787947"/>
-                  </a:cubicBezTo>
-                  <a:cubicBezTo>
-                    <a:pt x="1109505" y="896153"/>
-                    <a:pt x="1178958" y="989129"/>
-                    <a:pt x="1272162" y="995614"/>
-                  </a:cubicBezTo>
-                  <a:cubicBezTo>
-                    <a:pt x="1341258" y="1000422"/>
-                    <a:pt x="1404010" y="956345"/>
-                    <a:pt x="1434511" y="888948"/>
-                  </a:cubicBezTo>
-                  <a:cubicBezTo>
-                    <a:pt x="1435063" y="888608"/>
-                    <a:pt x="1435622" y="888617"/>
-                    <a:pt x="1436184" y="888637"/>
-                  </a:cubicBezTo>
-                  <a:cubicBezTo>
-                    <a:pt x="1455576" y="889342"/>
-                    <a:pt x="1485345" y="899072"/>
-                    <a:pt x="1512168" y="911654"/>
-                  </a:cubicBezTo>
-                  <a:lnTo>
-                    <a:pt x="1512168" y="1347348"/>
-                  </a:lnTo>
-                  <a:cubicBezTo>
-                    <a:pt x="1512168" y="1486542"/>
-                    <a:pt x="1399329" y="1599381"/>
-                    <a:pt x="1260135" y="1599381"/>
-                  </a:cubicBezTo>
-                  <a:lnTo>
-                    <a:pt x="870875" y="1599381"/>
-                  </a:lnTo>
-                  <a:cubicBezTo>
-                    <a:pt x="866206" y="1588700"/>
-                    <a:pt x="861243" y="1579345"/>
-                    <a:pt x="857998" y="1568300"/>
-                  </a:cubicBezTo>
-                  <a:cubicBezTo>
-                    <a:pt x="852672" y="1550171"/>
-                    <a:pt x="846483" y="1531604"/>
-                    <a:pt x="848238" y="1513013"/>
-                  </a:cubicBezTo>
-                  <a:cubicBezTo>
-                    <a:pt x="848807" y="1506979"/>
-                    <a:pt x="850174" y="1501108"/>
-                    <a:pt x="852940" y="1495504"/>
-                  </a:cubicBezTo>
-                  <a:cubicBezTo>
-                    <a:pt x="912999" y="1467473"/>
-                    <a:pt x="952483" y="1410195"/>
-                    <a:pt x="952483" y="1344593"/>
-                  </a:cubicBezTo>
-                  <a:cubicBezTo>
-                    <a:pt x="952483" y="1246695"/>
-                    <a:pt x="864552" y="1167333"/>
-                    <a:pt x="756084" y="1167333"/>
-                  </a:cubicBezTo>
-                  <a:cubicBezTo>
-                    <a:pt x="647616" y="1167333"/>
-                    <a:pt x="559685" y="1246695"/>
-                    <a:pt x="559685" y="1344593"/>
-                  </a:cubicBezTo>
-                  <a:cubicBezTo>
-                    <a:pt x="559685" y="1404388"/>
-                    <a:pt x="592488" y="1457267"/>
-                    <a:pt x="644534" y="1486563"/>
-                  </a:cubicBezTo>
-                  <a:lnTo>
-                    <a:pt x="647600" y="1501220"/>
-                  </a:lnTo>
-                  <a:cubicBezTo>
-                    <a:pt x="647262" y="1525880"/>
-                    <a:pt x="632727" y="1567625"/>
-                    <a:pt x="617482" y="1599381"/>
-                  </a:cubicBezTo>
-                  <a:lnTo>
-                    <a:pt x="252033" y="1599381"/>
-                  </a:lnTo>
-                  <a:cubicBezTo>
-                    <a:pt x="112839" y="1599381"/>
-                    <a:pt x="0" y="1486542"/>
-                    <a:pt x="0" y="1347348"/>
-                  </a:cubicBezTo>
-                  <a:lnTo>
-                    <a:pt x="0" y="927467"/>
-                  </a:lnTo>
-                  <a:lnTo>
-                    <a:pt x="20372" y="919570"/>
-                  </a:lnTo>
-                  <a:cubicBezTo>
-                    <a:pt x="38616" y="914655"/>
-                    <a:pt x="57318" y="908888"/>
-                    <a:pt x="75865" y="911062"/>
-                  </a:cubicBezTo>
-                  <a:cubicBezTo>
-                    <a:pt x="87450" y="912420"/>
-                    <a:pt x="98365" y="916719"/>
-                    <a:pt x="109837" y="922248"/>
-                  </a:cubicBezTo>
-                  <a:cubicBezTo>
-                    <a:pt x="136822" y="964445"/>
-                    <a:pt x="179549" y="992179"/>
-                    <a:pt x="228948" y="995616"/>
-                  </a:cubicBezTo>
-                  <a:cubicBezTo>
-                    <a:pt x="322152" y="1002101"/>
-                    <a:pt x="403811" y="919639"/>
-                    <a:pt x="411340" y="811432"/>
-                  </a:cubicBezTo>
-                  <a:cubicBezTo>
-                    <a:pt x="418869" y="703226"/>
-                    <a:pt x="349416" y="610250"/>
-                    <a:pt x="256212" y="603765"/>
-                  </a:cubicBezTo>
-                  <a:cubicBezTo>
-                    <a:pt x="187116" y="598957"/>
-                    <a:pt x="124364" y="643034"/>
-                    <a:pt x="93863" y="710431"/>
-                  </a:cubicBezTo>
-                  <a:cubicBezTo>
-                    <a:pt x="93311" y="710772"/>
-                    <a:pt x="92753" y="710763"/>
-                    <a:pt x="92190" y="710742"/>
-                  </a:cubicBezTo>
-                  <a:cubicBezTo>
-                    <a:pt x="68867" y="709895"/>
-                    <a:pt x="30534" y="695991"/>
-                    <a:pt x="0" y="680696"/>
-                  </a:cubicBezTo>
-                  <a:lnTo>
-                    <a:pt x="0" y="252033"/>
-                  </a:lnTo>
-                  <a:cubicBezTo>
-                    <a:pt x="0" y="112839"/>
-                    <a:pt x="112839" y="0"/>
-                    <a:pt x="252033" y="0"/>
+                    <a:pt x="50269" y="8683"/>
+                    <a:pt x="75620" y="-793"/>
+                    <a:pt x="106049" y="51"/>
                   </a:cubicBezTo>
                   <a:close/>
                 </a:path>
               </a:pathLst>
             </a:custGeom>
-            <a:grpFill/>
+            <a:solidFill>
+              <a:schemeClr val="accent2">
+                <a:lumMod val="40000"/>
+                <a:lumOff val="60000"/>
+              </a:schemeClr>
+            </a:solidFill>
             <a:ln>
               <a:noFill/>
             </a:ln>
@@ -12884,19 +12373,21 @@
         </p:sp>
         <p:sp>
           <p:nvSpPr>
-            <p:cNvPr id="365" name="Retângulo 364"/>
+            <p:cNvPr id="233" name="Retângulo 232"/>
             <p:cNvSpPr/>
             <p:nvPr/>
           </p:nvSpPr>
           <p:spPr>
             <a:xfrm>
-              <a:off x="2013483" y="212194"/>
-              <a:ext cx="470285" cy="330682"/>
+              <a:off x="3867584" y="743313"/>
+              <a:ext cx="279457" cy="187152"/>
             </a:xfrm>
             <a:prstGeom prst="rect">
               <a:avLst/>
             </a:prstGeom>
-            <a:grpFill/>
+            <a:solidFill>
+              <a:srgbClr val="FF5757"/>
+            </a:solidFill>
             <a:ln>
               <a:noFill/>
             </a:ln>
@@ -12928,19 +12419,26 @@
         </p:sp>
         <p:sp>
           <p:nvSpPr>
-            <p:cNvPr id="366" name="Retângulo 365"/>
+            <p:cNvPr id="13" name="Arredondar Retângulo em um Canto Único 12"/>
             <p:cNvSpPr/>
             <p:nvPr/>
           </p:nvSpPr>
           <p:spPr>
             <a:xfrm>
-              <a:off x="3055366" y="212194"/>
-              <a:ext cx="470285" cy="330682"/>
+              <a:off x="4381572" y="1303489"/>
+              <a:ext cx="273953" cy="252421"/>
             </a:xfrm>
-            <a:prstGeom prst="rect">
-              <a:avLst/>
+            <a:prstGeom prst="round1Rect">
+              <a:avLst>
+                <a:gd name="adj" fmla="val 0"/>
+              </a:avLst>
             </a:prstGeom>
-            <a:grpFill/>
+            <a:solidFill>
+              <a:schemeClr val="accent2">
+                <a:lumMod val="40000"/>
+                <a:lumOff val="60000"/>
+              </a:schemeClr>
+            </a:solidFill>
             <a:ln>
               <a:noFill/>
             </a:ln>
@@ -12972,19 +12470,355 @@
         </p:sp>
         <p:sp>
           <p:nvSpPr>
-            <p:cNvPr id="367" name="Retângulo 366"/>
+            <p:cNvPr id="221" name="Retângulo 220"/>
+            <p:cNvSpPr/>
+            <p:nvPr/>
+          </p:nvSpPr>
+          <p:spPr>
+            <a:xfrm rot="10800000" flipH="1">
+              <a:off x="3726504" y="1798236"/>
+              <a:ext cx="362306" cy="157479"/>
+            </a:xfrm>
+            <a:prstGeom prst="rect">
+              <a:avLst/>
+            </a:prstGeom>
+            <a:solidFill>
+              <a:schemeClr val="accent5">
+                <a:lumMod val="40000"/>
+                <a:lumOff val="60000"/>
+              </a:schemeClr>
+            </a:solidFill>
+            <a:ln>
+              <a:noFill/>
+            </a:ln>
+          </p:spPr>
+          <p:style>
+            <a:lnRef idx="2">
+              <a:schemeClr val="accent1">
+                <a:shade val="50000"/>
+              </a:schemeClr>
+            </a:lnRef>
+            <a:fillRef idx="1">
+              <a:schemeClr val="accent1"/>
+            </a:fillRef>
+            <a:effectRef idx="0">
+              <a:schemeClr val="accent1"/>
+            </a:effectRef>
+            <a:fontRef idx="minor">
+              <a:schemeClr val="lt1"/>
+            </a:fontRef>
+          </p:style>
+          <p:txBody>
+            <a:bodyPr rtlCol="0" anchor="ctr"/>
+            <a:lstStyle/>
+            <a:p>
+              <a:pPr algn="ctr"/>
+              <a:endParaRPr lang="pt-BR"/>
+            </a:p>
+          </p:txBody>
+        </p:sp>
+        <p:grpSp>
+          <p:nvGrpSpPr>
+            <p:cNvPr id="362" name="Grupo 361"/>
+            <p:cNvGrpSpPr/>
+            <p:nvPr/>
+          </p:nvGrpSpPr>
+          <p:grpSpPr>
+            <a:xfrm>
+              <a:off x="3341668" y="1284606"/>
+              <a:ext cx="175181" cy="125105"/>
+              <a:chOff x="5486443" y="2358614"/>
+              <a:chExt cx="550022" cy="392797"/>
+            </a:xfrm>
+            <a:solidFill>
+              <a:srgbClr val="928AFA"/>
+            </a:solidFill>
+          </p:grpSpPr>
+          <p:sp>
+            <p:nvSpPr>
+              <p:cNvPr id="369" name="Elipse 368"/>
+              <p:cNvSpPr/>
+              <p:nvPr/>
+            </p:nvSpPr>
+            <p:spPr>
+              <a:xfrm rot="11038808">
+                <a:off x="5486443" y="2358614"/>
+                <a:ext cx="338336" cy="392797"/>
+              </a:xfrm>
+              <a:prstGeom prst="ellipse">
+                <a:avLst/>
+              </a:prstGeom>
+              <a:grpFill/>
+              <a:ln>
+                <a:noFill/>
+              </a:ln>
+            </p:spPr>
+            <p:style>
+              <a:lnRef idx="2">
+                <a:schemeClr val="accent1">
+                  <a:shade val="50000"/>
+                </a:schemeClr>
+              </a:lnRef>
+              <a:fillRef idx="1">
+                <a:schemeClr val="accent1"/>
+              </a:fillRef>
+              <a:effectRef idx="0">
+                <a:schemeClr val="accent1"/>
+              </a:effectRef>
+              <a:fontRef idx="minor">
+                <a:schemeClr val="lt1"/>
+              </a:fontRef>
+            </p:style>
+            <p:txBody>
+              <a:bodyPr rtlCol="0" anchor="ctr"/>
+              <a:lstStyle/>
+              <a:p>
+                <a:pPr algn="r"/>
+                <a:endParaRPr lang="pt-BR"/>
+              </a:p>
+            </p:txBody>
+          </p:sp>
+          <p:sp>
+            <p:nvSpPr>
+              <p:cNvPr id="370" name="Forma livre 369"/>
+              <p:cNvSpPr/>
+              <p:nvPr/>
+            </p:nvSpPr>
+            <p:spPr>
+              <a:xfrm rot="11038808">
+                <a:off x="5664167" y="2374992"/>
+                <a:ext cx="372298" cy="360040"/>
+              </a:xfrm>
+              <a:custGeom>
+                <a:avLst/>
+                <a:gdLst>
+                  <a:gd name="connsiteX0" fmla="*/ 24158 w 372298"/>
+                  <a:gd name="connsiteY0" fmla="*/ 2471 h 486330"/>
+                  <a:gd name="connsiteX1" fmla="*/ 117027 w 372298"/>
+                  <a:gd name="connsiteY1" fmla="*/ 81052 h 486330"/>
+                  <a:gd name="connsiteX2" fmla="*/ 224183 w 372298"/>
+                  <a:gd name="connsiteY2" fmla="*/ 119152 h 486330"/>
+                  <a:gd name="connsiteX3" fmla="*/ 276571 w 372298"/>
+                  <a:gd name="connsiteY3" fmla="*/ 73908 h 486330"/>
+                  <a:gd name="connsiteX4" fmla="*/ 290858 w 372298"/>
+                  <a:gd name="connsiteY4" fmla="*/ 62002 h 486330"/>
+                  <a:gd name="connsiteX5" fmla="*/ 359914 w 372298"/>
+                  <a:gd name="connsiteY5" fmla="*/ 47715 h 486330"/>
+                  <a:gd name="connsiteX6" fmla="*/ 371821 w 372298"/>
+                  <a:gd name="connsiteY6" fmla="*/ 219165 h 486330"/>
+                  <a:gd name="connsiteX7" fmla="*/ 369439 w 372298"/>
+                  <a:gd name="connsiteY7" fmla="*/ 352515 h 486330"/>
+                  <a:gd name="connsiteX8" fmla="*/ 364677 w 372298"/>
+                  <a:gd name="connsiteY8" fmla="*/ 459671 h 486330"/>
+                  <a:gd name="connsiteX9" fmla="*/ 348008 w 372298"/>
+                  <a:gd name="connsiteY9" fmla="*/ 457290 h 486330"/>
+                  <a:gd name="connsiteX10" fmla="*/ 278952 w 372298"/>
+                  <a:gd name="connsiteY10" fmla="*/ 414427 h 486330"/>
+                  <a:gd name="connsiteX11" fmla="*/ 221802 w 372298"/>
+                  <a:gd name="connsiteY11" fmla="*/ 390615 h 486330"/>
+                  <a:gd name="connsiteX12" fmla="*/ 167033 w 372298"/>
+                  <a:gd name="connsiteY12" fmla="*/ 407283 h 486330"/>
+                  <a:gd name="connsiteX13" fmla="*/ 114646 w 372298"/>
+                  <a:gd name="connsiteY13" fmla="*/ 440621 h 486330"/>
+                  <a:gd name="connsiteX14" fmla="*/ 38446 w 372298"/>
+                  <a:gd name="connsiteY14" fmla="*/ 471577 h 486330"/>
+                  <a:gd name="connsiteX15" fmla="*/ 346 w 372298"/>
+                  <a:gd name="connsiteY15" fmla="*/ 183446 h 486330"/>
+                  <a:gd name="connsiteX16" fmla="*/ 24158 w 372298"/>
+                  <a:gd name="connsiteY16" fmla="*/ 2471 h 486330"/>
+                </a:gdLst>
+                <a:ahLst/>
+                <a:cxnLst>
+                  <a:cxn ang="0">
+                    <a:pos x="connsiteX0" y="connsiteY0"/>
+                  </a:cxn>
+                  <a:cxn ang="0">
+                    <a:pos x="connsiteX1" y="connsiteY1"/>
+                  </a:cxn>
+                  <a:cxn ang="0">
+                    <a:pos x="connsiteX2" y="connsiteY2"/>
+                  </a:cxn>
+                  <a:cxn ang="0">
+                    <a:pos x="connsiteX3" y="connsiteY3"/>
+                  </a:cxn>
+                  <a:cxn ang="0">
+                    <a:pos x="connsiteX4" y="connsiteY4"/>
+                  </a:cxn>
+                  <a:cxn ang="0">
+                    <a:pos x="connsiteX5" y="connsiteY5"/>
+                  </a:cxn>
+                  <a:cxn ang="0">
+                    <a:pos x="connsiteX6" y="connsiteY6"/>
+                  </a:cxn>
+                  <a:cxn ang="0">
+                    <a:pos x="connsiteX7" y="connsiteY7"/>
+                  </a:cxn>
+                  <a:cxn ang="0">
+                    <a:pos x="connsiteX8" y="connsiteY8"/>
+                  </a:cxn>
+                  <a:cxn ang="0">
+                    <a:pos x="connsiteX9" y="connsiteY9"/>
+                  </a:cxn>
+                  <a:cxn ang="0">
+                    <a:pos x="connsiteX10" y="connsiteY10"/>
+                  </a:cxn>
+                  <a:cxn ang="0">
+                    <a:pos x="connsiteX11" y="connsiteY11"/>
+                  </a:cxn>
+                  <a:cxn ang="0">
+                    <a:pos x="connsiteX12" y="connsiteY12"/>
+                  </a:cxn>
+                  <a:cxn ang="0">
+                    <a:pos x="connsiteX13" y="connsiteY13"/>
+                  </a:cxn>
+                  <a:cxn ang="0">
+                    <a:pos x="connsiteX14" y="connsiteY14"/>
+                  </a:cxn>
+                  <a:cxn ang="0">
+                    <a:pos x="connsiteX15" y="connsiteY15"/>
+                  </a:cxn>
+                  <a:cxn ang="0">
+                    <a:pos x="connsiteX16" y="connsiteY16"/>
+                  </a:cxn>
+                </a:cxnLst>
+                <a:rect l="l" t="t" r="r" b="b"/>
+                <a:pathLst>
+                  <a:path w="372298" h="486330">
+                    <a:moveTo>
+                      <a:pt x="24158" y="2471"/>
+                    </a:moveTo>
+                    <a:cubicBezTo>
+                      <a:pt x="43605" y="-14595"/>
+                      <a:pt x="83689" y="61605"/>
+                      <a:pt x="117027" y="81052"/>
+                    </a:cubicBezTo>
+                    <a:cubicBezTo>
+                      <a:pt x="150365" y="100499"/>
+                      <a:pt x="197592" y="120343"/>
+                      <a:pt x="224183" y="119152"/>
+                    </a:cubicBezTo>
+                    <a:cubicBezTo>
+                      <a:pt x="250774" y="117961"/>
+                      <a:pt x="265459" y="83433"/>
+                      <a:pt x="276571" y="73908"/>
+                    </a:cubicBezTo>
+                    <a:cubicBezTo>
+                      <a:pt x="287684" y="64383"/>
+                      <a:pt x="276967" y="66368"/>
+                      <a:pt x="290858" y="62002"/>
+                    </a:cubicBezTo>
+                    <a:cubicBezTo>
+                      <a:pt x="304749" y="57636"/>
+                      <a:pt x="346420" y="21521"/>
+                      <a:pt x="359914" y="47715"/>
+                    </a:cubicBezTo>
+                    <a:cubicBezTo>
+                      <a:pt x="373408" y="73909"/>
+                      <a:pt x="370234" y="168365"/>
+                      <a:pt x="371821" y="219165"/>
+                    </a:cubicBezTo>
+                    <a:cubicBezTo>
+                      <a:pt x="373409" y="269965"/>
+                      <a:pt x="370630" y="312431"/>
+                      <a:pt x="369439" y="352515"/>
+                    </a:cubicBezTo>
+                    <a:cubicBezTo>
+                      <a:pt x="368248" y="392599"/>
+                      <a:pt x="368249" y="442209"/>
+                      <a:pt x="364677" y="459671"/>
+                    </a:cubicBezTo>
+                    <a:cubicBezTo>
+                      <a:pt x="361105" y="477134"/>
+                      <a:pt x="362296" y="464831"/>
+                      <a:pt x="348008" y="457290"/>
+                    </a:cubicBezTo>
+                    <a:cubicBezTo>
+                      <a:pt x="333721" y="449749"/>
+                      <a:pt x="299986" y="425539"/>
+                      <a:pt x="278952" y="414427"/>
+                    </a:cubicBezTo>
+                    <a:cubicBezTo>
+                      <a:pt x="257918" y="403315"/>
+                      <a:pt x="240455" y="391806"/>
+                      <a:pt x="221802" y="390615"/>
+                    </a:cubicBezTo>
+                    <a:cubicBezTo>
+                      <a:pt x="203149" y="389424"/>
+                      <a:pt x="184892" y="398949"/>
+                      <a:pt x="167033" y="407283"/>
+                    </a:cubicBezTo>
+                    <a:cubicBezTo>
+                      <a:pt x="149174" y="415617"/>
+                      <a:pt x="136077" y="429905"/>
+                      <a:pt x="114646" y="440621"/>
+                    </a:cubicBezTo>
+                    <a:cubicBezTo>
+                      <a:pt x="93215" y="451337"/>
+                      <a:pt x="57496" y="514440"/>
+                      <a:pt x="38446" y="471577"/>
+                    </a:cubicBezTo>
+                    <a:cubicBezTo>
+                      <a:pt x="19396" y="428715"/>
+                      <a:pt x="2330" y="260043"/>
+                      <a:pt x="346" y="183446"/>
+                    </a:cubicBezTo>
+                    <a:cubicBezTo>
+                      <a:pt x="-1638" y="106849"/>
+                      <a:pt x="4711" y="19537"/>
+                      <a:pt x="24158" y="2471"/>
+                    </a:cubicBezTo>
+                    <a:close/>
+                  </a:path>
+                </a:pathLst>
+              </a:custGeom>
+              <a:grpFill/>
+              <a:ln>
+                <a:noFill/>
+              </a:ln>
+            </p:spPr>
+            <p:style>
+              <a:lnRef idx="2">
+                <a:schemeClr val="accent1">
+                  <a:shade val="50000"/>
+                </a:schemeClr>
+              </a:lnRef>
+              <a:fillRef idx="1">
+                <a:schemeClr val="accent1"/>
+              </a:fillRef>
+              <a:effectRef idx="0">
+                <a:schemeClr val="accent1"/>
+              </a:effectRef>
+              <a:fontRef idx="minor">
+                <a:schemeClr val="lt1"/>
+              </a:fontRef>
+            </p:style>
+            <p:txBody>
+              <a:bodyPr rtlCol="0" anchor="ctr"/>
+              <a:lstStyle/>
+              <a:p>
+                <a:pPr algn="r"/>
+                <a:endParaRPr lang="pt-BR"/>
+              </a:p>
+            </p:txBody>
+          </p:sp>
+        </p:grpSp>
+        <p:sp>
+          <p:nvSpPr>
+            <p:cNvPr id="354" name="Retângulo 353"/>
             <p:cNvSpPr/>
             <p:nvPr/>
           </p:nvSpPr>
           <p:spPr>
             <a:xfrm>
-              <a:off x="2013481" y="1481547"/>
-              <a:ext cx="470285" cy="330682"/>
+              <a:off x="3658688" y="1482099"/>
+              <a:ext cx="135632" cy="316137"/>
             </a:xfrm>
             <a:prstGeom prst="rect">
               <a:avLst/>
             </a:prstGeom>
-            <a:grpFill/>
+            <a:solidFill>
+              <a:srgbClr val="928AFA"/>
+            </a:solidFill>
             <a:ln>
               <a:noFill/>
             </a:ln>
@@ -13016,263 +12850,21 @@
         </p:sp>
         <p:sp>
           <p:nvSpPr>
-            <p:cNvPr id="368" name="Retângulo 367"/>
+            <p:cNvPr id="360" name="Retângulo 359"/>
             <p:cNvSpPr/>
             <p:nvPr/>
           </p:nvSpPr>
           <p:spPr>
             <a:xfrm>
-              <a:off x="3055364" y="1480893"/>
-              <a:ext cx="470285" cy="330682"/>
+              <a:off x="3485694" y="686451"/>
+              <a:ext cx="479720" cy="510301"/>
             </a:xfrm>
             <a:prstGeom prst="rect">
               <a:avLst/>
             </a:prstGeom>
-            <a:grpFill/>
-            <a:ln>
-              <a:noFill/>
-            </a:ln>
-          </p:spPr>
-          <p:style>
-            <a:lnRef idx="2">
-              <a:schemeClr val="accent1">
-                <a:shade val="50000"/>
-              </a:schemeClr>
-            </a:lnRef>
-            <a:fillRef idx="1">
-              <a:schemeClr val="accent1"/>
-            </a:fillRef>
-            <a:effectRef idx="0">
-              <a:schemeClr val="accent1"/>
-            </a:effectRef>
-            <a:fontRef idx="minor">
-              <a:schemeClr val="lt1"/>
-            </a:fontRef>
-          </p:style>
-          <p:txBody>
-            <a:bodyPr rtlCol="0" anchor="ctr"/>
-            <a:lstStyle/>
-            <a:p>
-              <a:pPr algn="ctr"/>
-              <a:endParaRPr lang="pt-BR"/>
-            </a:p>
-          </p:txBody>
-        </p:sp>
-      </p:grpSp>
-      <p:grpSp>
-        <p:nvGrpSpPr>
-          <p:cNvPr id="372" name="Grupo 371"/>
-          <p:cNvGrpSpPr/>
-          <p:nvPr/>
-        </p:nvGrpSpPr>
-        <p:grpSpPr>
-          <a:xfrm rot="16200000">
-            <a:off x="3485696" y="1624315"/>
-            <a:ext cx="481624" cy="481624"/>
-            <a:chOff x="2013481" y="212194"/>
-            <a:chExt cx="1512170" cy="1600035"/>
-          </a:xfrm>
-          <a:solidFill>
-            <a:srgbClr val="F8B992"/>
-          </a:solidFill>
-        </p:grpSpPr>
-        <p:sp>
-          <p:nvSpPr>
-            <p:cNvPr id="373" name="Retângulo de cantos arredondados 3"/>
-            <p:cNvSpPr/>
-            <p:nvPr/>
-          </p:nvSpPr>
-          <p:spPr>
-            <a:xfrm>
-              <a:off x="2013483" y="212194"/>
-              <a:ext cx="1512168" cy="1599381"/>
-            </a:xfrm>
-            <a:custGeom>
-              <a:avLst/>
-              <a:gdLst/>
-              <a:ahLst/>
-              <a:cxnLst/>
-              <a:rect l="l" t="t" r="r" b="b"/>
-              <a:pathLst>
-                <a:path w="1512168" h="1599381">
-                  <a:moveTo>
-                    <a:pt x="252033" y="0"/>
-                  </a:moveTo>
-                  <a:lnTo>
-                    <a:pt x="1260135" y="0"/>
-                  </a:lnTo>
-                  <a:cubicBezTo>
-                    <a:pt x="1399329" y="0"/>
-                    <a:pt x="1512168" y="112839"/>
-                    <a:pt x="1512168" y="252033"/>
-                  </a:cubicBezTo>
-                  <a:lnTo>
-                    <a:pt x="1512168" y="678194"/>
-                  </a:lnTo>
-                  <a:lnTo>
-                    <a:pt x="1508002" y="679809"/>
-                  </a:lnTo>
-                  <a:cubicBezTo>
-                    <a:pt x="1489758" y="684724"/>
-                    <a:pt x="1471056" y="690492"/>
-                    <a:pt x="1452509" y="688317"/>
-                  </a:cubicBezTo>
-                  <a:cubicBezTo>
-                    <a:pt x="1440924" y="686959"/>
-                    <a:pt x="1430009" y="682660"/>
-                    <a:pt x="1418538" y="677131"/>
-                  </a:cubicBezTo>
-                  <a:cubicBezTo>
-                    <a:pt x="1391552" y="634934"/>
-                    <a:pt x="1348825" y="607201"/>
-                    <a:pt x="1299426" y="603764"/>
-                  </a:cubicBezTo>
-                  <a:cubicBezTo>
-                    <a:pt x="1206223" y="597279"/>
-                    <a:pt x="1124563" y="679741"/>
-                    <a:pt x="1117034" y="787947"/>
-                  </a:cubicBezTo>
-                  <a:cubicBezTo>
-                    <a:pt x="1109505" y="896153"/>
-                    <a:pt x="1178958" y="989129"/>
-                    <a:pt x="1272162" y="995614"/>
-                  </a:cubicBezTo>
-                  <a:cubicBezTo>
-                    <a:pt x="1341258" y="1000422"/>
-                    <a:pt x="1404010" y="956345"/>
-                    <a:pt x="1434511" y="888948"/>
-                  </a:cubicBezTo>
-                  <a:cubicBezTo>
-                    <a:pt x="1435063" y="888608"/>
-                    <a:pt x="1435622" y="888617"/>
-                    <a:pt x="1436184" y="888637"/>
-                  </a:cubicBezTo>
-                  <a:cubicBezTo>
-                    <a:pt x="1455576" y="889342"/>
-                    <a:pt x="1485345" y="899072"/>
-                    <a:pt x="1512168" y="911654"/>
-                  </a:cubicBezTo>
-                  <a:lnTo>
-                    <a:pt x="1512168" y="1347348"/>
-                  </a:lnTo>
-                  <a:cubicBezTo>
-                    <a:pt x="1512168" y="1486542"/>
-                    <a:pt x="1399329" y="1599381"/>
-                    <a:pt x="1260135" y="1599381"/>
-                  </a:cubicBezTo>
-                  <a:lnTo>
-                    <a:pt x="870875" y="1599381"/>
-                  </a:lnTo>
-                  <a:cubicBezTo>
-                    <a:pt x="866206" y="1588700"/>
-                    <a:pt x="861243" y="1579345"/>
-                    <a:pt x="857998" y="1568300"/>
-                  </a:cubicBezTo>
-                  <a:cubicBezTo>
-                    <a:pt x="852672" y="1550171"/>
-                    <a:pt x="846483" y="1531604"/>
-                    <a:pt x="848238" y="1513013"/>
-                  </a:cubicBezTo>
-                  <a:cubicBezTo>
-                    <a:pt x="848807" y="1506979"/>
-                    <a:pt x="850174" y="1501108"/>
-                    <a:pt x="852940" y="1495504"/>
-                  </a:cubicBezTo>
-                  <a:cubicBezTo>
-                    <a:pt x="912999" y="1467473"/>
-                    <a:pt x="952483" y="1410195"/>
-                    <a:pt x="952483" y="1344593"/>
-                  </a:cubicBezTo>
-                  <a:cubicBezTo>
-                    <a:pt x="952483" y="1246695"/>
-                    <a:pt x="864552" y="1167333"/>
-                    <a:pt x="756084" y="1167333"/>
-                  </a:cubicBezTo>
-                  <a:cubicBezTo>
-                    <a:pt x="647616" y="1167333"/>
-                    <a:pt x="559685" y="1246695"/>
-                    <a:pt x="559685" y="1344593"/>
-                  </a:cubicBezTo>
-                  <a:cubicBezTo>
-                    <a:pt x="559685" y="1404388"/>
-                    <a:pt x="592488" y="1457267"/>
-                    <a:pt x="644534" y="1486563"/>
-                  </a:cubicBezTo>
-                  <a:lnTo>
-                    <a:pt x="647600" y="1501220"/>
-                  </a:lnTo>
-                  <a:cubicBezTo>
-                    <a:pt x="647262" y="1525880"/>
-                    <a:pt x="632727" y="1567625"/>
-                    <a:pt x="617482" y="1599381"/>
-                  </a:cubicBezTo>
-                  <a:lnTo>
-                    <a:pt x="252033" y="1599381"/>
-                  </a:lnTo>
-                  <a:cubicBezTo>
-                    <a:pt x="112839" y="1599381"/>
-                    <a:pt x="0" y="1486542"/>
-                    <a:pt x="0" y="1347348"/>
-                  </a:cubicBezTo>
-                  <a:lnTo>
-                    <a:pt x="0" y="927467"/>
-                  </a:lnTo>
-                  <a:lnTo>
-                    <a:pt x="20372" y="919570"/>
-                  </a:lnTo>
-                  <a:cubicBezTo>
-                    <a:pt x="38616" y="914655"/>
-                    <a:pt x="57318" y="908888"/>
-                    <a:pt x="75865" y="911062"/>
-                  </a:cubicBezTo>
-                  <a:cubicBezTo>
-                    <a:pt x="87450" y="912420"/>
-                    <a:pt x="98365" y="916719"/>
-                    <a:pt x="109837" y="922248"/>
-                  </a:cubicBezTo>
-                  <a:cubicBezTo>
-                    <a:pt x="136822" y="964445"/>
-                    <a:pt x="179549" y="992179"/>
-                    <a:pt x="228948" y="995616"/>
-                  </a:cubicBezTo>
-                  <a:cubicBezTo>
-                    <a:pt x="322152" y="1002101"/>
-                    <a:pt x="403811" y="919639"/>
-                    <a:pt x="411340" y="811432"/>
-                  </a:cubicBezTo>
-                  <a:cubicBezTo>
-                    <a:pt x="418869" y="703226"/>
-                    <a:pt x="349416" y="610250"/>
-                    <a:pt x="256212" y="603765"/>
-                  </a:cubicBezTo>
-                  <a:cubicBezTo>
-                    <a:pt x="187116" y="598957"/>
-                    <a:pt x="124364" y="643034"/>
-                    <a:pt x="93863" y="710431"/>
-                  </a:cubicBezTo>
-                  <a:cubicBezTo>
-                    <a:pt x="93311" y="710772"/>
-                    <a:pt x="92753" y="710763"/>
-                    <a:pt x="92190" y="710742"/>
-                  </a:cubicBezTo>
-                  <a:cubicBezTo>
-                    <a:pt x="68867" y="709895"/>
-                    <a:pt x="30534" y="695991"/>
-                    <a:pt x="0" y="680696"/>
-                  </a:cubicBezTo>
-                  <a:lnTo>
-                    <a:pt x="0" y="252033"/>
-                  </a:lnTo>
-                  <a:cubicBezTo>
-                    <a:pt x="0" y="112839"/>
-                    <a:pt x="112839" y="0"/>
-                    <a:pt x="252033" y="0"/>
-                  </a:cubicBezTo>
-                  <a:close/>
-                </a:path>
-              </a:pathLst>
-            </a:custGeom>
-            <a:grpFill/>
+            <a:solidFill>
+              <a:srgbClr val="FF5757"/>
+            </a:solidFill>
             <a:ln>
               <a:noFill/>
             </a:ln>
@@ -13304,19 +12896,1195 @@
         </p:sp>
         <p:sp>
           <p:nvSpPr>
-            <p:cNvPr id="374" name="Retângulo 373"/>
+            <p:cNvPr id="361" name="Retângulo 360"/>
             <p:cNvSpPr/>
             <p:nvPr/>
           </p:nvSpPr>
           <p:spPr>
-            <a:xfrm>
-              <a:off x="2013483" y="212194"/>
-              <a:ext cx="470285" cy="330682"/>
+            <a:xfrm rot="5400000">
+              <a:off x="3575393" y="1063999"/>
+              <a:ext cx="302222" cy="159263"/>
             </a:xfrm>
             <a:prstGeom prst="rect">
               <a:avLst/>
             </a:prstGeom>
-            <a:grpFill/>
+            <a:solidFill>
+              <a:srgbClr val="FF5757"/>
+            </a:solidFill>
+            <a:ln>
+              <a:noFill/>
+            </a:ln>
+          </p:spPr>
+          <p:style>
+            <a:lnRef idx="2">
+              <a:schemeClr val="accent1">
+                <a:shade val="50000"/>
+              </a:schemeClr>
+            </a:lnRef>
+            <a:fillRef idx="1">
+              <a:schemeClr val="accent1"/>
+            </a:fillRef>
+            <a:effectRef idx="0">
+              <a:schemeClr val="accent1"/>
+            </a:effectRef>
+            <a:fontRef idx="minor">
+              <a:schemeClr val="lt1"/>
+            </a:fontRef>
+          </p:style>
+          <p:txBody>
+            <a:bodyPr rtlCol="0" anchor="ctr"/>
+            <a:lstStyle/>
+            <a:p>
+              <a:pPr algn="ctr"/>
+              <a:endParaRPr lang="pt-BR"/>
+            </a:p>
+          </p:txBody>
+        </p:sp>
+        <p:grpSp>
+          <p:nvGrpSpPr>
+            <p:cNvPr id="363" name="Grupo 362"/>
+            <p:cNvGrpSpPr/>
+            <p:nvPr/>
+          </p:nvGrpSpPr>
+          <p:grpSpPr>
+            <a:xfrm rot="16200000">
+              <a:off x="3485696" y="1150263"/>
+              <a:ext cx="481623" cy="481624"/>
+              <a:chOff x="2013483" y="212194"/>
+              <a:chExt cx="1512168" cy="1600034"/>
+            </a:xfrm>
+            <a:solidFill>
+              <a:srgbClr val="928AFA"/>
+            </a:solidFill>
+          </p:grpSpPr>
+          <p:sp>
+            <p:nvSpPr>
+              <p:cNvPr id="364" name="Retângulo de cantos arredondados 3"/>
+              <p:cNvSpPr/>
+              <p:nvPr/>
+            </p:nvSpPr>
+            <p:spPr>
+              <a:xfrm>
+                <a:off x="2013483" y="212194"/>
+                <a:ext cx="1512168" cy="1599381"/>
+              </a:xfrm>
+              <a:custGeom>
+                <a:avLst/>
+                <a:gdLst/>
+                <a:ahLst/>
+                <a:cxnLst/>
+                <a:rect l="l" t="t" r="r" b="b"/>
+                <a:pathLst>
+                  <a:path w="1512168" h="1599381">
+                    <a:moveTo>
+                      <a:pt x="252033" y="0"/>
+                    </a:moveTo>
+                    <a:lnTo>
+                      <a:pt x="1260135" y="0"/>
+                    </a:lnTo>
+                    <a:cubicBezTo>
+                      <a:pt x="1399329" y="0"/>
+                      <a:pt x="1512168" y="112839"/>
+                      <a:pt x="1512168" y="252033"/>
+                    </a:cubicBezTo>
+                    <a:lnTo>
+                      <a:pt x="1512168" y="678194"/>
+                    </a:lnTo>
+                    <a:lnTo>
+                      <a:pt x="1508002" y="679809"/>
+                    </a:lnTo>
+                    <a:cubicBezTo>
+                      <a:pt x="1489758" y="684724"/>
+                      <a:pt x="1471056" y="690492"/>
+                      <a:pt x="1452509" y="688317"/>
+                    </a:cubicBezTo>
+                    <a:cubicBezTo>
+                      <a:pt x="1440924" y="686959"/>
+                      <a:pt x="1430009" y="682660"/>
+                      <a:pt x="1418538" y="677131"/>
+                    </a:cubicBezTo>
+                    <a:cubicBezTo>
+                      <a:pt x="1391552" y="634934"/>
+                      <a:pt x="1348825" y="607201"/>
+                      <a:pt x="1299426" y="603764"/>
+                    </a:cubicBezTo>
+                    <a:cubicBezTo>
+                      <a:pt x="1206223" y="597279"/>
+                      <a:pt x="1124563" y="679741"/>
+                      <a:pt x="1117034" y="787947"/>
+                    </a:cubicBezTo>
+                    <a:cubicBezTo>
+                      <a:pt x="1109505" y="896153"/>
+                      <a:pt x="1178958" y="989129"/>
+                      <a:pt x="1272162" y="995614"/>
+                    </a:cubicBezTo>
+                    <a:cubicBezTo>
+                      <a:pt x="1341258" y="1000422"/>
+                      <a:pt x="1404010" y="956345"/>
+                      <a:pt x="1434511" y="888948"/>
+                    </a:cubicBezTo>
+                    <a:cubicBezTo>
+                      <a:pt x="1435063" y="888608"/>
+                      <a:pt x="1435622" y="888617"/>
+                      <a:pt x="1436184" y="888637"/>
+                    </a:cubicBezTo>
+                    <a:cubicBezTo>
+                      <a:pt x="1455576" y="889342"/>
+                      <a:pt x="1485345" y="899072"/>
+                      <a:pt x="1512168" y="911654"/>
+                    </a:cubicBezTo>
+                    <a:lnTo>
+                      <a:pt x="1512168" y="1347348"/>
+                    </a:lnTo>
+                    <a:cubicBezTo>
+                      <a:pt x="1512168" y="1486542"/>
+                      <a:pt x="1399329" y="1599381"/>
+                      <a:pt x="1260135" y="1599381"/>
+                    </a:cubicBezTo>
+                    <a:lnTo>
+                      <a:pt x="870875" y="1599381"/>
+                    </a:lnTo>
+                    <a:cubicBezTo>
+                      <a:pt x="866206" y="1588700"/>
+                      <a:pt x="861243" y="1579345"/>
+                      <a:pt x="857998" y="1568300"/>
+                    </a:cubicBezTo>
+                    <a:cubicBezTo>
+                      <a:pt x="852672" y="1550171"/>
+                      <a:pt x="846483" y="1531604"/>
+                      <a:pt x="848238" y="1513013"/>
+                    </a:cubicBezTo>
+                    <a:cubicBezTo>
+                      <a:pt x="848807" y="1506979"/>
+                      <a:pt x="850174" y="1501108"/>
+                      <a:pt x="852940" y="1495504"/>
+                    </a:cubicBezTo>
+                    <a:cubicBezTo>
+                      <a:pt x="912999" y="1467473"/>
+                      <a:pt x="952483" y="1410195"/>
+                      <a:pt x="952483" y="1344593"/>
+                    </a:cubicBezTo>
+                    <a:cubicBezTo>
+                      <a:pt x="952483" y="1246695"/>
+                      <a:pt x="864552" y="1167333"/>
+                      <a:pt x="756084" y="1167333"/>
+                    </a:cubicBezTo>
+                    <a:cubicBezTo>
+                      <a:pt x="647616" y="1167333"/>
+                      <a:pt x="559685" y="1246695"/>
+                      <a:pt x="559685" y="1344593"/>
+                    </a:cubicBezTo>
+                    <a:cubicBezTo>
+                      <a:pt x="559685" y="1404388"/>
+                      <a:pt x="592488" y="1457267"/>
+                      <a:pt x="644534" y="1486563"/>
+                    </a:cubicBezTo>
+                    <a:lnTo>
+                      <a:pt x="647600" y="1501220"/>
+                    </a:lnTo>
+                    <a:cubicBezTo>
+                      <a:pt x="647262" y="1525880"/>
+                      <a:pt x="632727" y="1567625"/>
+                      <a:pt x="617482" y="1599381"/>
+                    </a:cubicBezTo>
+                    <a:lnTo>
+                      <a:pt x="252033" y="1599381"/>
+                    </a:lnTo>
+                    <a:cubicBezTo>
+                      <a:pt x="112839" y="1599381"/>
+                      <a:pt x="0" y="1486542"/>
+                      <a:pt x="0" y="1347348"/>
+                    </a:cubicBezTo>
+                    <a:lnTo>
+                      <a:pt x="0" y="927467"/>
+                    </a:lnTo>
+                    <a:lnTo>
+                      <a:pt x="20372" y="919570"/>
+                    </a:lnTo>
+                    <a:cubicBezTo>
+                      <a:pt x="38616" y="914655"/>
+                      <a:pt x="57318" y="908888"/>
+                      <a:pt x="75865" y="911062"/>
+                    </a:cubicBezTo>
+                    <a:cubicBezTo>
+                      <a:pt x="87450" y="912420"/>
+                      <a:pt x="98365" y="916719"/>
+                      <a:pt x="109837" y="922248"/>
+                    </a:cubicBezTo>
+                    <a:cubicBezTo>
+                      <a:pt x="136822" y="964445"/>
+                      <a:pt x="179549" y="992179"/>
+                      <a:pt x="228948" y="995616"/>
+                    </a:cubicBezTo>
+                    <a:cubicBezTo>
+                      <a:pt x="322152" y="1002101"/>
+                      <a:pt x="403811" y="919639"/>
+                      <a:pt x="411340" y="811432"/>
+                    </a:cubicBezTo>
+                    <a:cubicBezTo>
+                      <a:pt x="418869" y="703226"/>
+                      <a:pt x="349416" y="610250"/>
+                      <a:pt x="256212" y="603765"/>
+                    </a:cubicBezTo>
+                    <a:cubicBezTo>
+                      <a:pt x="187116" y="598957"/>
+                      <a:pt x="124364" y="643034"/>
+                      <a:pt x="93863" y="710431"/>
+                    </a:cubicBezTo>
+                    <a:cubicBezTo>
+                      <a:pt x="93311" y="710772"/>
+                      <a:pt x="92753" y="710763"/>
+                      <a:pt x="92190" y="710742"/>
+                    </a:cubicBezTo>
+                    <a:cubicBezTo>
+                      <a:pt x="68867" y="709895"/>
+                      <a:pt x="30534" y="695991"/>
+                      <a:pt x="0" y="680696"/>
+                    </a:cubicBezTo>
+                    <a:lnTo>
+                      <a:pt x="0" y="252033"/>
+                    </a:lnTo>
+                    <a:cubicBezTo>
+                      <a:pt x="0" y="112839"/>
+                      <a:pt x="112839" y="0"/>
+                      <a:pt x="252033" y="0"/>
+                    </a:cubicBezTo>
+                    <a:close/>
+                  </a:path>
+                </a:pathLst>
+              </a:custGeom>
+              <a:grpFill/>
+              <a:ln>
+                <a:noFill/>
+              </a:ln>
+            </p:spPr>
+            <p:style>
+              <a:lnRef idx="2">
+                <a:schemeClr val="accent1">
+                  <a:shade val="50000"/>
+                </a:schemeClr>
+              </a:lnRef>
+              <a:fillRef idx="1">
+                <a:schemeClr val="accent1"/>
+              </a:fillRef>
+              <a:effectRef idx="0">
+                <a:schemeClr val="accent1"/>
+              </a:effectRef>
+              <a:fontRef idx="minor">
+                <a:schemeClr val="lt1"/>
+              </a:fontRef>
+            </p:style>
+            <p:txBody>
+              <a:bodyPr rtlCol="0" anchor="ctr"/>
+              <a:lstStyle/>
+              <a:p>
+                <a:pPr algn="ctr"/>
+                <a:endParaRPr lang="pt-BR"/>
+              </a:p>
+            </p:txBody>
+          </p:sp>
+          <p:sp>
+            <p:nvSpPr>
+              <p:cNvPr id="365" name="Retângulo 364"/>
+              <p:cNvSpPr/>
+              <p:nvPr/>
+            </p:nvSpPr>
+            <p:spPr>
+              <a:xfrm>
+                <a:off x="2013483" y="212194"/>
+                <a:ext cx="470285" cy="330682"/>
+              </a:xfrm>
+              <a:prstGeom prst="rect">
+                <a:avLst/>
+              </a:prstGeom>
+              <a:grpFill/>
+              <a:ln>
+                <a:noFill/>
+              </a:ln>
+            </p:spPr>
+            <p:style>
+              <a:lnRef idx="2">
+                <a:schemeClr val="accent1">
+                  <a:shade val="50000"/>
+                </a:schemeClr>
+              </a:lnRef>
+              <a:fillRef idx="1">
+                <a:schemeClr val="accent1"/>
+              </a:fillRef>
+              <a:effectRef idx="0">
+                <a:schemeClr val="accent1"/>
+              </a:effectRef>
+              <a:fontRef idx="minor">
+                <a:schemeClr val="lt1"/>
+              </a:fontRef>
+            </p:style>
+            <p:txBody>
+              <a:bodyPr rtlCol="0" anchor="ctr"/>
+              <a:lstStyle/>
+              <a:p>
+                <a:pPr algn="ctr"/>
+                <a:endParaRPr lang="pt-BR"/>
+              </a:p>
+            </p:txBody>
+          </p:sp>
+          <p:sp>
+            <p:nvSpPr>
+              <p:cNvPr id="366" name="Retângulo 365"/>
+              <p:cNvSpPr/>
+              <p:nvPr/>
+            </p:nvSpPr>
+            <p:spPr>
+              <a:xfrm>
+                <a:off x="3055366" y="212194"/>
+                <a:ext cx="470285" cy="330682"/>
+              </a:xfrm>
+              <a:prstGeom prst="rect">
+                <a:avLst/>
+              </a:prstGeom>
+              <a:grpFill/>
+              <a:ln>
+                <a:noFill/>
+              </a:ln>
+            </p:spPr>
+            <p:style>
+              <a:lnRef idx="2">
+                <a:schemeClr val="accent1">
+                  <a:shade val="50000"/>
+                </a:schemeClr>
+              </a:lnRef>
+              <a:fillRef idx="1">
+                <a:schemeClr val="accent1"/>
+              </a:fillRef>
+              <a:effectRef idx="0">
+                <a:schemeClr val="accent1"/>
+              </a:effectRef>
+              <a:fontRef idx="minor">
+                <a:schemeClr val="lt1"/>
+              </a:fontRef>
+            </p:style>
+            <p:txBody>
+              <a:bodyPr rtlCol="0" anchor="ctr"/>
+              <a:lstStyle/>
+              <a:p>
+                <a:pPr algn="ctr"/>
+                <a:endParaRPr lang="pt-BR"/>
+              </a:p>
+            </p:txBody>
+          </p:sp>
+          <p:sp>
+            <p:nvSpPr>
+              <p:cNvPr id="367" name="Retângulo 366"/>
+              <p:cNvSpPr/>
+              <p:nvPr/>
+            </p:nvSpPr>
+            <p:spPr>
+              <a:xfrm>
+                <a:off x="2013485" y="1481546"/>
+                <a:ext cx="470285" cy="330682"/>
+              </a:xfrm>
+              <a:prstGeom prst="rect">
+                <a:avLst/>
+              </a:prstGeom>
+              <a:grpFill/>
+              <a:ln>
+                <a:noFill/>
+              </a:ln>
+            </p:spPr>
+            <p:style>
+              <a:lnRef idx="2">
+                <a:schemeClr val="accent1">
+                  <a:shade val="50000"/>
+                </a:schemeClr>
+              </a:lnRef>
+              <a:fillRef idx="1">
+                <a:schemeClr val="accent1"/>
+              </a:fillRef>
+              <a:effectRef idx="0">
+                <a:schemeClr val="accent1"/>
+              </a:effectRef>
+              <a:fontRef idx="minor">
+                <a:schemeClr val="lt1"/>
+              </a:fontRef>
+            </p:style>
+            <p:txBody>
+              <a:bodyPr rtlCol="0" anchor="ctr"/>
+              <a:lstStyle/>
+              <a:p>
+                <a:pPr algn="ctr"/>
+                <a:endParaRPr lang="pt-BR"/>
+              </a:p>
+            </p:txBody>
+          </p:sp>
+          <p:sp>
+            <p:nvSpPr>
+              <p:cNvPr id="368" name="Retângulo 367"/>
+              <p:cNvSpPr/>
+              <p:nvPr/>
+            </p:nvSpPr>
+            <p:spPr>
+              <a:xfrm>
+                <a:off x="3055364" y="1480893"/>
+                <a:ext cx="470285" cy="330682"/>
+              </a:xfrm>
+              <a:prstGeom prst="rect">
+                <a:avLst/>
+              </a:prstGeom>
+              <a:grpFill/>
+              <a:ln>
+                <a:noFill/>
+              </a:ln>
+            </p:spPr>
+            <p:style>
+              <a:lnRef idx="2">
+                <a:schemeClr val="accent1">
+                  <a:shade val="50000"/>
+                </a:schemeClr>
+              </a:lnRef>
+              <a:fillRef idx="1">
+                <a:schemeClr val="accent1"/>
+              </a:fillRef>
+              <a:effectRef idx="0">
+                <a:schemeClr val="accent1"/>
+              </a:effectRef>
+              <a:fontRef idx="minor">
+                <a:schemeClr val="lt1"/>
+              </a:fontRef>
+            </p:style>
+            <p:txBody>
+              <a:bodyPr rtlCol="0" anchor="ctr"/>
+              <a:lstStyle/>
+              <a:p>
+                <a:pPr algn="ctr"/>
+                <a:endParaRPr lang="pt-BR"/>
+              </a:p>
+            </p:txBody>
+          </p:sp>
+        </p:grpSp>
+        <p:grpSp>
+          <p:nvGrpSpPr>
+            <p:cNvPr id="372" name="Grupo 371"/>
+            <p:cNvGrpSpPr/>
+            <p:nvPr/>
+          </p:nvGrpSpPr>
+          <p:grpSpPr>
+            <a:xfrm rot="16200000">
+              <a:off x="3485696" y="1624315"/>
+              <a:ext cx="481624" cy="481624"/>
+              <a:chOff x="2013481" y="212194"/>
+              <a:chExt cx="1512170" cy="1600035"/>
+            </a:xfrm>
+            <a:solidFill>
+              <a:srgbClr val="F8B992"/>
+            </a:solidFill>
+          </p:grpSpPr>
+          <p:sp>
+            <p:nvSpPr>
+              <p:cNvPr id="373" name="Retângulo de cantos arredondados 3"/>
+              <p:cNvSpPr/>
+              <p:nvPr/>
+            </p:nvSpPr>
+            <p:spPr>
+              <a:xfrm>
+                <a:off x="2013483" y="212194"/>
+                <a:ext cx="1512168" cy="1599381"/>
+              </a:xfrm>
+              <a:custGeom>
+                <a:avLst/>
+                <a:gdLst/>
+                <a:ahLst/>
+                <a:cxnLst/>
+                <a:rect l="l" t="t" r="r" b="b"/>
+                <a:pathLst>
+                  <a:path w="1512168" h="1599381">
+                    <a:moveTo>
+                      <a:pt x="252033" y="0"/>
+                    </a:moveTo>
+                    <a:lnTo>
+                      <a:pt x="1260135" y="0"/>
+                    </a:lnTo>
+                    <a:cubicBezTo>
+                      <a:pt x="1399329" y="0"/>
+                      <a:pt x="1512168" y="112839"/>
+                      <a:pt x="1512168" y="252033"/>
+                    </a:cubicBezTo>
+                    <a:lnTo>
+                      <a:pt x="1512168" y="678194"/>
+                    </a:lnTo>
+                    <a:lnTo>
+                      <a:pt x="1508002" y="679809"/>
+                    </a:lnTo>
+                    <a:cubicBezTo>
+                      <a:pt x="1489758" y="684724"/>
+                      <a:pt x="1471056" y="690492"/>
+                      <a:pt x="1452509" y="688317"/>
+                    </a:cubicBezTo>
+                    <a:cubicBezTo>
+                      <a:pt x="1440924" y="686959"/>
+                      <a:pt x="1430009" y="682660"/>
+                      <a:pt x="1418538" y="677131"/>
+                    </a:cubicBezTo>
+                    <a:cubicBezTo>
+                      <a:pt x="1391552" y="634934"/>
+                      <a:pt x="1348825" y="607201"/>
+                      <a:pt x="1299426" y="603764"/>
+                    </a:cubicBezTo>
+                    <a:cubicBezTo>
+                      <a:pt x="1206223" y="597279"/>
+                      <a:pt x="1124563" y="679741"/>
+                      <a:pt x="1117034" y="787947"/>
+                    </a:cubicBezTo>
+                    <a:cubicBezTo>
+                      <a:pt x="1109505" y="896153"/>
+                      <a:pt x="1178958" y="989129"/>
+                      <a:pt x="1272162" y="995614"/>
+                    </a:cubicBezTo>
+                    <a:cubicBezTo>
+                      <a:pt x="1341258" y="1000422"/>
+                      <a:pt x="1404010" y="956345"/>
+                      <a:pt x="1434511" y="888948"/>
+                    </a:cubicBezTo>
+                    <a:cubicBezTo>
+                      <a:pt x="1435063" y="888608"/>
+                      <a:pt x="1435622" y="888617"/>
+                      <a:pt x="1436184" y="888637"/>
+                    </a:cubicBezTo>
+                    <a:cubicBezTo>
+                      <a:pt x="1455576" y="889342"/>
+                      <a:pt x="1485345" y="899072"/>
+                      <a:pt x="1512168" y="911654"/>
+                    </a:cubicBezTo>
+                    <a:lnTo>
+                      <a:pt x="1512168" y="1347348"/>
+                    </a:lnTo>
+                    <a:cubicBezTo>
+                      <a:pt x="1512168" y="1486542"/>
+                      <a:pt x="1399329" y="1599381"/>
+                      <a:pt x="1260135" y="1599381"/>
+                    </a:cubicBezTo>
+                    <a:lnTo>
+                      <a:pt x="870875" y="1599381"/>
+                    </a:lnTo>
+                    <a:cubicBezTo>
+                      <a:pt x="866206" y="1588700"/>
+                      <a:pt x="861243" y="1579345"/>
+                      <a:pt x="857998" y="1568300"/>
+                    </a:cubicBezTo>
+                    <a:cubicBezTo>
+                      <a:pt x="852672" y="1550171"/>
+                      <a:pt x="846483" y="1531604"/>
+                      <a:pt x="848238" y="1513013"/>
+                    </a:cubicBezTo>
+                    <a:cubicBezTo>
+                      <a:pt x="848807" y="1506979"/>
+                      <a:pt x="850174" y="1501108"/>
+                      <a:pt x="852940" y="1495504"/>
+                    </a:cubicBezTo>
+                    <a:cubicBezTo>
+                      <a:pt x="912999" y="1467473"/>
+                      <a:pt x="952483" y="1410195"/>
+                      <a:pt x="952483" y="1344593"/>
+                    </a:cubicBezTo>
+                    <a:cubicBezTo>
+                      <a:pt x="952483" y="1246695"/>
+                      <a:pt x="864552" y="1167333"/>
+                      <a:pt x="756084" y="1167333"/>
+                    </a:cubicBezTo>
+                    <a:cubicBezTo>
+                      <a:pt x="647616" y="1167333"/>
+                      <a:pt x="559685" y="1246695"/>
+                      <a:pt x="559685" y="1344593"/>
+                    </a:cubicBezTo>
+                    <a:cubicBezTo>
+                      <a:pt x="559685" y="1404388"/>
+                      <a:pt x="592488" y="1457267"/>
+                      <a:pt x="644534" y="1486563"/>
+                    </a:cubicBezTo>
+                    <a:lnTo>
+                      <a:pt x="647600" y="1501220"/>
+                    </a:lnTo>
+                    <a:cubicBezTo>
+                      <a:pt x="647262" y="1525880"/>
+                      <a:pt x="632727" y="1567625"/>
+                      <a:pt x="617482" y="1599381"/>
+                    </a:cubicBezTo>
+                    <a:lnTo>
+                      <a:pt x="252033" y="1599381"/>
+                    </a:lnTo>
+                    <a:cubicBezTo>
+                      <a:pt x="112839" y="1599381"/>
+                      <a:pt x="0" y="1486542"/>
+                      <a:pt x="0" y="1347348"/>
+                    </a:cubicBezTo>
+                    <a:lnTo>
+                      <a:pt x="0" y="927467"/>
+                    </a:lnTo>
+                    <a:lnTo>
+                      <a:pt x="20372" y="919570"/>
+                    </a:lnTo>
+                    <a:cubicBezTo>
+                      <a:pt x="38616" y="914655"/>
+                      <a:pt x="57318" y="908888"/>
+                      <a:pt x="75865" y="911062"/>
+                    </a:cubicBezTo>
+                    <a:cubicBezTo>
+                      <a:pt x="87450" y="912420"/>
+                      <a:pt x="98365" y="916719"/>
+                      <a:pt x="109837" y="922248"/>
+                    </a:cubicBezTo>
+                    <a:cubicBezTo>
+                      <a:pt x="136822" y="964445"/>
+                      <a:pt x="179549" y="992179"/>
+                      <a:pt x="228948" y="995616"/>
+                    </a:cubicBezTo>
+                    <a:cubicBezTo>
+                      <a:pt x="322152" y="1002101"/>
+                      <a:pt x="403811" y="919639"/>
+                      <a:pt x="411340" y="811432"/>
+                    </a:cubicBezTo>
+                    <a:cubicBezTo>
+                      <a:pt x="418869" y="703226"/>
+                      <a:pt x="349416" y="610250"/>
+                      <a:pt x="256212" y="603765"/>
+                    </a:cubicBezTo>
+                    <a:cubicBezTo>
+                      <a:pt x="187116" y="598957"/>
+                      <a:pt x="124364" y="643034"/>
+                      <a:pt x="93863" y="710431"/>
+                    </a:cubicBezTo>
+                    <a:cubicBezTo>
+                      <a:pt x="93311" y="710772"/>
+                      <a:pt x="92753" y="710763"/>
+                      <a:pt x="92190" y="710742"/>
+                    </a:cubicBezTo>
+                    <a:cubicBezTo>
+                      <a:pt x="68867" y="709895"/>
+                      <a:pt x="30534" y="695991"/>
+                      <a:pt x="0" y="680696"/>
+                    </a:cubicBezTo>
+                    <a:lnTo>
+                      <a:pt x="0" y="252033"/>
+                    </a:lnTo>
+                    <a:cubicBezTo>
+                      <a:pt x="0" y="112839"/>
+                      <a:pt x="112839" y="0"/>
+                      <a:pt x="252033" y="0"/>
+                    </a:cubicBezTo>
+                    <a:close/>
+                  </a:path>
+                </a:pathLst>
+              </a:custGeom>
+              <a:grpFill/>
+              <a:ln>
+                <a:noFill/>
+              </a:ln>
+            </p:spPr>
+            <p:style>
+              <a:lnRef idx="2">
+                <a:schemeClr val="accent1">
+                  <a:shade val="50000"/>
+                </a:schemeClr>
+              </a:lnRef>
+              <a:fillRef idx="1">
+                <a:schemeClr val="accent1"/>
+              </a:fillRef>
+              <a:effectRef idx="0">
+                <a:schemeClr val="accent1"/>
+              </a:effectRef>
+              <a:fontRef idx="minor">
+                <a:schemeClr val="lt1"/>
+              </a:fontRef>
+            </p:style>
+            <p:txBody>
+              <a:bodyPr rtlCol="0" anchor="ctr"/>
+              <a:lstStyle/>
+              <a:p>
+                <a:pPr algn="ctr"/>
+                <a:endParaRPr lang="pt-BR"/>
+              </a:p>
+            </p:txBody>
+          </p:sp>
+          <p:sp>
+            <p:nvSpPr>
+              <p:cNvPr id="374" name="Retângulo 373"/>
+              <p:cNvSpPr/>
+              <p:nvPr/>
+            </p:nvSpPr>
+            <p:spPr>
+              <a:xfrm>
+                <a:off x="2013483" y="212194"/>
+                <a:ext cx="470285" cy="330682"/>
+              </a:xfrm>
+              <a:prstGeom prst="rect">
+                <a:avLst/>
+              </a:prstGeom>
+              <a:grpFill/>
+              <a:ln>
+                <a:noFill/>
+              </a:ln>
+            </p:spPr>
+            <p:style>
+              <a:lnRef idx="2">
+                <a:schemeClr val="accent1">
+                  <a:shade val="50000"/>
+                </a:schemeClr>
+              </a:lnRef>
+              <a:fillRef idx="1">
+                <a:schemeClr val="accent1"/>
+              </a:fillRef>
+              <a:effectRef idx="0">
+                <a:schemeClr val="accent1"/>
+              </a:effectRef>
+              <a:fontRef idx="minor">
+                <a:schemeClr val="lt1"/>
+              </a:fontRef>
+            </p:style>
+            <p:txBody>
+              <a:bodyPr rtlCol="0" anchor="ctr"/>
+              <a:lstStyle/>
+              <a:p>
+                <a:pPr algn="ctr"/>
+                <a:endParaRPr lang="pt-BR"/>
+              </a:p>
+            </p:txBody>
+          </p:sp>
+          <p:sp>
+            <p:nvSpPr>
+              <p:cNvPr id="375" name="Retângulo 374"/>
+              <p:cNvSpPr/>
+              <p:nvPr/>
+            </p:nvSpPr>
+            <p:spPr>
+              <a:xfrm>
+                <a:off x="3055366" y="212194"/>
+                <a:ext cx="470285" cy="330682"/>
+              </a:xfrm>
+              <a:prstGeom prst="rect">
+                <a:avLst/>
+              </a:prstGeom>
+              <a:grpFill/>
+              <a:ln>
+                <a:noFill/>
+              </a:ln>
+            </p:spPr>
+            <p:style>
+              <a:lnRef idx="2">
+                <a:schemeClr val="accent1">
+                  <a:shade val="50000"/>
+                </a:schemeClr>
+              </a:lnRef>
+              <a:fillRef idx="1">
+                <a:schemeClr val="accent1"/>
+              </a:fillRef>
+              <a:effectRef idx="0">
+                <a:schemeClr val="accent1"/>
+              </a:effectRef>
+              <a:fontRef idx="minor">
+                <a:schemeClr val="lt1"/>
+              </a:fontRef>
+            </p:style>
+            <p:txBody>
+              <a:bodyPr rtlCol="0" anchor="ctr"/>
+              <a:lstStyle/>
+              <a:p>
+                <a:pPr algn="ctr"/>
+                <a:endParaRPr lang="pt-BR"/>
+              </a:p>
+            </p:txBody>
+          </p:sp>
+          <p:sp>
+            <p:nvSpPr>
+              <p:cNvPr id="376" name="Retângulo 375"/>
+              <p:cNvSpPr/>
+              <p:nvPr/>
+            </p:nvSpPr>
+            <p:spPr>
+              <a:xfrm>
+                <a:off x="2013481" y="1481547"/>
+                <a:ext cx="470285" cy="330682"/>
+              </a:xfrm>
+              <a:prstGeom prst="rect">
+                <a:avLst/>
+              </a:prstGeom>
+              <a:grpFill/>
+              <a:ln>
+                <a:noFill/>
+              </a:ln>
+            </p:spPr>
+            <p:style>
+              <a:lnRef idx="2">
+                <a:schemeClr val="accent1">
+                  <a:shade val="50000"/>
+                </a:schemeClr>
+              </a:lnRef>
+              <a:fillRef idx="1">
+                <a:schemeClr val="accent1"/>
+              </a:fillRef>
+              <a:effectRef idx="0">
+                <a:schemeClr val="accent1"/>
+              </a:effectRef>
+              <a:fontRef idx="minor">
+                <a:schemeClr val="lt1"/>
+              </a:fontRef>
+            </p:style>
+            <p:txBody>
+              <a:bodyPr rtlCol="0" anchor="ctr"/>
+              <a:lstStyle/>
+              <a:p>
+                <a:pPr algn="ctr"/>
+                <a:endParaRPr lang="pt-BR"/>
+              </a:p>
+            </p:txBody>
+          </p:sp>
+          <p:sp>
+            <p:nvSpPr>
+              <p:cNvPr id="377" name="Retângulo 376"/>
+              <p:cNvSpPr/>
+              <p:nvPr/>
+            </p:nvSpPr>
+            <p:spPr>
+              <a:xfrm>
+                <a:off x="3055364" y="1480893"/>
+                <a:ext cx="470285" cy="330682"/>
+              </a:xfrm>
+              <a:prstGeom prst="rect">
+                <a:avLst/>
+              </a:prstGeom>
+              <a:grpFill/>
+              <a:ln>
+                <a:noFill/>
+              </a:ln>
+            </p:spPr>
+            <p:style>
+              <a:lnRef idx="2">
+                <a:schemeClr val="accent1">
+                  <a:shade val="50000"/>
+                </a:schemeClr>
+              </a:lnRef>
+              <a:fillRef idx="1">
+                <a:schemeClr val="accent1"/>
+              </a:fillRef>
+              <a:effectRef idx="0">
+                <a:schemeClr val="accent1"/>
+              </a:effectRef>
+              <a:fontRef idx="minor">
+                <a:schemeClr val="lt1"/>
+              </a:fontRef>
+            </p:style>
+            <p:txBody>
+              <a:bodyPr rtlCol="0" anchor="ctr"/>
+              <a:lstStyle/>
+              <a:p>
+                <a:pPr algn="ctr"/>
+                <a:endParaRPr lang="pt-BR"/>
+              </a:p>
+            </p:txBody>
+          </p:sp>
+        </p:grpSp>
+        <p:grpSp>
+          <p:nvGrpSpPr>
+            <p:cNvPr id="378" name="Grupo 377"/>
+            <p:cNvGrpSpPr/>
+            <p:nvPr/>
+          </p:nvGrpSpPr>
+          <p:grpSpPr>
+            <a:xfrm rot="5400000">
+              <a:off x="3633650" y="591424"/>
+              <a:ext cx="175181" cy="125105"/>
+              <a:chOff x="5486443" y="2358614"/>
+              <a:chExt cx="550022" cy="392797"/>
+            </a:xfrm>
+            <a:solidFill>
+              <a:srgbClr val="FF5757"/>
+            </a:solidFill>
+          </p:grpSpPr>
+          <p:sp>
+            <p:nvSpPr>
+              <p:cNvPr id="379" name="Elipse 378"/>
+              <p:cNvSpPr/>
+              <p:nvPr/>
+            </p:nvSpPr>
+            <p:spPr>
+              <a:xfrm rot="11038808">
+                <a:off x="5486443" y="2358614"/>
+                <a:ext cx="338336" cy="392797"/>
+              </a:xfrm>
+              <a:prstGeom prst="ellipse">
+                <a:avLst/>
+              </a:prstGeom>
+              <a:grpFill/>
+              <a:ln>
+                <a:noFill/>
+              </a:ln>
+            </p:spPr>
+            <p:style>
+              <a:lnRef idx="2">
+                <a:schemeClr val="accent1">
+                  <a:shade val="50000"/>
+                </a:schemeClr>
+              </a:lnRef>
+              <a:fillRef idx="1">
+                <a:schemeClr val="accent1"/>
+              </a:fillRef>
+              <a:effectRef idx="0">
+                <a:schemeClr val="accent1"/>
+              </a:effectRef>
+              <a:fontRef idx="minor">
+                <a:schemeClr val="lt1"/>
+              </a:fontRef>
+            </p:style>
+            <p:txBody>
+              <a:bodyPr rtlCol="0" anchor="ctr"/>
+              <a:lstStyle/>
+              <a:p>
+                <a:pPr algn="r"/>
+                <a:endParaRPr lang="pt-BR"/>
+              </a:p>
+            </p:txBody>
+          </p:sp>
+          <p:sp>
+            <p:nvSpPr>
+              <p:cNvPr id="380" name="Forma livre 379"/>
+              <p:cNvSpPr/>
+              <p:nvPr/>
+            </p:nvSpPr>
+            <p:spPr>
+              <a:xfrm rot="11038808">
+                <a:off x="5664167" y="2374992"/>
+                <a:ext cx="372298" cy="360040"/>
+              </a:xfrm>
+              <a:custGeom>
+                <a:avLst/>
+                <a:gdLst>
+                  <a:gd name="connsiteX0" fmla="*/ 24158 w 372298"/>
+                  <a:gd name="connsiteY0" fmla="*/ 2471 h 486330"/>
+                  <a:gd name="connsiteX1" fmla="*/ 117027 w 372298"/>
+                  <a:gd name="connsiteY1" fmla="*/ 81052 h 486330"/>
+                  <a:gd name="connsiteX2" fmla="*/ 224183 w 372298"/>
+                  <a:gd name="connsiteY2" fmla="*/ 119152 h 486330"/>
+                  <a:gd name="connsiteX3" fmla="*/ 276571 w 372298"/>
+                  <a:gd name="connsiteY3" fmla="*/ 73908 h 486330"/>
+                  <a:gd name="connsiteX4" fmla="*/ 290858 w 372298"/>
+                  <a:gd name="connsiteY4" fmla="*/ 62002 h 486330"/>
+                  <a:gd name="connsiteX5" fmla="*/ 359914 w 372298"/>
+                  <a:gd name="connsiteY5" fmla="*/ 47715 h 486330"/>
+                  <a:gd name="connsiteX6" fmla="*/ 371821 w 372298"/>
+                  <a:gd name="connsiteY6" fmla="*/ 219165 h 486330"/>
+                  <a:gd name="connsiteX7" fmla="*/ 369439 w 372298"/>
+                  <a:gd name="connsiteY7" fmla="*/ 352515 h 486330"/>
+                  <a:gd name="connsiteX8" fmla="*/ 364677 w 372298"/>
+                  <a:gd name="connsiteY8" fmla="*/ 459671 h 486330"/>
+                  <a:gd name="connsiteX9" fmla="*/ 348008 w 372298"/>
+                  <a:gd name="connsiteY9" fmla="*/ 457290 h 486330"/>
+                  <a:gd name="connsiteX10" fmla="*/ 278952 w 372298"/>
+                  <a:gd name="connsiteY10" fmla="*/ 414427 h 486330"/>
+                  <a:gd name="connsiteX11" fmla="*/ 221802 w 372298"/>
+                  <a:gd name="connsiteY11" fmla="*/ 390615 h 486330"/>
+                  <a:gd name="connsiteX12" fmla="*/ 167033 w 372298"/>
+                  <a:gd name="connsiteY12" fmla="*/ 407283 h 486330"/>
+                  <a:gd name="connsiteX13" fmla="*/ 114646 w 372298"/>
+                  <a:gd name="connsiteY13" fmla="*/ 440621 h 486330"/>
+                  <a:gd name="connsiteX14" fmla="*/ 38446 w 372298"/>
+                  <a:gd name="connsiteY14" fmla="*/ 471577 h 486330"/>
+                  <a:gd name="connsiteX15" fmla="*/ 346 w 372298"/>
+                  <a:gd name="connsiteY15" fmla="*/ 183446 h 486330"/>
+                  <a:gd name="connsiteX16" fmla="*/ 24158 w 372298"/>
+                  <a:gd name="connsiteY16" fmla="*/ 2471 h 486330"/>
+                </a:gdLst>
+                <a:ahLst/>
+                <a:cxnLst>
+                  <a:cxn ang="0">
+                    <a:pos x="connsiteX0" y="connsiteY0"/>
+                  </a:cxn>
+                  <a:cxn ang="0">
+                    <a:pos x="connsiteX1" y="connsiteY1"/>
+                  </a:cxn>
+                  <a:cxn ang="0">
+                    <a:pos x="connsiteX2" y="connsiteY2"/>
+                  </a:cxn>
+                  <a:cxn ang="0">
+                    <a:pos x="connsiteX3" y="connsiteY3"/>
+                  </a:cxn>
+                  <a:cxn ang="0">
+                    <a:pos x="connsiteX4" y="connsiteY4"/>
+                  </a:cxn>
+                  <a:cxn ang="0">
+                    <a:pos x="connsiteX5" y="connsiteY5"/>
+                  </a:cxn>
+                  <a:cxn ang="0">
+                    <a:pos x="connsiteX6" y="connsiteY6"/>
+                  </a:cxn>
+                  <a:cxn ang="0">
+                    <a:pos x="connsiteX7" y="connsiteY7"/>
+                  </a:cxn>
+                  <a:cxn ang="0">
+                    <a:pos x="connsiteX8" y="connsiteY8"/>
+                  </a:cxn>
+                  <a:cxn ang="0">
+                    <a:pos x="connsiteX9" y="connsiteY9"/>
+                  </a:cxn>
+                  <a:cxn ang="0">
+                    <a:pos x="connsiteX10" y="connsiteY10"/>
+                  </a:cxn>
+                  <a:cxn ang="0">
+                    <a:pos x="connsiteX11" y="connsiteY11"/>
+                  </a:cxn>
+                  <a:cxn ang="0">
+                    <a:pos x="connsiteX12" y="connsiteY12"/>
+                  </a:cxn>
+                  <a:cxn ang="0">
+                    <a:pos x="connsiteX13" y="connsiteY13"/>
+                  </a:cxn>
+                  <a:cxn ang="0">
+                    <a:pos x="connsiteX14" y="connsiteY14"/>
+                  </a:cxn>
+                  <a:cxn ang="0">
+                    <a:pos x="connsiteX15" y="connsiteY15"/>
+                  </a:cxn>
+                  <a:cxn ang="0">
+                    <a:pos x="connsiteX16" y="connsiteY16"/>
+                  </a:cxn>
+                </a:cxnLst>
+                <a:rect l="l" t="t" r="r" b="b"/>
+                <a:pathLst>
+                  <a:path w="372298" h="486330">
+                    <a:moveTo>
+                      <a:pt x="24158" y="2471"/>
+                    </a:moveTo>
+                    <a:cubicBezTo>
+                      <a:pt x="43605" y="-14595"/>
+                      <a:pt x="83689" y="61605"/>
+                      <a:pt x="117027" y="81052"/>
+                    </a:cubicBezTo>
+                    <a:cubicBezTo>
+                      <a:pt x="150365" y="100499"/>
+                      <a:pt x="197592" y="120343"/>
+                      <a:pt x="224183" y="119152"/>
+                    </a:cubicBezTo>
+                    <a:cubicBezTo>
+                      <a:pt x="250774" y="117961"/>
+                      <a:pt x="265459" y="83433"/>
+                      <a:pt x="276571" y="73908"/>
+                    </a:cubicBezTo>
+                    <a:cubicBezTo>
+                      <a:pt x="287684" y="64383"/>
+                      <a:pt x="276967" y="66368"/>
+                      <a:pt x="290858" y="62002"/>
+                    </a:cubicBezTo>
+                    <a:cubicBezTo>
+                      <a:pt x="304749" y="57636"/>
+                      <a:pt x="346420" y="21521"/>
+                      <a:pt x="359914" y="47715"/>
+                    </a:cubicBezTo>
+                    <a:cubicBezTo>
+                      <a:pt x="373408" y="73909"/>
+                      <a:pt x="370234" y="168365"/>
+                      <a:pt x="371821" y="219165"/>
+                    </a:cubicBezTo>
+                    <a:cubicBezTo>
+                      <a:pt x="373409" y="269965"/>
+                      <a:pt x="370630" y="312431"/>
+                      <a:pt x="369439" y="352515"/>
+                    </a:cubicBezTo>
+                    <a:cubicBezTo>
+                      <a:pt x="368248" y="392599"/>
+                      <a:pt x="368249" y="442209"/>
+                      <a:pt x="364677" y="459671"/>
+                    </a:cubicBezTo>
+                    <a:cubicBezTo>
+                      <a:pt x="361105" y="477134"/>
+                      <a:pt x="362296" y="464831"/>
+                      <a:pt x="348008" y="457290"/>
+                    </a:cubicBezTo>
+                    <a:cubicBezTo>
+                      <a:pt x="333721" y="449749"/>
+                      <a:pt x="299986" y="425539"/>
+                      <a:pt x="278952" y="414427"/>
+                    </a:cubicBezTo>
+                    <a:cubicBezTo>
+                      <a:pt x="257918" y="403315"/>
+                      <a:pt x="240455" y="391806"/>
+                      <a:pt x="221802" y="390615"/>
+                    </a:cubicBezTo>
+                    <a:cubicBezTo>
+                      <a:pt x="203149" y="389424"/>
+                      <a:pt x="184892" y="398949"/>
+                      <a:pt x="167033" y="407283"/>
+                    </a:cubicBezTo>
+                    <a:cubicBezTo>
+                      <a:pt x="149174" y="415617"/>
+                      <a:pt x="136077" y="429905"/>
+                      <a:pt x="114646" y="440621"/>
+                    </a:cubicBezTo>
+                    <a:cubicBezTo>
+                      <a:pt x="93215" y="451337"/>
+                      <a:pt x="57496" y="514440"/>
+                      <a:pt x="38446" y="471577"/>
+                    </a:cubicBezTo>
+                    <a:cubicBezTo>
+                      <a:pt x="19396" y="428715"/>
+                      <a:pt x="2330" y="260043"/>
+                      <a:pt x="346" y="183446"/>
+                    </a:cubicBezTo>
+                    <a:cubicBezTo>
+                      <a:pt x="-1638" y="106849"/>
+                      <a:pt x="4711" y="19537"/>
+                      <a:pt x="24158" y="2471"/>
+                    </a:cubicBezTo>
+                    <a:close/>
+                  </a:path>
+                </a:pathLst>
+              </a:custGeom>
+              <a:grpFill/>
+              <a:ln>
+                <a:noFill/>
+              </a:ln>
+            </p:spPr>
+            <p:style>
+              <a:lnRef idx="2">
+                <a:schemeClr val="accent1">
+                  <a:shade val="50000"/>
+                </a:schemeClr>
+              </a:lnRef>
+              <a:fillRef idx="1">
+                <a:schemeClr val="accent1"/>
+              </a:fillRef>
+              <a:effectRef idx="0">
+                <a:schemeClr val="accent1"/>
+              </a:effectRef>
+              <a:fontRef idx="minor">
+                <a:schemeClr val="lt1"/>
+              </a:fontRef>
+            </p:style>
+            <p:txBody>
+              <a:bodyPr rtlCol="0" anchor="ctr"/>
+              <a:lstStyle/>
+              <a:p>
+                <a:pPr algn="r"/>
+                <a:endParaRPr lang="pt-BR"/>
+              </a:p>
+            </p:txBody>
+          </p:sp>
+        </p:grpSp>
+        <p:sp>
+          <p:nvSpPr>
+            <p:cNvPr id="166" name="Retângulo 165"/>
+            <p:cNvSpPr/>
+            <p:nvPr/>
+          </p:nvSpPr>
+          <p:spPr>
+            <a:xfrm rot="10800000" flipH="1">
+              <a:off x="3965413" y="1774099"/>
+              <a:ext cx="406120" cy="331837"/>
+            </a:xfrm>
+            <a:prstGeom prst="rect">
+              <a:avLst/>
+            </a:prstGeom>
+            <a:solidFill>
+              <a:schemeClr val="accent5">
+                <a:lumMod val="40000"/>
+                <a:lumOff val="60000"/>
+              </a:schemeClr>
+            </a:solidFill>
             <a:ln>
               <a:noFill/>
             </a:ln>
@@ -13348,19 +14116,140 @@
         </p:sp>
         <p:sp>
           <p:nvSpPr>
-            <p:cNvPr id="375" name="Retângulo 374"/>
+            <p:cNvPr id="176" name="Forma livre 175"/>
             <p:cNvSpPr/>
             <p:nvPr/>
           </p:nvSpPr>
           <p:spPr>
-            <a:xfrm>
-              <a:off x="3055366" y="212194"/>
-              <a:ext cx="470285" cy="330682"/>
+            <a:xfrm rot="10800000" flipH="1">
+              <a:off x="4296138" y="1332731"/>
+              <a:ext cx="381256" cy="771592"/>
             </a:xfrm>
-            <a:prstGeom prst="rect">
+            <a:custGeom>
               <a:avLst/>
-            </a:prstGeom>
-            <a:grpFill/>
+              <a:gdLst/>
+              <a:ahLst/>
+              <a:cxnLst/>
+              <a:rect l="l" t="t" r="r" b="b"/>
+              <a:pathLst>
+                <a:path w="381256" h="771592">
+                  <a:moveTo>
+                    <a:pt x="379754" y="735721"/>
+                  </a:moveTo>
+                  <a:cubicBezTo>
+                    <a:pt x="376585" y="655451"/>
+                    <a:pt x="380927" y="373412"/>
+                    <a:pt x="360162" y="266842"/>
+                  </a:cubicBezTo>
+                  <a:cubicBezTo>
+                    <a:pt x="339263" y="159582"/>
+                    <a:pt x="310811" y="134555"/>
+                    <a:pt x="254410" y="93694"/>
+                  </a:cubicBezTo>
+                  <a:cubicBezTo>
+                    <a:pt x="212110" y="63048"/>
+                    <a:pt x="125196" y="1661"/>
+                    <a:pt x="67281" y="33"/>
+                  </a:cubicBezTo>
+                  <a:cubicBezTo>
+                    <a:pt x="47976" y="-510"/>
+                    <a:pt x="31892" y="5587"/>
+                    <a:pt x="21758" y="21676"/>
+                  </a:cubicBezTo>
+                  <a:cubicBezTo>
+                    <a:pt x="-18781" y="86033"/>
+                    <a:pt x="9420" y="361333"/>
+                    <a:pt x="11183" y="479830"/>
+                  </a:cubicBezTo>
+                  <a:cubicBezTo>
+                    <a:pt x="12905" y="595591"/>
+                    <a:pt x="14627" y="686735"/>
+                    <a:pt x="14204" y="729692"/>
+                  </a:cubicBezTo>
+                  <a:lnTo>
+                    <a:pt x="155288" y="732019"/>
+                  </a:lnTo>
+                  <a:lnTo>
+                    <a:pt x="157062" y="720449"/>
+                  </a:lnTo>
+                  <a:lnTo>
+                    <a:pt x="152737" y="709255"/>
+                  </a:lnTo>
+                  <a:cubicBezTo>
+                    <a:pt x="139749" y="700552"/>
+                    <a:pt x="131207" y="687147"/>
+                    <a:pt x="130131" y="671692"/>
+                  </a:cubicBezTo>
+                  <a:cubicBezTo>
+                    <a:pt x="128066" y="642007"/>
+                    <a:pt x="154330" y="615998"/>
+                    <a:pt x="188793" y="613600"/>
+                  </a:cubicBezTo>
+                  <a:cubicBezTo>
+                    <a:pt x="223257" y="611202"/>
+                    <a:pt x="252870" y="633323"/>
+                    <a:pt x="254935" y="663008"/>
+                  </a:cubicBezTo>
+                  <a:cubicBezTo>
+                    <a:pt x="256463" y="684966"/>
+                    <a:pt x="242490" y="704913"/>
+                    <a:pt x="221093" y="714627"/>
+                  </a:cubicBezTo>
+                  <a:cubicBezTo>
+                    <a:pt x="220853" y="714831"/>
+                    <a:pt x="220856" y="715040"/>
+                    <a:pt x="220863" y="715250"/>
+                  </a:cubicBezTo>
+                  <a:cubicBezTo>
+                    <a:pt x="221033" y="719937"/>
+                    <a:pt x="222859" y="726527"/>
+                    <a:pt x="225473" y="733176"/>
+                  </a:cubicBezTo>
+                  <a:close/>
+                  <a:moveTo>
+                    <a:pt x="11341" y="744292"/>
+                  </a:moveTo>
+                  <a:cubicBezTo>
+                    <a:pt x="13083" y="741581"/>
+                    <a:pt x="14142" y="737775"/>
+                    <a:pt x="14204" y="732656"/>
+                  </a:cubicBezTo>
+                  <a:lnTo>
+                    <a:pt x="14204" y="729692"/>
+                  </a:lnTo>
+                  <a:lnTo>
+                    <a:pt x="11341" y="729645"/>
+                  </a:lnTo>
+                  <a:close/>
+                  <a:moveTo>
+                    <a:pt x="381240" y="771110"/>
+                  </a:moveTo>
+                  <a:cubicBezTo>
+                    <a:pt x="381080" y="766848"/>
+                    <a:pt x="379802" y="735746"/>
+                    <a:pt x="379801" y="735721"/>
+                  </a:cubicBezTo>
+                  <a:lnTo>
+                    <a:pt x="379754" y="735721"/>
+                  </a:lnTo>
+                  <a:lnTo>
+                    <a:pt x="379801" y="737253"/>
+                  </a:lnTo>
+                  <a:cubicBezTo>
+                    <a:pt x="381029" y="766558"/>
+                    <a:pt x="381335" y="773669"/>
+                    <a:pt x="381240" y="771110"/>
+                  </a:cubicBezTo>
+                  <a:close/>
+                </a:path>
+              </a:pathLst>
+            </a:custGeom>
+            <a:solidFill>
+              <a:schemeClr val="accent5">
+                <a:lumMod val="40000"/>
+                <a:lumOff val="60000"/>
+              </a:schemeClr>
+            </a:solidFill>
             <a:ln>
               <a:noFill/>
             </a:ln>
@@ -13390,21 +14279,371 @@
             </a:p>
           </p:txBody>
         </p:sp>
+        <p:grpSp>
+          <p:nvGrpSpPr>
+            <p:cNvPr id="215" name="Grupo 214"/>
+            <p:cNvGrpSpPr/>
+            <p:nvPr/>
+          </p:nvGrpSpPr>
+          <p:grpSpPr>
+            <a:xfrm>
+              <a:off x="3494068" y="1437006"/>
+              <a:ext cx="175181" cy="125105"/>
+              <a:chOff x="5486443" y="2358614"/>
+              <a:chExt cx="550022" cy="392797"/>
+            </a:xfrm>
+            <a:solidFill>
+              <a:srgbClr val="928AFA"/>
+            </a:solidFill>
+          </p:grpSpPr>
+          <p:sp>
+            <p:nvSpPr>
+              <p:cNvPr id="216" name="Elipse 215"/>
+              <p:cNvSpPr/>
+              <p:nvPr/>
+            </p:nvSpPr>
+            <p:spPr>
+              <a:xfrm rot="11038808">
+                <a:off x="5486443" y="2358614"/>
+                <a:ext cx="338336" cy="392797"/>
+              </a:xfrm>
+              <a:prstGeom prst="ellipse">
+                <a:avLst/>
+              </a:prstGeom>
+              <a:grpFill/>
+              <a:ln>
+                <a:noFill/>
+              </a:ln>
+            </p:spPr>
+            <p:style>
+              <a:lnRef idx="2">
+                <a:schemeClr val="accent1">
+                  <a:shade val="50000"/>
+                </a:schemeClr>
+              </a:lnRef>
+              <a:fillRef idx="1">
+                <a:schemeClr val="accent1"/>
+              </a:fillRef>
+              <a:effectRef idx="0">
+                <a:schemeClr val="accent1"/>
+              </a:effectRef>
+              <a:fontRef idx="minor">
+                <a:schemeClr val="lt1"/>
+              </a:fontRef>
+            </p:style>
+            <p:txBody>
+              <a:bodyPr rtlCol="0" anchor="ctr"/>
+              <a:lstStyle/>
+              <a:p>
+                <a:pPr algn="r"/>
+                <a:endParaRPr lang="pt-BR"/>
+              </a:p>
+            </p:txBody>
+          </p:sp>
+          <p:sp>
+            <p:nvSpPr>
+              <p:cNvPr id="217" name="Forma livre 216"/>
+              <p:cNvSpPr/>
+              <p:nvPr/>
+            </p:nvSpPr>
+            <p:spPr>
+              <a:xfrm rot="11038808">
+                <a:off x="5664167" y="2374992"/>
+                <a:ext cx="372298" cy="360040"/>
+              </a:xfrm>
+              <a:custGeom>
+                <a:avLst/>
+                <a:gdLst>
+                  <a:gd name="connsiteX0" fmla="*/ 24158 w 372298"/>
+                  <a:gd name="connsiteY0" fmla="*/ 2471 h 486330"/>
+                  <a:gd name="connsiteX1" fmla="*/ 117027 w 372298"/>
+                  <a:gd name="connsiteY1" fmla="*/ 81052 h 486330"/>
+                  <a:gd name="connsiteX2" fmla="*/ 224183 w 372298"/>
+                  <a:gd name="connsiteY2" fmla="*/ 119152 h 486330"/>
+                  <a:gd name="connsiteX3" fmla="*/ 276571 w 372298"/>
+                  <a:gd name="connsiteY3" fmla="*/ 73908 h 486330"/>
+                  <a:gd name="connsiteX4" fmla="*/ 290858 w 372298"/>
+                  <a:gd name="connsiteY4" fmla="*/ 62002 h 486330"/>
+                  <a:gd name="connsiteX5" fmla="*/ 359914 w 372298"/>
+                  <a:gd name="connsiteY5" fmla="*/ 47715 h 486330"/>
+                  <a:gd name="connsiteX6" fmla="*/ 371821 w 372298"/>
+                  <a:gd name="connsiteY6" fmla="*/ 219165 h 486330"/>
+                  <a:gd name="connsiteX7" fmla="*/ 369439 w 372298"/>
+                  <a:gd name="connsiteY7" fmla="*/ 352515 h 486330"/>
+                  <a:gd name="connsiteX8" fmla="*/ 364677 w 372298"/>
+                  <a:gd name="connsiteY8" fmla="*/ 459671 h 486330"/>
+                  <a:gd name="connsiteX9" fmla="*/ 348008 w 372298"/>
+                  <a:gd name="connsiteY9" fmla="*/ 457290 h 486330"/>
+                  <a:gd name="connsiteX10" fmla="*/ 278952 w 372298"/>
+                  <a:gd name="connsiteY10" fmla="*/ 414427 h 486330"/>
+                  <a:gd name="connsiteX11" fmla="*/ 221802 w 372298"/>
+                  <a:gd name="connsiteY11" fmla="*/ 390615 h 486330"/>
+                  <a:gd name="connsiteX12" fmla="*/ 167033 w 372298"/>
+                  <a:gd name="connsiteY12" fmla="*/ 407283 h 486330"/>
+                  <a:gd name="connsiteX13" fmla="*/ 114646 w 372298"/>
+                  <a:gd name="connsiteY13" fmla="*/ 440621 h 486330"/>
+                  <a:gd name="connsiteX14" fmla="*/ 38446 w 372298"/>
+                  <a:gd name="connsiteY14" fmla="*/ 471577 h 486330"/>
+                  <a:gd name="connsiteX15" fmla="*/ 346 w 372298"/>
+                  <a:gd name="connsiteY15" fmla="*/ 183446 h 486330"/>
+                  <a:gd name="connsiteX16" fmla="*/ 24158 w 372298"/>
+                  <a:gd name="connsiteY16" fmla="*/ 2471 h 486330"/>
+                </a:gdLst>
+                <a:ahLst/>
+                <a:cxnLst>
+                  <a:cxn ang="0">
+                    <a:pos x="connsiteX0" y="connsiteY0"/>
+                  </a:cxn>
+                  <a:cxn ang="0">
+                    <a:pos x="connsiteX1" y="connsiteY1"/>
+                  </a:cxn>
+                  <a:cxn ang="0">
+                    <a:pos x="connsiteX2" y="connsiteY2"/>
+                  </a:cxn>
+                  <a:cxn ang="0">
+                    <a:pos x="connsiteX3" y="connsiteY3"/>
+                  </a:cxn>
+                  <a:cxn ang="0">
+                    <a:pos x="connsiteX4" y="connsiteY4"/>
+                  </a:cxn>
+                  <a:cxn ang="0">
+                    <a:pos x="connsiteX5" y="connsiteY5"/>
+                  </a:cxn>
+                  <a:cxn ang="0">
+                    <a:pos x="connsiteX6" y="connsiteY6"/>
+                  </a:cxn>
+                  <a:cxn ang="0">
+                    <a:pos x="connsiteX7" y="connsiteY7"/>
+                  </a:cxn>
+                  <a:cxn ang="0">
+                    <a:pos x="connsiteX8" y="connsiteY8"/>
+                  </a:cxn>
+                  <a:cxn ang="0">
+                    <a:pos x="connsiteX9" y="connsiteY9"/>
+                  </a:cxn>
+                  <a:cxn ang="0">
+                    <a:pos x="connsiteX10" y="connsiteY10"/>
+                  </a:cxn>
+                  <a:cxn ang="0">
+                    <a:pos x="connsiteX11" y="connsiteY11"/>
+                  </a:cxn>
+                  <a:cxn ang="0">
+                    <a:pos x="connsiteX12" y="connsiteY12"/>
+                  </a:cxn>
+                  <a:cxn ang="0">
+                    <a:pos x="connsiteX13" y="connsiteY13"/>
+                  </a:cxn>
+                  <a:cxn ang="0">
+                    <a:pos x="connsiteX14" y="connsiteY14"/>
+                  </a:cxn>
+                  <a:cxn ang="0">
+                    <a:pos x="connsiteX15" y="connsiteY15"/>
+                  </a:cxn>
+                  <a:cxn ang="0">
+                    <a:pos x="connsiteX16" y="connsiteY16"/>
+                  </a:cxn>
+                </a:cxnLst>
+                <a:rect l="l" t="t" r="r" b="b"/>
+                <a:pathLst>
+                  <a:path w="372298" h="486330">
+                    <a:moveTo>
+                      <a:pt x="24158" y="2471"/>
+                    </a:moveTo>
+                    <a:cubicBezTo>
+                      <a:pt x="43605" y="-14595"/>
+                      <a:pt x="83689" y="61605"/>
+                      <a:pt x="117027" y="81052"/>
+                    </a:cubicBezTo>
+                    <a:cubicBezTo>
+                      <a:pt x="150365" y="100499"/>
+                      <a:pt x="197592" y="120343"/>
+                      <a:pt x="224183" y="119152"/>
+                    </a:cubicBezTo>
+                    <a:cubicBezTo>
+                      <a:pt x="250774" y="117961"/>
+                      <a:pt x="265459" y="83433"/>
+                      <a:pt x="276571" y="73908"/>
+                    </a:cubicBezTo>
+                    <a:cubicBezTo>
+                      <a:pt x="287684" y="64383"/>
+                      <a:pt x="276967" y="66368"/>
+                      <a:pt x="290858" y="62002"/>
+                    </a:cubicBezTo>
+                    <a:cubicBezTo>
+                      <a:pt x="304749" y="57636"/>
+                      <a:pt x="346420" y="21521"/>
+                      <a:pt x="359914" y="47715"/>
+                    </a:cubicBezTo>
+                    <a:cubicBezTo>
+                      <a:pt x="373408" y="73909"/>
+                      <a:pt x="370234" y="168365"/>
+                      <a:pt x="371821" y="219165"/>
+                    </a:cubicBezTo>
+                    <a:cubicBezTo>
+                      <a:pt x="373409" y="269965"/>
+                      <a:pt x="370630" y="312431"/>
+                      <a:pt x="369439" y="352515"/>
+                    </a:cubicBezTo>
+                    <a:cubicBezTo>
+                      <a:pt x="368248" y="392599"/>
+                      <a:pt x="368249" y="442209"/>
+                      <a:pt x="364677" y="459671"/>
+                    </a:cubicBezTo>
+                    <a:cubicBezTo>
+                      <a:pt x="361105" y="477134"/>
+                      <a:pt x="362296" y="464831"/>
+                      <a:pt x="348008" y="457290"/>
+                    </a:cubicBezTo>
+                    <a:cubicBezTo>
+                      <a:pt x="333721" y="449749"/>
+                      <a:pt x="299986" y="425539"/>
+                      <a:pt x="278952" y="414427"/>
+                    </a:cubicBezTo>
+                    <a:cubicBezTo>
+                      <a:pt x="257918" y="403315"/>
+                      <a:pt x="240455" y="391806"/>
+                      <a:pt x="221802" y="390615"/>
+                    </a:cubicBezTo>
+                    <a:cubicBezTo>
+                      <a:pt x="203149" y="389424"/>
+                      <a:pt x="184892" y="398949"/>
+                      <a:pt x="167033" y="407283"/>
+                    </a:cubicBezTo>
+                    <a:cubicBezTo>
+                      <a:pt x="149174" y="415617"/>
+                      <a:pt x="136077" y="429905"/>
+                      <a:pt x="114646" y="440621"/>
+                    </a:cubicBezTo>
+                    <a:cubicBezTo>
+                      <a:pt x="93215" y="451337"/>
+                      <a:pt x="57496" y="514440"/>
+                      <a:pt x="38446" y="471577"/>
+                    </a:cubicBezTo>
+                    <a:cubicBezTo>
+                      <a:pt x="19396" y="428715"/>
+                      <a:pt x="2330" y="260043"/>
+                      <a:pt x="346" y="183446"/>
+                    </a:cubicBezTo>
+                    <a:cubicBezTo>
+                      <a:pt x="-1638" y="106849"/>
+                      <a:pt x="4711" y="19537"/>
+                      <a:pt x="24158" y="2471"/>
+                    </a:cubicBezTo>
+                    <a:close/>
+                  </a:path>
+                </a:pathLst>
+              </a:custGeom>
+              <a:grpFill/>
+              <a:ln>
+                <a:noFill/>
+              </a:ln>
+            </p:spPr>
+            <p:style>
+              <a:lnRef idx="2">
+                <a:schemeClr val="accent1">
+                  <a:shade val="50000"/>
+                </a:schemeClr>
+              </a:lnRef>
+              <a:fillRef idx="1">
+                <a:schemeClr val="accent1"/>
+              </a:fillRef>
+              <a:effectRef idx="0">
+                <a:schemeClr val="accent1"/>
+              </a:effectRef>
+              <a:fontRef idx="minor">
+                <a:schemeClr val="lt1"/>
+              </a:fontRef>
+            </p:style>
+            <p:txBody>
+              <a:bodyPr rtlCol="0" anchor="ctr"/>
+              <a:lstStyle/>
+              <a:p>
+                <a:pPr algn="r"/>
+                <a:endParaRPr lang="pt-BR"/>
+              </a:p>
+            </p:txBody>
+          </p:sp>
+        </p:grpSp>
         <p:sp>
           <p:nvSpPr>
-            <p:cNvPr id="376" name="Retângulo 375"/>
+            <p:cNvPr id="223" name="Retângulo 222"/>
             <p:cNvSpPr/>
             <p:nvPr/>
           </p:nvSpPr>
           <p:spPr>
-            <a:xfrm>
-              <a:off x="2013481" y="1481547"/>
-              <a:ext cx="470285" cy="330682"/>
+            <a:xfrm rot="10800000" flipH="1" flipV="1">
+              <a:off x="3965413" y="686451"/>
+              <a:ext cx="395818" cy="331837"/>
             </a:xfrm>
-            <a:prstGeom prst="rect">
+            <a:custGeom>
               <a:avLst/>
-            </a:prstGeom>
-            <a:grpFill/>
+              <a:gdLst/>
+              <a:ahLst/>
+              <a:cxnLst/>
+              <a:rect l="l" t="t" r="r" b="b"/>
+              <a:pathLst>
+                <a:path w="406120" h="331837">
+                  <a:moveTo>
+                    <a:pt x="0" y="0"/>
+                  </a:moveTo>
+                  <a:lnTo>
+                    <a:pt x="406120" y="0"/>
+                  </a:lnTo>
+                  <a:lnTo>
+                    <a:pt x="406120" y="331837"/>
+                  </a:lnTo>
+                  <a:lnTo>
+                    <a:pt x="0" y="331837"/>
+                  </a:lnTo>
+                  <a:lnTo>
+                    <a:pt x="0" y="189457"/>
+                  </a:lnTo>
+                  <a:lnTo>
+                    <a:pt x="8539" y="188148"/>
+                  </a:lnTo>
+                  <a:cubicBezTo>
+                    <a:pt x="12430" y="188604"/>
+                    <a:pt x="16083" y="190101"/>
+                    <a:pt x="19734" y="192473"/>
+                  </a:cubicBezTo>
+                  <a:cubicBezTo>
+                    <a:pt x="28436" y="205460"/>
+                    <a:pt x="41841" y="214003"/>
+                    <a:pt x="57296" y="215078"/>
+                  </a:cubicBezTo>
+                  <a:cubicBezTo>
+                    <a:pt x="86981" y="217144"/>
+                    <a:pt x="112990" y="190880"/>
+                    <a:pt x="115388" y="156416"/>
+                  </a:cubicBezTo>
+                  <a:cubicBezTo>
+                    <a:pt x="117786" y="121952"/>
+                    <a:pt x="95665" y="92339"/>
+                    <a:pt x="65980" y="90274"/>
+                  </a:cubicBezTo>
+                  <a:cubicBezTo>
+                    <a:pt x="44022" y="88746"/>
+                    <a:pt x="24075" y="102719"/>
+                    <a:pt x="14361" y="124116"/>
+                  </a:cubicBezTo>
+                  <a:lnTo>
+                    <a:pt x="13738" y="124346"/>
+                  </a:lnTo>
+                  <a:cubicBezTo>
+                    <a:pt x="10029" y="124212"/>
+                    <a:pt x="5128" y="123040"/>
+                    <a:pt x="0" y="121100"/>
+                  </a:cubicBezTo>
+                  <a:close/>
+                </a:path>
+              </a:pathLst>
+            </a:custGeom>
+            <a:solidFill>
+              <a:schemeClr val="accent2">
+                <a:lumMod val="40000"/>
+                <a:lumOff val="60000"/>
+              </a:schemeClr>
+            </a:solidFill>
             <a:ln>
               <a:noFill/>
             </a:ln>
@@ -13430,620 +14669,6 @@
             <a:lstStyle/>
             <a:p>
               <a:pPr algn="ctr"/>
-              <a:endParaRPr lang="pt-BR"/>
-            </a:p>
-          </p:txBody>
-        </p:sp>
-        <p:sp>
-          <p:nvSpPr>
-            <p:cNvPr id="377" name="Retângulo 376"/>
-            <p:cNvSpPr/>
-            <p:nvPr/>
-          </p:nvSpPr>
-          <p:spPr>
-            <a:xfrm>
-              <a:off x="3055364" y="1480893"/>
-              <a:ext cx="470285" cy="330682"/>
-            </a:xfrm>
-            <a:prstGeom prst="rect">
-              <a:avLst/>
-            </a:prstGeom>
-            <a:grpFill/>
-            <a:ln>
-              <a:noFill/>
-            </a:ln>
-          </p:spPr>
-          <p:style>
-            <a:lnRef idx="2">
-              <a:schemeClr val="accent1">
-                <a:shade val="50000"/>
-              </a:schemeClr>
-            </a:lnRef>
-            <a:fillRef idx="1">
-              <a:schemeClr val="accent1"/>
-            </a:fillRef>
-            <a:effectRef idx="0">
-              <a:schemeClr val="accent1"/>
-            </a:effectRef>
-            <a:fontRef idx="minor">
-              <a:schemeClr val="lt1"/>
-            </a:fontRef>
-          </p:style>
-          <p:txBody>
-            <a:bodyPr rtlCol="0" anchor="ctr"/>
-            <a:lstStyle/>
-            <a:p>
-              <a:pPr algn="ctr"/>
-              <a:endParaRPr lang="pt-BR"/>
-            </a:p>
-          </p:txBody>
-        </p:sp>
-      </p:grpSp>
-      <p:grpSp>
-        <p:nvGrpSpPr>
-          <p:cNvPr id="378" name="Grupo 377"/>
-          <p:cNvGrpSpPr/>
-          <p:nvPr/>
-        </p:nvGrpSpPr>
-        <p:grpSpPr>
-          <a:xfrm rot="5400000">
-            <a:off x="3638817" y="538656"/>
-            <a:ext cx="175181" cy="125105"/>
-            <a:chOff x="5486443" y="2358614"/>
-            <a:chExt cx="550022" cy="392797"/>
-          </a:xfrm>
-          <a:solidFill>
-            <a:srgbClr val="FF5757"/>
-          </a:solidFill>
-        </p:grpSpPr>
-        <p:sp>
-          <p:nvSpPr>
-            <p:cNvPr id="379" name="Elipse 378"/>
-            <p:cNvSpPr/>
-            <p:nvPr/>
-          </p:nvSpPr>
-          <p:spPr>
-            <a:xfrm rot="11038808">
-              <a:off x="5486443" y="2358614"/>
-              <a:ext cx="338336" cy="392797"/>
-            </a:xfrm>
-            <a:prstGeom prst="ellipse">
-              <a:avLst/>
-            </a:prstGeom>
-            <a:grpFill/>
-            <a:ln>
-              <a:noFill/>
-            </a:ln>
-          </p:spPr>
-          <p:style>
-            <a:lnRef idx="2">
-              <a:schemeClr val="accent1">
-                <a:shade val="50000"/>
-              </a:schemeClr>
-            </a:lnRef>
-            <a:fillRef idx="1">
-              <a:schemeClr val="accent1"/>
-            </a:fillRef>
-            <a:effectRef idx="0">
-              <a:schemeClr val="accent1"/>
-            </a:effectRef>
-            <a:fontRef idx="minor">
-              <a:schemeClr val="lt1"/>
-            </a:fontRef>
-          </p:style>
-          <p:txBody>
-            <a:bodyPr rtlCol="0" anchor="ctr"/>
-            <a:lstStyle/>
-            <a:p>
-              <a:pPr algn="r"/>
-              <a:endParaRPr lang="pt-BR"/>
-            </a:p>
-          </p:txBody>
-        </p:sp>
-        <p:sp>
-          <p:nvSpPr>
-            <p:cNvPr id="380" name="Forma livre 379"/>
-            <p:cNvSpPr/>
-            <p:nvPr/>
-          </p:nvSpPr>
-          <p:spPr>
-            <a:xfrm rot="11038808">
-              <a:off x="5664167" y="2374992"/>
-              <a:ext cx="372298" cy="360040"/>
-            </a:xfrm>
-            <a:custGeom>
-              <a:avLst/>
-              <a:gdLst>
-                <a:gd name="connsiteX0" fmla="*/ 24158 w 372298"/>
-                <a:gd name="connsiteY0" fmla="*/ 2471 h 486330"/>
-                <a:gd name="connsiteX1" fmla="*/ 117027 w 372298"/>
-                <a:gd name="connsiteY1" fmla="*/ 81052 h 486330"/>
-                <a:gd name="connsiteX2" fmla="*/ 224183 w 372298"/>
-                <a:gd name="connsiteY2" fmla="*/ 119152 h 486330"/>
-                <a:gd name="connsiteX3" fmla="*/ 276571 w 372298"/>
-                <a:gd name="connsiteY3" fmla="*/ 73908 h 486330"/>
-                <a:gd name="connsiteX4" fmla="*/ 290858 w 372298"/>
-                <a:gd name="connsiteY4" fmla="*/ 62002 h 486330"/>
-                <a:gd name="connsiteX5" fmla="*/ 359914 w 372298"/>
-                <a:gd name="connsiteY5" fmla="*/ 47715 h 486330"/>
-                <a:gd name="connsiteX6" fmla="*/ 371821 w 372298"/>
-                <a:gd name="connsiteY6" fmla="*/ 219165 h 486330"/>
-                <a:gd name="connsiteX7" fmla="*/ 369439 w 372298"/>
-                <a:gd name="connsiteY7" fmla="*/ 352515 h 486330"/>
-                <a:gd name="connsiteX8" fmla="*/ 364677 w 372298"/>
-                <a:gd name="connsiteY8" fmla="*/ 459671 h 486330"/>
-                <a:gd name="connsiteX9" fmla="*/ 348008 w 372298"/>
-                <a:gd name="connsiteY9" fmla="*/ 457290 h 486330"/>
-                <a:gd name="connsiteX10" fmla="*/ 278952 w 372298"/>
-                <a:gd name="connsiteY10" fmla="*/ 414427 h 486330"/>
-                <a:gd name="connsiteX11" fmla="*/ 221802 w 372298"/>
-                <a:gd name="connsiteY11" fmla="*/ 390615 h 486330"/>
-                <a:gd name="connsiteX12" fmla="*/ 167033 w 372298"/>
-                <a:gd name="connsiteY12" fmla="*/ 407283 h 486330"/>
-                <a:gd name="connsiteX13" fmla="*/ 114646 w 372298"/>
-                <a:gd name="connsiteY13" fmla="*/ 440621 h 486330"/>
-                <a:gd name="connsiteX14" fmla="*/ 38446 w 372298"/>
-                <a:gd name="connsiteY14" fmla="*/ 471577 h 486330"/>
-                <a:gd name="connsiteX15" fmla="*/ 346 w 372298"/>
-                <a:gd name="connsiteY15" fmla="*/ 183446 h 486330"/>
-                <a:gd name="connsiteX16" fmla="*/ 24158 w 372298"/>
-                <a:gd name="connsiteY16" fmla="*/ 2471 h 486330"/>
-              </a:gdLst>
-              <a:ahLst/>
-              <a:cxnLst>
-                <a:cxn ang="0">
-                  <a:pos x="connsiteX0" y="connsiteY0"/>
-                </a:cxn>
-                <a:cxn ang="0">
-                  <a:pos x="connsiteX1" y="connsiteY1"/>
-                </a:cxn>
-                <a:cxn ang="0">
-                  <a:pos x="connsiteX2" y="connsiteY2"/>
-                </a:cxn>
-                <a:cxn ang="0">
-                  <a:pos x="connsiteX3" y="connsiteY3"/>
-                </a:cxn>
-                <a:cxn ang="0">
-                  <a:pos x="connsiteX4" y="connsiteY4"/>
-                </a:cxn>
-                <a:cxn ang="0">
-                  <a:pos x="connsiteX5" y="connsiteY5"/>
-                </a:cxn>
-                <a:cxn ang="0">
-                  <a:pos x="connsiteX6" y="connsiteY6"/>
-                </a:cxn>
-                <a:cxn ang="0">
-                  <a:pos x="connsiteX7" y="connsiteY7"/>
-                </a:cxn>
-                <a:cxn ang="0">
-                  <a:pos x="connsiteX8" y="connsiteY8"/>
-                </a:cxn>
-                <a:cxn ang="0">
-                  <a:pos x="connsiteX9" y="connsiteY9"/>
-                </a:cxn>
-                <a:cxn ang="0">
-                  <a:pos x="connsiteX10" y="connsiteY10"/>
-                </a:cxn>
-                <a:cxn ang="0">
-                  <a:pos x="connsiteX11" y="connsiteY11"/>
-                </a:cxn>
-                <a:cxn ang="0">
-                  <a:pos x="connsiteX12" y="connsiteY12"/>
-                </a:cxn>
-                <a:cxn ang="0">
-                  <a:pos x="connsiteX13" y="connsiteY13"/>
-                </a:cxn>
-                <a:cxn ang="0">
-                  <a:pos x="connsiteX14" y="connsiteY14"/>
-                </a:cxn>
-                <a:cxn ang="0">
-                  <a:pos x="connsiteX15" y="connsiteY15"/>
-                </a:cxn>
-                <a:cxn ang="0">
-                  <a:pos x="connsiteX16" y="connsiteY16"/>
-                </a:cxn>
-              </a:cxnLst>
-              <a:rect l="l" t="t" r="r" b="b"/>
-              <a:pathLst>
-                <a:path w="372298" h="486330">
-                  <a:moveTo>
-                    <a:pt x="24158" y="2471"/>
-                  </a:moveTo>
-                  <a:cubicBezTo>
-                    <a:pt x="43605" y="-14595"/>
-                    <a:pt x="83689" y="61605"/>
-                    <a:pt x="117027" y="81052"/>
-                  </a:cubicBezTo>
-                  <a:cubicBezTo>
-                    <a:pt x="150365" y="100499"/>
-                    <a:pt x="197592" y="120343"/>
-                    <a:pt x="224183" y="119152"/>
-                  </a:cubicBezTo>
-                  <a:cubicBezTo>
-                    <a:pt x="250774" y="117961"/>
-                    <a:pt x="265459" y="83433"/>
-                    <a:pt x="276571" y="73908"/>
-                  </a:cubicBezTo>
-                  <a:cubicBezTo>
-                    <a:pt x="287684" y="64383"/>
-                    <a:pt x="276967" y="66368"/>
-                    <a:pt x="290858" y="62002"/>
-                  </a:cubicBezTo>
-                  <a:cubicBezTo>
-                    <a:pt x="304749" y="57636"/>
-                    <a:pt x="346420" y="21521"/>
-                    <a:pt x="359914" y="47715"/>
-                  </a:cubicBezTo>
-                  <a:cubicBezTo>
-                    <a:pt x="373408" y="73909"/>
-                    <a:pt x="370234" y="168365"/>
-                    <a:pt x="371821" y="219165"/>
-                  </a:cubicBezTo>
-                  <a:cubicBezTo>
-                    <a:pt x="373409" y="269965"/>
-                    <a:pt x="370630" y="312431"/>
-                    <a:pt x="369439" y="352515"/>
-                  </a:cubicBezTo>
-                  <a:cubicBezTo>
-                    <a:pt x="368248" y="392599"/>
-                    <a:pt x="368249" y="442209"/>
-                    <a:pt x="364677" y="459671"/>
-                  </a:cubicBezTo>
-                  <a:cubicBezTo>
-                    <a:pt x="361105" y="477134"/>
-                    <a:pt x="362296" y="464831"/>
-                    <a:pt x="348008" y="457290"/>
-                  </a:cubicBezTo>
-                  <a:cubicBezTo>
-                    <a:pt x="333721" y="449749"/>
-                    <a:pt x="299986" y="425539"/>
-                    <a:pt x="278952" y="414427"/>
-                  </a:cubicBezTo>
-                  <a:cubicBezTo>
-                    <a:pt x="257918" y="403315"/>
-                    <a:pt x="240455" y="391806"/>
-                    <a:pt x="221802" y="390615"/>
-                  </a:cubicBezTo>
-                  <a:cubicBezTo>
-                    <a:pt x="203149" y="389424"/>
-                    <a:pt x="184892" y="398949"/>
-                    <a:pt x="167033" y="407283"/>
-                  </a:cubicBezTo>
-                  <a:cubicBezTo>
-                    <a:pt x="149174" y="415617"/>
-                    <a:pt x="136077" y="429905"/>
-                    <a:pt x="114646" y="440621"/>
-                  </a:cubicBezTo>
-                  <a:cubicBezTo>
-                    <a:pt x="93215" y="451337"/>
-                    <a:pt x="57496" y="514440"/>
-                    <a:pt x="38446" y="471577"/>
-                  </a:cubicBezTo>
-                  <a:cubicBezTo>
-                    <a:pt x="19396" y="428715"/>
-                    <a:pt x="2330" y="260043"/>
-                    <a:pt x="346" y="183446"/>
-                  </a:cubicBezTo>
-                  <a:cubicBezTo>
-                    <a:pt x="-1638" y="106849"/>
-                    <a:pt x="4711" y="19537"/>
-                    <a:pt x="24158" y="2471"/>
-                  </a:cubicBezTo>
-                  <a:close/>
-                </a:path>
-              </a:pathLst>
-            </a:custGeom>
-            <a:grpFill/>
-            <a:ln>
-              <a:noFill/>
-            </a:ln>
-          </p:spPr>
-          <p:style>
-            <a:lnRef idx="2">
-              <a:schemeClr val="accent1">
-                <a:shade val="50000"/>
-              </a:schemeClr>
-            </a:lnRef>
-            <a:fillRef idx="1">
-              <a:schemeClr val="accent1"/>
-            </a:fillRef>
-            <a:effectRef idx="0">
-              <a:schemeClr val="accent1"/>
-            </a:effectRef>
-            <a:fontRef idx="minor">
-              <a:schemeClr val="lt1"/>
-            </a:fontRef>
-          </p:style>
-          <p:txBody>
-            <a:bodyPr rtlCol="0" anchor="ctr"/>
-            <a:lstStyle/>
-            <a:p>
-              <a:pPr algn="r"/>
-              <a:endParaRPr lang="pt-BR"/>
-            </a:p>
-          </p:txBody>
-        </p:sp>
-      </p:grpSp>
-      <p:grpSp>
-        <p:nvGrpSpPr>
-          <p:cNvPr id="381" name="Grupo 380"/>
-          <p:cNvGrpSpPr/>
-          <p:nvPr/>
-        </p:nvGrpSpPr>
-        <p:grpSpPr>
-          <a:xfrm rot="10800000">
-            <a:off x="3917353" y="812038"/>
-            <a:ext cx="175181" cy="125105"/>
-            <a:chOff x="5486443" y="2358614"/>
-            <a:chExt cx="550022" cy="392797"/>
-          </a:xfrm>
-          <a:solidFill>
-            <a:srgbClr val="FF5757"/>
-          </a:solidFill>
-        </p:grpSpPr>
-        <p:sp>
-          <p:nvSpPr>
-            <p:cNvPr id="382" name="Elipse 381"/>
-            <p:cNvSpPr/>
-            <p:nvPr/>
-          </p:nvSpPr>
-          <p:spPr>
-            <a:xfrm rot="11038808">
-              <a:off x="5486443" y="2358614"/>
-              <a:ext cx="338336" cy="392797"/>
-            </a:xfrm>
-            <a:prstGeom prst="ellipse">
-              <a:avLst/>
-            </a:prstGeom>
-            <a:grpFill/>
-            <a:ln>
-              <a:noFill/>
-            </a:ln>
-          </p:spPr>
-          <p:style>
-            <a:lnRef idx="2">
-              <a:schemeClr val="accent1">
-                <a:shade val="50000"/>
-              </a:schemeClr>
-            </a:lnRef>
-            <a:fillRef idx="1">
-              <a:schemeClr val="accent1"/>
-            </a:fillRef>
-            <a:effectRef idx="0">
-              <a:schemeClr val="accent1"/>
-            </a:effectRef>
-            <a:fontRef idx="minor">
-              <a:schemeClr val="lt1"/>
-            </a:fontRef>
-          </p:style>
-          <p:txBody>
-            <a:bodyPr rtlCol="0" anchor="ctr"/>
-            <a:lstStyle/>
-            <a:p>
-              <a:pPr algn="r"/>
-              <a:endParaRPr lang="pt-BR"/>
-            </a:p>
-          </p:txBody>
-        </p:sp>
-        <p:sp>
-          <p:nvSpPr>
-            <p:cNvPr id="383" name="Forma livre 382"/>
-            <p:cNvSpPr/>
-            <p:nvPr/>
-          </p:nvSpPr>
-          <p:spPr>
-            <a:xfrm rot="11038808">
-              <a:off x="5664167" y="2374992"/>
-              <a:ext cx="372298" cy="360040"/>
-            </a:xfrm>
-            <a:custGeom>
-              <a:avLst/>
-              <a:gdLst>
-                <a:gd name="connsiteX0" fmla="*/ 24158 w 372298"/>
-                <a:gd name="connsiteY0" fmla="*/ 2471 h 486330"/>
-                <a:gd name="connsiteX1" fmla="*/ 117027 w 372298"/>
-                <a:gd name="connsiteY1" fmla="*/ 81052 h 486330"/>
-                <a:gd name="connsiteX2" fmla="*/ 224183 w 372298"/>
-                <a:gd name="connsiteY2" fmla="*/ 119152 h 486330"/>
-                <a:gd name="connsiteX3" fmla="*/ 276571 w 372298"/>
-                <a:gd name="connsiteY3" fmla="*/ 73908 h 486330"/>
-                <a:gd name="connsiteX4" fmla="*/ 290858 w 372298"/>
-                <a:gd name="connsiteY4" fmla="*/ 62002 h 486330"/>
-                <a:gd name="connsiteX5" fmla="*/ 359914 w 372298"/>
-                <a:gd name="connsiteY5" fmla="*/ 47715 h 486330"/>
-                <a:gd name="connsiteX6" fmla="*/ 371821 w 372298"/>
-                <a:gd name="connsiteY6" fmla="*/ 219165 h 486330"/>
-                <a:gd name="connsiteX7" fmla="*/ 369439 w 372298"/>
-                <a:gd name="connsiteY7" fmla="*/ 352515 h 486330"/>
-                <a:gd name="connsiteX8" fmla="*/ 364677 w 372298"/>
-                <a:gd name="connsiteY8" fmla="*/ 459671 h 486330"/>
-                <a:gd name="connsiteX9" fmla="*/ 348008 w 372298"/>
-                <a:gd name="connsiteY9" fmla="*/ 457290 h 486330"/>
-                <a:gd name="connsiteX10" fmla="*/ 278952 w 372298"/>
-                <a:gd name="connsiteY10" fmla="*/ 414427 h 486330"/>
-                <a:gd name="connsiteX11" fmla="*/ 221802 w 372298"/>
-                <a:gd name="connsiteY11" fmla="*/ 390615 h 486330"/>
-                <a:gd name="connsiteX12" fmla="*/ 167033 w 372298"/>
-                <a:gd name="connsiteY12" fmla="*/ 407283 h 486330"/>
-                <a:gd name="connsiteX13" fmla="*/ 114646 w 372298"/>
-                <a:gd name="connsiteY13" fmla="*/ 440621 h 486330"/>
-                <a:gd name="connsiteX14" fmla="*/ 38446 w 372298"/>
-                <a:gd name="connsiteY14" fmla="*/ 471577 h 486330"/>
-                <a:gd name="connsiteX15" fmla="*/ 346 w 372298"/>
-                <a:gd name="connsiteY15" fmla="*/ 183446 h 486330"/>
-                <a:gd name="connsiteX16" fmla="*/ 24158 w 372298"/>
-                <a:gd name="connsiteY16" fmla="*/ 2471 h 486330"/>
-              </a:gdLst>
-              <a:ahLst/>
-              <a:cxnLst>
-                <a:cxn ang="0">
-                  <a:pos x="connsiteX0" y="connsiteY0"/>
-                </a:cxn>
-                <a:cxn ang="0">
-                  <a:pos x="connsiteX1" y="connsiteY1"/>
-                </a:cxn>
-                <a:cxn ang="0">
-                  <a:pos x="connsiteX2" y="connsiteY2"/>
-                </a:cxn>
-                <a:cxn ang="0">
-                  <a:pos x="connsiteX3" y="connsiteY3"/>
-                </a:cxn>
-                <a:cxn ang="0">
-                  <a:pos x="connsiteX4" y="connsiteY4"/>
-                </a:cxn>
-                <a:cxn ang="0">
-                  <a:pos x="connsiteX5" y="connsiteY5"/>
-                </a:cxn>
-                <a:cxn ang="0">
-                  <a:pos x="connsiteX6" y="connsiteY6"/>
-                </a:cxn>
-                <a:cxn ang="0">
-                  <a:pos x="connsiteX7" y="connsiteY7"/>
-                </a:cxn>
-                <a:cxn ang="0">
-                  <a:pos x="connsiteX8" y="connsiteY8"/>
-                </a:cxn>
-                <a:cxn ang="0">
-                  <a:pos x="connsiteX9" y="connsiteY9"/>
-                </a:cxn>
-                <a:cxn ang="0">
-                  <a:pos x="connsiteX10" y="connsiteY10"/>
-                </a:cxn>
-                <a:cxn ang="0">
-                  <a:pos x="connsiteX11" y="connsiteY11"/>
-                </a:cxn>
-                <a:cxn ang="0">
-                  <a:pos x="connsiteX12" y="connsiteY12"/>
-                </a:cxn>
-                <a:cxn ang="0">
-                  <a:pos x="connsiteX13" y="connsiteY13"/>
-                </a:cxn>
-                <a:cxn ang="0">
-                  <a:pos x="connsiteX14" y="connsiteY14"/>
-                </a:cxn>
-                <a:cxn ang="0">
-                  <a:pos x="connsiteX15" y="connsiteY15"/>
-                </a:cxn>
-                <a:cxn ang="0">
-                  <a:pos x="connsiteX16" y="connsiteY16"/>
-                </a:cxn>
-              </a:cxnLst>
-              <a:rect l="l" t="t" r="r" b="b"/>
-              <a:pathLst>
-                <a:path w="372298" h="486330">
-                  <a:moveTo>
-                    <a:pt x="24158" y="2471"/>
-                  </a:moveTo>
-                  <a:cubicBezTo>
-                    <a:pt x="43605" y="-14595"/>
-                    <a:pt x="83689" y="61605"/>
-                    <a:pt x="117027" y="81052"/>
-                  </a:cubicBezTo>
-                  <a:cubicBezTo>
-                    <a:pt x="150365" y="100499"/>
-                    <a:pt x="197592" y="120343"/>
-                    <a:pt x="224183" y="119152"/>
-                  </a:cubicBezTo>
-                  <a:cubicBezTo>
-                    <a:pt x="250774" y="117961"/>
-                    <a:pt x="265459" y="83433"/>
-                    <a:pt x="276571" y="73908"/>
-                  </a:cubicBezTo>
-                  <a:cubicBezTo>
-                    <a:pt x="287684" y="64383"/>
-                    <a:pt x="276967" y="66368"/>
-                    <a:pt x="290858" y="62002"/>
-                  </a:cubicBezTo>
-                  <a:cubicBezTo>
-                    <a:pt x="304749" y="57636"/>
-                    <a:pt x="346420" y="21521"/>
-                    <a:pt x="359914" y="47715"/>
-                  </a:cubicBezTo>
-                  <a:cubicBezTo>
-                    <a:pt x="373408" y="73909"/>
-                    <a:pt x="370234" y="168365"/>
-                    <a:pt x="371821" y="219165"/>
-                  </a:cubicBezTo>
-                  <a:cubicBezTo>
-                    <a:pt x="373409" y="269965"/>
-                    <a:pt x="370630" y="312431"/>
-                    <a:pt x="369439" y="352515"/>
-                  </a:cubicBezTo>
-                  <a:cubicBezTo>
-                    <a:pt x="368248" y="392599"/>
-                    <a:pt x="368249" y="442209"/>
-                    <a:pt x="364677" y="459671"/>
-                  </a:cubicBezTo>
-                  <a:cubicBezTo>
-                    <a:pt x="361105" y="477134"/>
-                    <a:pt x="362296" y="464831"/>
-                    <a:pt x="348008" y="457290"/>
-                  </a:cubicBezTo>
-                  <a:cubicBezTo>
-                    <a:pt x="333721" y="449749"/>
-                    <a:pt x="299986" y="425539"/>
-                    <a:pt x="278952" y="414427"/>
-                  </a:cubicBezTo>
-                  <a:cubicBezTo>
-                    <a:pt x="257918" y="403315"/>
-                    <a:pt x="240455" y="391806"/>
-                    <a:pt x="221802" y="390615"/>
-                  </a:cubicBezTo>
-                  <a:cubicBezTo>
-                    <a:pt x="203149" y="389424"/>
-                    <a:pt x="184892" y="398949"/>
-                    <a:pt x="167033" y="407283"/>
-                  </a:cubicBezTo>
-                  <a:cubicBezTo>
-                    <a:pt x="149174" y="415617"/>
-                    <a:pt x="136077" y="429905"/>
-                    <a:pt x="114646" y="440621"/>
-                  </a:cubicBezTo>
-                  <a:cubicBezTo>
-                    <a:pt x="93215" y="451337"/>
-                    <a:pt x="57496" y="514440"/>
-                    <a:pt x="38446" y="471577"/>
-                  </a:cubicBezTo>
-                  <a:cubicBezTo>
-                    <a:pt x="19396" y="428715"/>
-                    <a:pt x="2330" y="260043"/>
-                    <a:pt x="346" y="183446"/>
-                  </a:cubicBezTo>
-                  <a:cubicBezTo>
-                    <a:pt x="-1638" y="106849"/>
-                    <a:pt x="4711" y="19537"/>
-                    <a:pt x="24158" y="2471"/>
-                  </a:cubicBezTo>
-                  <a:close/>
-                </a:path>
-              </a:pathLst>
-            </a:custGeom>
-            <a:grpFill/>
-            <a:ln>
-              <a:noFill/>
-            </a:ln>
-          </p:spPr>
-          <p:style>
-            <a:lnRef idx="2">
-              <a:schemeClr val="accent1">
-                <a:shade val="50000"/>
-              </a:schemeClr>
-            </a:lnRef>
-            <a:fillRef idx="1">
-              <a:schemeClr val="accent1"/>
-            </a:fillRef>
-            <a:effectRef idx="0">
-              <a:schemeClr val="accent1"/>
-            </a:effectRef>
-            <a:fontRef idx="minor">
-              <a:schemeClr val="lt1"/>
-            </a:fontRef>
-          </p:style>
-          <p:txBody>
-            <a:bodyPr rtlCol="0" anchor="ctr"/>
-            <a:lstStyle/>
-            <a:p>
-              <a:pPr algn="r"/>
               <a:endParaRPr lang="pt-BR"/>
             </a:p>
           </p:txBody>
